--- a/Documents/XÂY DỰNG ỨNG DỤNG CALCULATOR.pptx
+++ b/Documents/XÂY DỰNG ỨNG DỤNG CALCULATOR.pptx
@@ -210,7 +210,7 @@
           <a:p>
             <a:fld id="{36E3EC7B-6C72-4FBB-87DF-2BD2CB7DC1E6}" type="datetimeFigureOut">
               <a:rPr lang="en-US" smtClean="0"/>
-              <a:t>12/4/2018</a:t>
+              <a:t>12/11/2018</a:t>
             </a:fld>
             <a:endParaRPr lang="en-US" dirty="0"/>
           </a:p>
@@ -781,7 +781,7 @@
           <a:p>
             <a:fld id="{48A87A34-81AB-432B-8DAE-1953F412C126}" type="datetimeFigureOut">
               <a:rPr lang="en-US" smtClean="0"/>
-              <a:t>12/4/2018</a:t>
+              <a:t>12/11/2018</a:t>
             </a:fld>
             <a:endParaRPr lang="en-US" dirty="0"/>
           </a:p>
@@ -1014,7 +1014,7 @@
           <a:p>
             <a:fld id="{48A87A34-81AB-432B-8DAE-1953F412C126}" type="datetimeFigureOut">
               <a:rPr lang="en-US" smtClean="0"/>
-              <a:t>12/4/2018</a:t>
+              <a:t>12/11/2018</a:t>
             </a:fld>
             <a:endParaRPr lang="en-US" dirty="0"/>
           </a:p>
@@ -1206,7 +1206,7 @@
           <a:p>
             <a:fld id="{48A87A34-81AB-432B-8DAE-1953F412C126}" type="datetimeFigureOut">
               <a:rPr lang="en-US" smtClean="0"/>
-              <a:t>12/4/2018</a:t>
+              <a:t>12/11/2018</a:t>
             </a:fld>
             <a:endParaRPr lang="en-US" dirty="0"/>
           </a:p>
@@ -1425,7 +1425,7 @@
           <a:p>
             <a:fld id="{48A87A34-81AB-432B-8DAE-1953F412C126}" type="datetimeFigureOut">
               <a:rPr lang="en-US" smtClean="0"/>
-              <a:t>12/4/2018</a:t>
+              <a:t>12/11/2018</a:t>
             </a:fld>
             <a:endParaRPr lang="en-US" dirty="0"/>
           </a:p>
@@ -1688,7 +1688,7 @@
           <a:p>
             <a:fld id="{48A87A34-81AB-432B-8DAE-1953F412C126}" type="datetimeFigureOut">
               <a:rPr lang="en-US" smtClean="0"/>
-              <a:t>12/4/2018</a:t>
+              <a:t>12/11/2018</a:t>
             </a:fld>
             <a:endParaRPr lang="en-US" dirty="0"/>
           </a:p>
@@ -2059,7 +2059,7 @@
           <a:p>
             <a:fld id="{48A87A34-81AB-432B-8DAE-1953F412C126}" type="datetimeFigureOut">
               <a:rPr lang="en-US" smtClean="0"/>
-              <a:t>12/4/2018</a:t>
+              <a:t>12/11/2018</a:t>
             </a:fld>
             <a:endParaRPr lang="en-US" dirty="0"/>
           </a:p>
@@ -2537,7 +2537,7 @@
           <a:p>
             <a:fld id="{48A87A34-81AB-432B-8DAE-1953F412C126}" type="datetimeFigureOut">
               <a:rPr lang="en-US" smtClean="0"/>
-              <a:t>12/4/2018</a:t>
+              <a:t>12/11/2018</a:t>
             </a:fld>
             <a:endParaRPr lang="en-US" dirty="0"/>
           </a:p>
@@ -2667,7 +2667,7 @@
           <a:p>
             <a:fld id="{48A87A34-81AB-432B-8DAE-1953F412C126}" type="datetimeFigureOut">
               <a:rPr lang="en-US" smtClean="0"/>
-              <a:t>12/4/2018</a:t>
+              <a:t>12/11/2018</a:t>
             </a:fld>
             <a:endParaRPr lang="en-US" dirty="0"/>
           </a:p>
@@ -2774,7 +2774,7 @@
           <a:p>
             <a:fld id="{48A87A34-81AB-432B-8DAE-1953F412C126}" type="datetimeFigureOut">
               <a:rPr lang="en-US" smtClean="0"/>
-              <a:t>12/4/2018</a:t>
+              <a:t>12/11/2018</a:t>
             </a:fld>
             <a:endParaRPr lang="en-US" dirty="0"/>
           </a:p>
@@ -3076,7 +3076,7 @@
           <a:p>
             <a:fld id="{48A87A34-81AB-432B-8DAE-1953F412C126}" type="datetimeFigureOut">
               <a:rPr lang="en-US" smtClean="0"/>
-              <a:t>12/4/2018</a:t>
+              <a:t>12/11/2018</a:t>
             </a:fld>
             <a:endParaRPr lang="en-US" dirty="0"/>
           </a:p>
@@ -3361,7 +3361,7 @@
             <a:fld id="{48A87A34-81AB-432B-8DAE-1953F412C126}" type="datetimeFigureOut">
               <a:rPr lang="en-US" smtClean="0"/>
               <a:pPr/>
-              <a:t>12/4/2018</a:t>
+              <a:t>12/11/2018</a:t>
             </a:fld>
             <a:endParaRPr lang="en-US" dirty="0"/>
           </a:p>
@@ -3628,7 +3628,7 @@
             <a:fld id="{48A87A34-81AB-432B-8DAE-1953F412C126}" type="datetimeFigureOut">
               <a:rPr lang="en-US" smtClean="0"/>
               <a:pPr/>
-              <a:t>12/4/2018</a:t>
+              <a:t>12/11/2018</a:t>
             </a:fld>
             <a:endParaRPr lang="en-US" dirty="0"/>
           </a:p>
@@ -4304,6 +4304,13 @@
       </p:transition>
     </mc:Fallback>
   </mc:AlternateContent>
+  <p:timing>
+    <p:tnLst>
+      <p:par>
+        <p:cTn id="1" dur="indefinite" restart="never" nodeType="tmRoot"/>
+      </p:par>
+    </p:tnLst>
+  </p:timing>
 </p:sld>
 </file>
 
@@ -4425,7 +4432,7 @@
         </p:nvGraphicFramePr>
         <p:xfrm>
           <a:off x="6154723" y="244867"/>
-          <a:ext cx="5715699" cy="6388672"/>
+          <a:ext cx="5715699" cy="6393688"/>
         </p:xfrm>
         <a:graphic>
           <a:graphicData uri="http://schemas.openxmlformats.org/drawingml/2006/table">
@@ -5384,6 +5391,13 @@
       </p:transition>
     </mc:Fallback>
   </mc:AlternateContent>
+  <p:timing>
+    <p:tnLst>
+      <p:par>
+        <p:cTn id="1" dur="indefinite" restart="never" nodeType="tmRoot"/>
+      </p:par>
+    </p:tnLst>
+  </p:timing>
 </p:sld>
 </file>
 
@@ -5519,7 +5533,7 @@
           <a:blip r:embed="rId2">
             <a:extLst>
               <a:ext uri="{96DAC541-7B7A-43D3-8B79-37D633B846F1}">
-                <asvg:svgBlip xmlns:asvg="http://schemas.microsoft.com/office/drawing/2016/SVG/main" r:embed="rId3"/>
+                <asvg:svgBlip xmlns="" xmlns:asvg="http://schemas.microsoft.com/office/drawing/2016/SVG/main" r:embed="rId3"/>
               </a:ext>
             </a:extLst>
           </a:blip>
@@ -5560,7 +5574,7 @@
         </p:nvGraphicFramePr>
         <p:xfrm>
           <a:off x="1075888" y="2963862"/>
-          <a:ext cx="4754563" cy="3284538"/>
+          <a:ext cx="4754563" cy="3292475"/>
         </p:xfrm>
         <a:graphic>
           <a:graphicData uri="http://schemas.openxmlformats.org/drawingml/2006/table">
@@ -5923,7 +5937,7 @@
         </p:nvGraphicFramePr>
         <p:xfrm>
           <a:off x="7668327" y="2595563"/>
-          <a:ext cx="1955983" cy="3581781"/>
+          <a:ext cx="1955983" cy="3583940"/>
         </p:xfrm>
         <a:graphic>
           <a:graphicData uri="http://schemas.openxmlformats.org/drawingml/2006/table">
@@ -7141,6 +7155,13 @@
       </p:transition>
     </mc:Fallback>
   </mc:AlternateContent>
+  <p:timing>
+    <p:tnLst>
+      <p:par>
+        <p:cTn id="1" dur="indefinite" restart="never" nodeType="tmRoot"/>
+      </p:par>
+    </p:tnLst>
+  </p:timing>
 </p:sld>
 </file>
 
@@ -7533,7 +7554,7 @@
           <a:blip r:embed="rId2">
             <a:extLst>
               <a:ext uri="{96DAC541-7B7A-43D3-8B79-37D633B846F1}">
-                <asvg:svgBlip xmlns:asvg="http://schemas.microsoft.com/office/drawing/2016/SVG/main" r:embed="rId3"/>
+                <asvg:svgBlip xmlns="" xmlns:asvg="http://schemas.microsoft.com/office/drawing/2016/SVG/main" r:embed="rId3"/>
               </a:ext>
             </a:extLst>
           </a:blip>
@@ -7573,6 +7594,13 @@
       </p:transition>
     </mc:Fallback>
   </mc:AlternateContent>
+  <p:timing>
+    <p:tnLst>
+      <p:par>
+        <p:cTn id="1" dur="indefinite" restart="never" nodeType="tmRoot"/>
+      </p:par>
+    </p:tnLst>
+  </p:timing>
 </p:sld>
 </file>
 
@@ -8012,7 +8040,7 @@
           <a:blip r:embed="rId2">
             <a:extLst>
               <a:ext uri="{96DAC541-7B7A-43D3-8B79-37D633B846F1}">
-                <asvg:svgBlip xmlns:asvg="http://schemas.microsoft.com/office/drawing/2016/SVG/main" r:embed="rId3"/>
+                <asvg:svgBlip xmlns="" xmlns:asvg="http://schemas.microsoft.com/office/drawing/2016/SVG/main" r:embed="rId3"/>
               </a:ext>
             </a:extLst>
           </a:blip>
@@ -8052,6 +8080,13 @@
       </p:transition>
     </mc:Fallback>
   </mc:AlternateContent>
+  <p:timing>
+    <p:tnLst>
+      <p:par>
+        <p:cTn id="1" dur="indefinite" restart="never" nodeType="tmRoot"/>
+      </p:par>
+    </p:tnLst>
+  </p:timing>
 </p:sld>
 </file>
 
@@ -8345,6 +8380,13 @@
       </p:transition>
     </mc:Fallback>
   </mc:AlternateContent>
+  <p:timing>
+    <p:tnLst>
+      <p:par>
+        <p:cTn id="1" dur="indefinite" restart="never" nodeType="tmRoot"/>
+      </p:par>
+    </p:tnLst>
+  </p:timing>
 </p:sld>
 </file>
 
@@ -8419,7 +8461,7 @@
             <p:ph idx="1"/>
             <p:extLst>
               <p:ext uri="{D42A27DB-BD31-4B8C-83A1-F6EECF244321}">
-                <p14:modId xmlns:p14="http://schemas.microsoft.com/office/powerpoint/2010/main" val="2329149639"/>
+                <p14:modId xmlns:p14="http://schemas.microsoft.com/office/powerpoint/2010/main" val="2575254984"/>
               </p:ext>
             </p:extLst>
           </p:nvPr>
@@ -8556,7 +8598,39 @@
                           <a:ea typeface="Tahoma" panose="020B0604030504040204" pitchFamily="34" charset="0"/>
                           <a:cs typeface="Microsoft Tai Le" panose="020B0502040204020203" pitchFamily="34" charset="0"/>
                         </a:rPr>
-                        <a:t>Trong thực tế, tính toán các biểu thức đại số nhanh, tiết kiệm thời gian trong việc tính toán.</a:t>
+                        <a:t>Trong thực tế, </a:t>
+                      </a:r>
+                      <a:r>
+                        <a:rPr lang="en-GB" sz="2400" smtClean="0">
+                          <a:latin typeface="Microsoft Tai Le" panose="020B0502040204020203" pitchFamily="34" charset="0"/>
+                          <a:ea typeface="Tahoma" panose="020B0604030504040204" pitchFamily="34" charset="0"/>
+                          <a:cs typeface="Microsoft Tai Le" panose="020B0502040204020203" pitchFamily="34" charset="0"/>
+                        </a:rPr>
+                        <a:t>calculator tính </a:t>
+                      </a:r>
+                      <a:r>
+                        <a:rPr lang="en-GB" sz="2400">
+                          <a:latin typeface="Microsoft Tai Le" panose="020B0502040204020203" pitchFamily="34" charset="0"/>
+                          <a:ea typeface="Tahoma" panose="020B0604030504040204" pitchFamily="34" charset="0"/>
+                          <a:cs typeface="Microsoft Tai Le" panose="020B0502040204020203" pitchFamily="34" charset="0"/>
+                        </a:rPr>
+                        <a:t>toán các biểu thức đại số </a:t>
+                      </a:r>
+                      <a:r>
+                        <a:rPr lang="en-GB" sz="2400" smtClean="0">
+                          <a:latin typeface="Microsoft Tai Le" panose="020B0502040204020203" pitchFamily="34" charset="0"/>
+                          <a:ea typeface="Tahoma" panose="020B0604030504040204" pitchFamily="34" charset="0"/>
+                          <a:cs typeface="Microsoft Tai Le" panose="020B0502040204020203" pitchFamily="34" charset="0"/>
+                        </a:rPr>
+                        <a:t>nhanh hơn, </a:t>
+                      </a:r>
+                      <a:r>
+                        <a:rPr lang="en-GB" sz="2400">
+                          <a:latin typeface="Microsoft Tai Le" panose="020B0502040204020203" pitchFamily="34" charset="0"/>
+                          <a:ea typeface="Tahoma" panose="020B0604030504040204" pitchFamily="34" charset="0"/>
+                          <a:cs typeface="Microsoft Tai Le" panose="020B0502040204020203" pitchFamily="34" charset="0"/>
+                        </a:rPr>
+                        <a:t>tiết kiệm thời gian trong việc tính toán.</a:t>
                       </a:r>
                     </a:p>
                     <a:p>
@@ -8583,7 +8657,47 @@
                           <a:ea typeface="Tahoma" panose="020B0604030504040204" pitchFamily="34" charset="0"/>
                           <a:cs typeface="Microsoft Tai Le" panose="020B0502040204020203" pitchFamily="34" charset="0"/>
                         </a:rPr>
-                        <a:t>Trong lập trình, các biểu thức đại số đều đ</a:t>
+                        <a:t>Trong lập trình, </a:t>
+                      </a:r>
+                      <a:r>
+                        <a:rPr lang="en-GB" sz="2400" smtClean="0">
+                          <a:latin typeface="Microsoft Tai Le" panose="020B0502040204020203" pitchFamily="34" charset="0"/>
+                          <a:ea typeface="Tahoma" panose="020B0604030504040204" pitchFamily="34" charset="0"/>
+                          <a:cs typeface="Microsoft Tai Le" panose="020B0502040204020203" pitchFamily="34" charset="0"/>
+                        </a:rPr>
+                        <a:t>ứng</a:t>
+                      </a:r>
+                      <a:r>
+                        <a:rPr lang="en-GB" sz="2400" baseline="0" smtClean="0">
+                          <a:latin typeface="Microsoft Tai Le" panose="020B0502040204020203" pitchFamily="34" charset="0"/>
+                          <a:ea typeface="Tahoma" panose="020B0604030504040204" pitchFamily="34" charset="0"/>
+                          <a:cs typeface="Microsoft Tai Le" panose="020B0502040204020203" pitchFamily="34" charset="0"/>
+                        </a:rPr>
+                        <a:t> dụng stack vào calculator để tính </a:t>
+                      </a:r>
+                      <a:r>
+                        <a:rPr lang="en-GB" sz="2400" smtClean="0">
+                          <a:latin typeface="Microsoft Tai Le" panose="020B0502040204020203" pitchFamily="34" charset="0"/>
+                          <a:ea typeface="Tahoma" panose="020B0604030504040204" pitchFamily="34" charset="0"/>
+                          <a:cs typeface="Microsoft Tai Le" panose="020B0502040204020203" pitchFamily="34" charset="0"/>
+                        </a:rPr>
+                        <a:t>các </a:t>
+                      </a:r>
+                      <a:r>
+                        <a:rPr lang="en-GB" sz="2400">
+                          <a:latin typeface="Microsoft Tai Le" panose="020B0502040204020203" pitchFamily="34" charset="0"/>
+                          <a:ea typeface="Tahoma" panose="020B0604030504040204" pitchFamily="34" charset="0"/>
+                          <a:cs typeface="Microsoft Tai Le" panose="020B0502040204020203" pitchFamily="34" charset="0"/>
+                        </a:rPr>
+                        <a:t>biểu thức đại số </a:t>
+                      </a:r>
+                      <a:r>
+                        <a:rPr lang="en-GB" sz="2400" smtClean="0">
+                          <a:latin typeface="Microsoft Tai Le" panose="020B0502040204020203" pitchFamily="34" charset="0"/>
+                          <a:ea typeface="Tahoma" panose="020B0604030504040204" pitchFamily="34" charset="0"/>
+                          <a:cs typeface="Microsoft Tai Le" panose="020B0502040204020203" pitchFamily="34" charset="0"/>
+                        </a:rPr>
+                        <a:t>đ</a:t>
                       </a:r>
                       <a:r>
                         <a:rPr lang="vi-VN" sz="2400">
@@ -8656,54 +8770,92 @@
                         <a:buChar char="v"/>
                       </a:pPr>
                       <a:r>
+                        <a:rPr lang="vi-VN" sz="2400" smtClean="0">
+                          <a:latin typeface="Microsoft Tai Le" panose="020B0502040204020203" pitchFamily="34" charset="0"/>
+                          <a:ea typeface="Tahoma" panose="020B0604030504040204" pitchFamily="34" charset="0"/>
+                          <a:cs typeface="Microsoft Tai Le" panose="020B0502040204020203" pitchFamily="34" charset="0"/>
+                        </a:rPr>
+                        <a:t>X</a:t>
+                      </a:r>
+                      <a:r>
+                        <a:rPr lang="en-US" sz="2400" smtClean="0">
+                          <a:latin typeface="Microsoft Tai Le" panose="020B0502040204020203" pitchFamily="34" charset="0"/>
+                          <a:ea typeface="Tahoma" panose="020B0604030504040204" pitchFamily="34" charset="0"/>
+                          <a:cs typeface="Microsoft Tai Le" panose="020B0502040204020203" pitchFamily="34" charset="0"/>
+                        </a:rPr>
+                        <a:t>ây</a:t>
+                      </a:r>
+                      <a:r>
+                        <a:rPr lang="vi-VN" sz="2400" smtClean="0">
+                          <a:latin typeface="Microsoft Tai Le" panose="020B0502040204020203" pitchFamily="34" charset="0"/>
+                          <a:ea typeface="Tahoma" panose="020B0604030504040204" pitchFamily="34" charset="0"/>
+                          <a:cs typeface="Microsoft Tai Le" panose="020B0502040204020203" pitchFamily="34" charset="0"/>
+                        </a:rPr>
+                        <a:t> dựng được giao diện dễ sử dụng.</a:t>
+                      </a:r>
+                      <a:endParaRPr lang="en-GB" sz="2400">
+                        <a:latin typeface="Microsoft Tai Le" panose="020B0502040204020203" pitchFamily="34" charset="0"/>
+                        <a:ea typeface="Tahoma" panose="020B0604030504040204" pitchFamily="34" charset="0"/>
+                        <a:cs typeface="Microsoft Tai Le" panose="020B0502040204020203" pitchFamily="34" charset="0"/>
+                      </a:endParaRPr>
+                    </a:p>
+                    <a:p>
+                      <a:pPr marL="742950" lvl="1" indent="-285750">
+                        <a:lnSpc>
+                          <a:spcPct val="100000"/>
+                        </a:lnSpc>
+                        <a:buFont typeface="Wingdings" panose="05000000000000000000" pitchFamily="2" charset="2"/>
+                        <a:buChar char="v"/>
+                      </a:pPr>
+                      <a:r>
                         <a:rPr lang="en-GB" sz="2400">
                           <a:latin typeface="Microsoft Tai Le" panose="020B0502040204020203" pitchFamily="34" charset="0"/>
                           <a:ea typeface="Tahoma" panose="020B0604030504040204" pitchFamily="34" charset="0"/>
                           <a:cs typeface="Microsoft Tai Le" panose="020B0502040204020203" pitchFamily="34" charset="0"/>
                         </a:rPr>
-                        <a:t>Sử dụng các toolbox của C# Winform</a:t>
-                      </a:r>
-                    </a:p>
-                    <a:p>
-                      <a:pPr marL="742950" lvl="1" indent="-285750">
-                        <a:lnSpc>
-                          <a:spcPct val="100000"/>
-                        </a:lnSpc>
-                        <a:buFont typeface="Wingdings" panose="05000000000000000000" pitchFamily="2" charset="2"/>
-                        <a:buChar char="v"/>
-                      </a:pPr>
+                        <a:t>Nhập đ</a:t>
+                      </a:r>
+                      <a:r>
+                        <a:rPr lang="vi-VN" sz="2400">
+                          <a:latin typeface="Tahoma" panose="020B0604030504040204" pitchFamily="34" charset="0"/>
+                          <a:ea typeface="Tahoma" panose="020B0604030504040204" pitchFamily="34" charset="0"/>
+                          <a:cs typeface="Microsoft Tai Le" panose="020B0502040204020203" pitchFamily="34" charset="0"/>
+                        </a:rPr>
+                        <a:t>ư</a:t>
+                      </a:r>
                       <a:r>
                         <a:rPr lang="en-GB" sz="2400">
                           <a:latin typeface="Microsoft Tai Le" panose="020B0502040204020203" pitchFamily="34" charset="0"/>
                           <a:ea typeface="Tahoma" panose="020B0604030504040204" pitchFamily="34" charset="0"/>
                           <a:cs typeface="Microsoft Tai Le" panose="020B0502040204020203" pitchFamily="34" charset="0"/>
                         </a:rPr>
-                        <a:t>Nhập đ</a:t>
-                      </a:r>
-                      <a:r>
-                        <a:rPr lang="vi-VN" sz="2400">
-                          <a:latin typeface="Tahoma" panose="020B0604030504040204" pitchFamily="34" charset="0"/>
-                          <a:ea typeface="Tahoma" panose="020B0604030504040204" pitchFamily="34" charset="0"/>
-                          <a:cs typeface="Microsoft Tai Le" panose="020B0502040204020203" pitchFamily="34" charset="0"/>
-                        </a:rPr>
-                        <a:t>ư</a:t>
-                      </a:r>
+                        <a:t>ợc dữ liệu từ bàn phím</a:t>
+                      </a:r>
+                    </a:p>
+                    <a:p>
+                      <a:pPr marL="285750" lvl="0" indent="-285750">
+                        <a:lnSpc>
+                          <a:spcPct val="100000"/>
+                        </a:lnSpc>
+                        <a:buFont typeface="Wingdings" panose="05000000000000000000" pitchFamily="2" charset="2"/>
+                        <a:buChar char="Ø"/>
+                      </a:pPr>
                       <a:r>
                         <a:rPr lang="en-GB" sz="2400">
                           <a:latin typeface="Microsoft Tai Le" panose="020B0502040204020203" pitchFamily="34" charset="0"/>
                           <a:ea typeface="Tahoma" panose="020B0604030504040204" pitchFamily="34" charset="0"/>
                           <a:cs typeface="Microsoft Tai Le" panose="020B0502040204020203" pitchFamily="34" charset="0"/>
                         </a:rPr>
-                        <a:t>ợc dữ liệu từ bàn phím</a:t>
-                      </a:r>
-                    </a:p>
-                    <a:p>
-                      <a:pPr marL="285750" lvl="0" indent="-285750">
+                        <a:t>Về thuật toán:</a:t>
+                      </a:r>
+                    </a:p>
+                    <a:p>
+                      <a:pPr marL="742950" lvl="1" indent="-285750">
                         <a:lnSpc>
                           <a:spcPct val="100000"/>
                         </a:lnSpc>
                         <a:buFont typeface="Wingdings" panose="05000000000000000000" pitchFamily="2" charset="2"/>
-                        <a:buChar char="Ø"/>
+                        <a:buChar char="v"/>
                       </a:pPr>
                       <a:r>
                         <a:rPr lang="en-GB" sz="2400">
@@ -8711,57 +8863,64 @@
                           <a:ea typeface="Tahoma" panose="020B0604030504040204" pitchFamily="34" charset="0"/>
                           <a:cs typeface="Microsoft Tai Le" panose="020B0502040204020203" pitchFamily="34" charset="0"/>
                         </a:rPr>
-                        <a:t>Về thuật toán:</a:t>
-                      </a:r>
-                    </a:p>
-                    <a:p>
-                      <a:pPr marL="742950" lvl="1" indent="-285750">
-                        <a:lnSpc>
-                          <a:spcPct val="100000"/>
-                        </a:lnSpc>
-                        <a:buFont typeface="Wingdings" panose="05000000000000000000" pitchFamily="2" charset="2"/>
-                        <a:buChar char="v"/>
-                      </a:pPr>
+                        <a:t>Ứng dụng đ</a:t>
+                      </a:r>
+                      <a:r>
+                        <a:rPr lang="vi-VN" sz="2400">
+                          <a:latin typeface="Microsoft Tai Le" panose="020B0502040204020203" pitchFamily="34" charset="0"/>
+                          <a:ea typeface="Tahoma" panose="020B0604030504040204" pitchFamily="34" charset="0"/>
+                          <a:cs typeface="Microsoft Tai Le" panose="020B0502040204020203" pitchFamily="34" charset="0"/>
+                        </a:rPr>
+                        <a:t>ư</a:t>
+                      </a:r>
                       <a:r>
                         <a:rPr lang="en-GB" sz="2400">
                           <a:latin typeface="Microsoft Tai Le" panose="020B0502040204020203" pitchFamily="34" charset="0"/>
                           <a:ea typeface="Tahoma" panose="020B0604030504040204" pitchFamily="34" charset="0"/>
                           <a:cs typeface="Microsoft Tai Le" panose="020B0502040204020203" pitchFamily="34" charset="0"/>
                         </a:rPr>
-                        <a:t>Ứng dụng đ</a:t>
-                      </a:r>
-                      <a:r>
-                        <a:rPr lang="vi-VN" sz="2400">
-                          <a:latin typeface="Microsoft Tai Le" panose="020B0502040204020203" pitchFamily="34" charset="0"/>
-                          <a:ea typeface="Tahoma" panose="020B0604030504040204" pitchFamily="34" charset="0"/>
-                          <a:cs typeface="Microsoft Tai Le" panose="020B0502040204020203" pitchFamily="34" charset="0"/>
-                        </a:rPr>
-                        <a:t>ư</a:t>
-                      </a:r>
+                        <a:t>ợc Stack để tính giá trị biểu thức trung tố.</a:t>
+                      </a:r>
+                    </a:p>
+                    <a:p>
+                      <a:pPr marL="742950" lvl="1" indent="-285750">
+                        <a:lnSpc>
+                          <a:spcPct val="100000"/>
+                        </a:lnSpc>
+                        <a:buFont typeface="Wingdings" panose="05000000000000000000" pitchFamily="2" charset="2"/>
+                        <a:buChar char="v"/>
+                      </a:pPr>
                       <a:r>
                         <a:rPr lang="en-GB" sz="2400">
                           <a:latin typeface="Microsoft Tai Le" panose="020B0502040204020203" pitchFamily="34" charset="0"/>
                           <a:ea typeface="Tahoma" panose="020B0604030504040204" pitchFamily="34" charset="0"/>
                           <a:cs typeface="Microsoft Tai Le" panose="020B0502040204020203" pitchFamily="34" charset="0"/>
                         </a:rPr>
-                        <a:t>ợc Stack để tính giá trị biểu thức trung tố.</a:t>
-                      </a:r>
-                    </a:p>
-                    <a:p>
-                      <a:pPr marL="742950" lvl="1" indent="-285750">
-                        <a:lnSpc>
-                          <a:spcPct val="100000"/>
-                        </a:lnSpc>
-                        <a:buFont typeface="Wingdings" panose="05000000000000000000" pitchFamily="2" charset="2"/>
-                        <a:buChar char="v"/>
-                      </a:pPr>
-                      <a:r>
-                        <a:rPr lang="en-GB" sz="2400">
+                        <a:t>Thực hiện đựợc biểu thức có chứa toán </a:t>
+                      </a:r>
+                      <a:r>
+                        <a:rPr lang="en-GB" sz="2400" smtClean="0">
                           <a:latin typeface="Microsoft Tai Le" panose="020B0502040204020203" pitchFamily="34" charset="0"/>
                           <a:ea typeface="Tahoma" panose="020B0604030504040204" pitchFamily="34" charset="0"/>
                           <a:cs typeface="Microsoft Tai Le" panose="020B0502040204020203" pitchFamily="34" charset="0"/>
                         </a:rPr>
-                        <a:t>Thực hiện đựợc biểu thức có chứa toán tử.</a:t>
+                        <a:t>tử:</a:t>
+                      </a:r>
+                      <a:r>
+                        <a:rPr lang="en-GB" sz="2400" baseline="0" smtClean="0">
+                          <a:latin typeface="Microsoft Tai Le" panose="020B0502040204020203" pitchFamily="34" charset="0"/>
+                          <a:ea typeface="Tahoma" panose="020B0604030504040204" pitchFamily="34" charset="0"/>
+                          <a:cs typeface="Microsoft Tai Le" panose="020B0502040204020203" pitchFamily="34" charset="0"/>
+                        </a:rPr>
+                        <a:t> </a:t>
+                      </a:r>
+                      <a:r>
+                        <a:rPr lang="es-ES" sz="2400" baseline="0" smtClean="0">
+                          <a:latin typeface="Microsoft Tai Le" panose="020B0502040204020203" pitchFamily="34" charset="0"/>
+                          <a:ea typeface="Tahoma" panose="020B0604030504040204" pitchFamily="34" charset="0"/>
+                          <a:cs typeface="Microsoft Tai Le" panose="020B0502040204020203" pitchFamily="34" charset="0"/>
+                        </a:rPr>
+                        <a:t>+  -  *  /  sin  cos  tag  cotg sqrt  % ( )</a:t>
                       </a:r>
                       <a:endParaRPr lang="en-US" sz="2400" dirty="0">
                         <a:latin typeface="Microsoft Tai Le" panose="020B0502040204020203" pitchFamily="34" charset="0"/>
@@ -8800,7 +8959,7 @@
           <a:blip r:embed="rId2">
             <a:extLst>
               <a:ext uri="{96DAC541-7B7A-43D3-8B79-37D633B846F1}">
-                <asvg:svgBlip xmlns:asvg="http://schemas.microsoft.com/office/drawing/2016/SVG/main" r:embed="rId3"/>
+                <asvg:svgBlip xmlns="" xmlns:asvg="http://schemas.microsoft.com/office/drawing/2016/SVG/main" r:embed="rId3"/>
               </a:ext>
             </a:extLst>
           </a:blip>
@@ -8840,6 +8999,13 @@
       </p:transition>
     </mc:Fallback>
   </mc:AlternateContent>
+  <p:timing>
+    <p:tnLst>
+      <p:par>
+        <p:cTn id="1" dur="indefinite" restart="never" nodeType="tmRoot"/>
+      </p:par>
+    </p:tnLst>
+  </p:timing>
 </p:sld>
 </file>
 
@@ -8912,66 +9078,119 @@
         <p:spPr/>
         <p:txBody>
           <a:bodyPr>
-            <a:normAutofit fontScale="77500" lnSpcReduction="20000"/>
+            <a:normAutofit fontScale="70000" lnSpcReduction="20000"/>
           </a:bodyPr>
           <a:lstStyle/>
           <a:p>
-            <a:pPr lvl="0"/>
+            <a:pPr lvl="0">
+              <a:lnSpc>
+                <a:spcPct val="120000"/>
+              </a:lnSpc>
+            </a:pPr>
             <a:r>
               <a:rPr lang="en-US"/>
               <a:t>Giả sử S là một biểu thức được cho ở dạng trung tố. Khởi tạo 2 Stack: Sh, St.</a:t>
             </a:r>
           </a:p>
           <a:p>
-            <a:pPr lvl="0"/>
+            <a:pPr lvl="0">
+              <a:lnSpc>
+                <a:spcPct val="120000"/>
+              </a:lnSpc>
+            </a:pPr>
             <a:r>
               <a:rPr lang="en-US"/>
               <a:t>Stack Sh dùng để lưu trữ toán hạng, Stack St dùng để lưu trữ toán tử.</a:t>
             </a:r>
           </a:p>
           <a:p>
-            <a:pPr lvl="0"/>
+            <a:pPr lvl="0">
+              <a:lnSpc>
+                <a:spcPct val="120000"/>
+              </a:lnSpc>
+            </a:pPr>
             <a:r>
               <a:rPr lang="en-US"/>
               <a:t>Duyệt S từ trái sang phải:</a:t>
             </a:r>
           </a:p>
           <a:p>
-            <a:pPr lvl="0"/>
+            <a:pPr lvl="0">
+              <a:lnSpc>
+                <a:spcPct val="120000"/>
+              </a:lnSpc>
+            </a:pPr>
             <a:r>
               <a:rPr lang="en-US"/>
               <a:t>Nếu S[i] là toán hạng, Push vào Sh.</a:t>
             </a:r>
           </a:p>
           <a:p>
-            <a:pPr lvl="0"/>
+            <a:pPr lvl="0">
+              <a:lnSpc>
+                <a:spcPct val="120000"/>
+              </a:lnSpc>
+            </a:pPr>
             <a:r>
               <a:rPr lang="en-US"/>
-              <a:t>Nếu S[i] = ’(’, Push vào St.</a:t>
+              <a:t>Nếu S[i] = </a:t>
             </a:r>
-          </a:p>
-          <a:p>
-            <a:pPr lvl="0"/>
+            <a:r>
+              <a:rPr lang="en-US" smtClean="0"/>
+              <a:t>‘(’, </a:t>
+            </a:r>
+            <a:r>
+              <a:rPr lang="en-US"/>
+              <a:t>Push vào St.</a:t>
+            </a:r>
+          </a:p>
+          <a:p>
+            <a:pPr lvl="0">
+              <a:lnSpc>
+                <a:spcPct val="120000"/>
+              </a:lnSpc>
+            </a:pPr>
             <a:r>
               <a:rPr lang="en-US"/>
               <a:t>Nếu S[i] là toán tử có độ ưu tiên cao hơn toán tử hiện có trên đỉnh St thì Push vào St</a:t>
             </a:r>
           </a:p>
           <a:p>
-            <a:pPr lvl="0"/>
+            <a:pPr lvl="0">
+              <a:lnSpc>
+                <a:spcPct val="120000"/>
+              </a:lnSpc>
+            </a:pPr>
             <a:r>
               <a:rPr lang="en-US"/>
               <a:t>Nếu S[i] là toán tử có độ ưu tiên thấp hơn hoặc bằng toán tử hiện có trên đỉnh St thì Pop toán tử có trên đỉnh St và Pop 2 toán hạng trên đỉnh Sh. Sau đó, thực hiện phép tính, kết quả Push vào Sh.Tiếp theo, Push S[i] vào St.</a:t>
             </a:r>
           </a:p>
           <a:p>
-            <a:pPr lvl="0"/>
+            <a:pPr lvl="0">
+              <a:lnSpc>
+                <a:spcPct val="120000"/>
+              </a:lnSpc>
+            </a:pPr>
             <a:r>
               <a:rPr lang="en-US"/>
-              <a:t>Nếu S[i] = ’)’ thì Pop toán tử có trên đỉnh St và Pop 2 toán hạng trên đỉnh Sh. Sau đó, thực hiện phép tính, kết quả Push vào Sh. Tiếp theo, bỏ dấu ‘(‘ gặp phải đầu tiên ra khỏi St.</a:t>
+              <a:t>Nếu S[i] = </a:t>
             </a:r>
-          </a:p>
-          <a:p>
+            <a:r>
+              <a:rPr lang="en-US" smtClean="0"/>
+              <a:t>‘)’ </a:t>
+            </a:r>
+            <a:r>
+              <a:rPr lang="en-US"/>
+              <a:t>thì Pop toán tử có trên đỉnh St và Pop 2 toán hạng trên đỉnh Sh. Sau đó, thực hiện phép tính, kết quả Push vào Sh. Tiếp theo, bỏ dấu ‘(‘ gặp phải đầu tiên ra khỏi St.</a:t>
+            </a:r>
+          </a:p>
+          <a:p>
+            <a:pPr>
+              <a:lnSpc>
+                <a:spcPct val="120000"/>
+              </a:lnSpc>
+            </a:pPr>
             <a:r>
               <a:rPr lang="en-US"/>
               <a:t>Thực hiện đến khi nào St rỗng và Sh còn 1 toán hạng duy nhất thì đó là kết quả. </a:t>
@@ -8997,7 +9216,7 @@
           <a:blip r:embed="rId2">
             <a:extLst>
               <a:ext uri="{96DAC541-7B7A-43D3-8B79-37D633B846F1}">
-                <asvg:svgBlip xmlns:asvg="http://schemas.microsoft.com/office/drawing/2016/SVG/main" r:embed="rId3"/>
+                <asvg:svgBlip xmlns="" xmlns:asvg="http://schemas.microsoft.com/office/drawing/2016/SVG/main" r:embed="rId3"/>
               </a:ext>
             </a:extLst>
           </a:blip>
@@ -9073,6 +9292,13 @@
       </p:transition>
     </mc:Fallback>
   </mc:AlternateContent>
+  <p:timing>
+    <p:tnLst>
+      <p:par>
+        <p:cTn id="1" dur="indefinite" restart="never" nodeType="tmRoot"/>
+      </p:par>
+    </p:tnLst>
+  </p:timing>
 </p:sld>
 </file>
 
@@ -9984,6 +10210,13 @@
       </p:transition>
     </mc:Fallback>
   </mc:AlternateContent>
+  <p:timing>
+    <p:tnLst>
+      <p:par>
+        <p:cTn id="1" dur="indefinite" restart="never" nodeType="tmRoot"/>
+      </p:par>
+    </p:tnLst>
+  </p:timing>
 </p:sld>
 </file>
 
@@ -10056,7 +10289,7 @@
         </p:nvGraphicFramePr>
         <p:xfrm>
           <a:off x="555071" y="1677800"/>
-          <a:ext cx="11081857" cy="4862195"/>
+          <a:ext cx="11081857" cy="5087563"/>
         </p:xfrm>
         <a:graphic>
           <a:graphicData uri="http://schemas.openxmlformats.org/drawingml/2006/table">
@@ -11646,6 +11879,13 @@
       </p:transition>
     </mc:Fallback>
   </mc:AlternateContent>
+  <p:timing>
+    <p:tnLst>
+      <p:par>
+        <p:cTn id="1" dur="indefinite" restart="never" nodeType="tmRoot"/>
+      </p:par>
+    </p:tnLst>
+  </p:timing>
 </p:sld>
 </file>
 
@@ -11722,7 +11962,7 @@
           <a:blip r:embed="rId2">
             <a:extLst>
               <a:ext uri="{96DAC541-7B7A-43D3-8B79-37D633B846F1}">
-                <asvg:svgBlip xmlns:asvg="http://schemas.microsoft.com/office/drawing/2016/SVG/main" r:embed="rId3"/>
+                <asvg:svgBlip xmlns="" xmlns:asvg="http://schemas.microsoft.com/office/drawing/2016/SVG/main" r:embed="rId3"/>
               </a:ext>
             </a:extLst>
           </a:blip>
@@ -11830,6 +12070,13 @@
       </p:transition>
     </mc:Fallback>
   </mc:AlternateContent>
+  <p:timing>
+    <p:tnLst>
+      <p:par>
+        <p:cTn id="1" dur="indefinite" restart="never" nodeType="tmRoot"/>
+      </p:par>
+    </p:tnLst>
+  </p:timing>
 </p:sld>
 </file>
 
@@ -11943,7 +12190,7 @@
         </p:nvGraphicFramePr>
         <p:xfrm>
           <a:off x="1167947" y="2575420"/>
-          <a:ext cx="4729616" cy="3636518"/>
+          <a:ext cx="4729616" cy="3650996"/>
         </p:xfrm>
         <a:graphic>
           <a:graphicData uri="http://schemas.openxmlformats.org/drawingml/2006/table">
@@ -12228,7 +12475,7 @@
         </p:nvGraphicFramePr>
         <p:xfrm>
           <a:off x="6263958" y="2575420"/>
-          <a:ext cx="4754562" cy="3278950"/>
+          <a:ext cx="4754562" cy="3291967"/>
         </p:xfrm>
         <a:graphic>
           <a:graphicData uri="http://schemas.openxmlformats.org/drawingml/2006/table">
@@ -12439,7 +12686,7 @@
           <a:blip r:embed="rId2">
             <a:extLst>
               <a:ext uri="{96DAC541-7B7A-43D3-8B79-37D633B846F1}">
-                <asvg:svgBlip xmlns:asvg="http://schemas.microsoft.com/office/drawing/2016/SVG/main" r:embed="rId3"/>
+                <asvg:svgBlip xmlns="" xmlns:asvg="http://schemas.microsoft.com/office/drawing/2016/SVG/main" r:embed="rId3"/>
               </a:ext>
             </a:extLst>
           </a:blip>
@@ -12479,6 +12726,13 @@
       </p:transition>
     </mc:Fallback>
   </mc:AlternateContent>
+  <p:timing>
+    <p:tnLst>
+      <p:par>
+        <p:cTn id="1" dur="indefinite" restart="never" nodeType="tmRoot"/>
+      </p:par>
+    </p:tnLst>
+  </p:timing>
 </p:sld>
 </file>
 
@@ -12624,7 +12878,7 @@
           <a:blip r:embed="rId2">
             <a:extLst>
               <a:ext uri="{96DAC541-7B7A-43D3-8B79-37D633B846F1}">
-                <asvg:svgBlip xmlns:asvg="http://schemas.microsoft.com/office/drawing/2016/SVG/main" r:embed="rId3"/>
+                <asvg:svgBlip xmlns="" xmlns:asvg="http://schemas.microsoft.com/office/drawing/2016/SVG/main" r:embed="rId3"/>
               </a:ext>
             </a:extLst>
           </a:blip>
@@ -12665,7 +12919,7 @@
         </p:nvGraphicFramePr>
         <p:xfrm>
           <a:off x="1168265" y="2738012"/>
-          <a:ext cx="4754563" cy="2785618"/>
+          <a:ext cx="4754563" cy="2802954"/>
         </p:xfrm>
         <a:graphic>
           <a:graphicData uri="http://schemas.openxmlformats.org/drawingml/2006/table">
@@ -12843,7 +13097,7 @@
         </p:nvGraphicFramePr>
         <p:xfrm>
           <a:off x="6268857" y="2414609"/>
-          <a:ext cx="5368954" cy="4169029"/>
+          <a:ext cx="5368954" cy="4173347"/>
         </p:xfrm>
         <a:graphic>
           <a:graphicData uri="http://schemas.openxmlformats.org/drawingml/2006/table">
@@ -13581,6 +13835,13 @@
       </p:transition>
     </mc:Fallback>
   </mc:AlternateContent>
+  <p:timing>
+    <p:tnLst>
+      <p:par>
+        <p:cTn id="1" dur="indefinite" restart="never" nodeType="tmRoot"/>
+      </p:par>
+    </p:tnLst>
+  </p:timing>
 </p:sld>
 </file>
 

--- a/Documents/XÂY DỰNG ỨNG DỤNG CALCULATOR.pptx
+++ b/Documents/XÂY DỰNG ỨNG DỤNG CALCULATOR.pptx
@@ -5,7 +5,7 @@
     <p:sldMasterId id="2147483684" r:id="rId1"/>
   </p:sldMasterIdLst>
   <p:notesMasterIdLst>
-    <p:notesMasterId r:id="rId16"/>
+    <p:notesMasterId r:id="rId15"/>
   </p:notesMasterIdLst>
   <p:sldIdLst>
     <p:sldId id="256" r:id="rId2"/>
@@ -17,11 +17,10 @@
     <p:sldId id="262" r:id="rId8"/>
     <p:sldId id="263" r:id="rId9"/>
     <p:sldId id="271" r:id="rId10"/>
-    <p:sldId id="272" r:id="rId11"/>
-    <p:sldId id="273" r:id="rId12"/>
-    <p:sldId id="264" r:id="rId13"/>
-    <p:sldId id="265" r:id="rId14"/>
-    <p:sldId id="274" r:id="rId15"/>
+    <p:sldId id="264" r:id="rId11"/>
+    <p:sldId id="275" r:id="rId12"/>
+    <p:sldId id="265" r:id="rId13"/>
+    <p:sldId id="274" r:id="rId14"/>
   </p:sldIdLst>
   <p:sldSz cx="12192000" cy="6858000"/>
   <p:notesSz cx="6858000" cy="9144000"/>
@@ -779,7 +778,7 @@
             </a:lvl1pPr>
           </a:lstStyle>
           <a:p>
-            <a:fld id="{48A87A34-81AB-432B-8DAE-1953F412C126}" type="datetimeFigureOut">
+            <a:fld id="{2019C377-C055-48EB-B9C0-7C4549137A2B}" type="datetime1">
               <a:rPr lang="en-US" smtClean="0"/>
               <a:t>12/11/2018</a:t>
             </a:fld>
@@ -1012,7 +1011,7 @@
           <a:bodyPr/>
           <a:lstStyle/>
           <a:p>
-            <a:fld id="{48A87A34-81AB-432B-8DAE-1953F412C126}" type="datetimeFigureOut">
+            <a:fld id="{875492DB-2892-4DE1-AFC7-A0A2EF94A73F}" type="datetime1">
               <a:rPr lang="en-US" smtClean="0"/>
               <a:t>12/11/2018</a:t>
             </a:fld>
@@ -1204,7 +1203,7 @@
           <a:bodyPr/>
           <a:lstStyle/>
           <a:p>
-            <a:fld id="{48A87A34-81AB-432B-8DAE-1953F412C126}" type="datetimeFigureOut">
+            <a:fld id="{098AF45B-4298-4764-A76B-C023482E2122}" type="datetime1">
               <a:rPr lang="en-US" smtClean="0"/>
               <a:t>12/11/2018</a:t>
             </a:fld>
@@ -1423,7 +1422,7 @@
           <a:bodyPr/>
           <a:lstStyle/>
           <a:p>
-            <a:fld id="{48A87A34-81AB-432B-8DAE-1953F412C126}" type="datetimeFigureOut">
+            <a:fld id="{EC2CA8DC-C1A9-4C21-9E1B-C0198DB4B950}" type="datetime1">
               <a:rPr lang="en-US" smtClean="0"/>
               <a:t>12/11/2018</a:t>
             </a:fld>
@@ -1686,7 +1685,7 @@
           <a:bodyPr/>
           <a:lstStyle/>
           <a:p>
-            <a:fld id="{48A87A34-81AB-432B-8DAE-1953F412C126}" type="datetimeFigureOut">
+            <a:fld id="{317502F8-12C2-4267-8D75-8C6A053DAFAD}" type="datetime1">
               <a:rPr lang="en-US" smtClean="0"/>
               <a:t>12/11/2018</a:t>
             </a:fld>
@@ -2057,7 +2056,7 @@
           <a:bodyPr/>
           <a:lstStyle/>
           <a:p>
-            <a:fld id="{48A87A34-81AB-432B-8DAE-1953F412C126}" type="datetimeFigureOut">
+            <a:fld id="{FEA27259-E656-426E-A7A7-5AF958B4E607}" type="datetime1">
               <a:rPr lang="en-US" smtClean="0"/>
               <a:t>12/11/2018</a:t>
             </a:fld>
@@ -2535,7 +2534,7 @@
           <a:bodyPr/>
           <a:lstStyle/>
           <a:p>
-            <a:fld id="{48A87A34-81AB-432B-8DAE-1953F412C126}" type="datetimeFigureOut">
+            <a:fld id="{A5CACFCB-BCBB-46CF-B427-849C1576BF98}" type="datetime1">
               <a:rPr lang="en-US" smtClean="0"/>
               <a:t>12/11/2018</a:t>
             </a:fld>
@@ -2665,7 +2664,7 @@
           <a:bodyPr/>
           <a:lstStyle/>
           <a:p>
-            <a:fld id="{48A87A34-81AB-432B-8DAE-1953F412C126}" type="datetimeFigureOut">
+            <a:fld id="{010E7706-291F-4304-A490-9C1AEBC46308}" type="datetime1">
               <a:rPr lang="en-US" smtClean="0"/>
               <a:t>12/11/2018</a:t>
             </a:fld>
@@ -2772,7 +2771,7 @@
           <a:bodyPr/>
           <a:lstStyle/>
           <a:p>
-            <a:fld id="{48A87A34-81AB-432B-8DAE-1953F412C126}" type="datetimeFigureOut">
+            <a:fld id="{4BC3C98D-B98E-43F2-A7D0-E45EF0160FA5}" type="datetime1">
               <a:rPr lang="en-US" smtClean="0"/>
               <a:t>12/11/2018</a:t>
             </a:fld>
@@ -3074,7 +3073,7 @@
           <a:bodyPr/>
           <a:lstStyle/>
           <a:p>
-            <a:fld id="{48A87A34-81AB-432B-8DAE-1953F412C126}" type="datetimeFigureOut">
+            <a:fld id="{181D3858-1432-49DD-816E-7C9EB392FD4E}" type="datetime1">
               <a:rPr lang="en-US" smtClean="0"/>
               <a:t>12/11/2018</a:t>
             </a:fld>
@@ -3358,9 +3357,8 @@
           <a:bodyPr/>
           <a:lstStyle/>
           <a:p>
-            <a:fld id="{48A87A34-81AB-432B-8DAE-1953F412C126}" type="datetimeFigureOut">
+            <a:fld id="{E199E699-34F2-4D10-9A32-9FD75567B43E}" type="datetime1">
               <a:rPr lang="en-US" smtClean="0"/>
-              <a:pPr/>
               <a:t>12/11/2018</a:t>
             </a:fld>
             <a:endParaRPr lang="en-US" dirty="0"/>
@@ -3625,9 +3623,8 @@
             </a:lvl1pPr>
           </a:lstStyle>
           <a:p>
-            <a:fld id="{48A87A34-81AB-432B-8DAE-1953F412C126}" type="datetimeFigureOut">
+            <a:fld id="{4B2DCD9D-0EC7-4CEE-B584-5C79BDB75C46}" type="datetime1">
               <a:rPr lang="en-US" smtClean="0"/>
-              <a:pPr/>
               <a:t>12/11/2018</a:t>
             </a:fld>
             <a:endParaRPr lang="en-US" dirty="0"/>
@@ -3730,6 +3727,7 @@
     <p:sldLayoutId id="2147483694" r:id="rId10"/>
     <p:sldLayoutId id="2147483695" r:id="rId11"/>
   </p:sldLayoutIdLst>
+  <p:hf hdr="0" dt="0"/>
   <p:txStyles>
     <p:titleStyle>
       <a:lvl1pPr algn="l" defTabSz="914400" rtl="0" eaLnBrk="1" latinLnBrk="0" hangingPunct="1">
@@ -4237,7 +4235,7 @@
                     <a:p>
                       <a:pPr algn="ctr"/>
                       <a:r>
-                        <a:rPr lang="en-GB" sz="2400">
+                        <a:rPr lang="en-GB" sz="2400" smtClean="0">
                           <a:latin typeface="Segoe UI Black" panose="020B0A02040204020203" pitchFamily="34" charset="0"/>
                           <a:ea typeface="Segoe UI Black" panose="020B0A02040204020203" pitchFamily="34" charset="0"/>
                         </a:rPr>
@@ -4275,6 +4273,120 @@
                 <a:extLst>
                   <a:ext uri="{0D108BD9-81ED-4DB2-BD59-A6C34878D82A}">
                     <a16:rowId xmlns:a16="http://schemas.microsoft.com/office/drawing/2014/main" val="1745424671"/>
+                  </a:ext>
+                </a:extLst>
+              </a:tr>
+            </a:tbl>
+          </a:graphicData>
+        </a:graphic>
+      </p:graphicFrame>
+      <p:sp>
+        <p:nvSpPr>
+          <p:cNvPr id="3" name="Footer Placeholder 2"/>
+          <p:cNvSpPr>
+            <a:spLocks noGrp="1"/>
+          </p:cNvSpPr>
+          <p:nvPr>
+            <p:ph type="ftr" sz="quarter" idx="11"/>
+          </p:nvPr>
+        </p:nvSpPr>
+        <p:spPr/>
+        <p:txBody>
+          <a:bodyPr/>
+          <a:lstStyle/>
+          <a:p>
+            <a:endParaRPr lang="en-US" dirty="0"/>
+          </a:p>
+        </p:txBody>
+      </p:sp>
+      <p:sp>
+        <p:nvSpPr>
+          <p:cNvPr id="5" name="Slide Number Placeholder 4"/>
+          <p:cNvSpPr>
+            <a:spLocks noGrp="1"/>
+          </p:cNvSpPr>
+          <p:nvPr>
+            <p:ph type="sldNum" sz="quarter" idx="12"/>
+          </p:nvPr>
+        </p:nvSpPr>
+        <p:spPr/>
+        <p:txBody>
+          <a:bodyPr/>
+          <a:lstStyle/>
+          <a:p>
+            <a:fld id="{6D22F896-40B5-4ADD-8801-0D06FADFA095}" type="slidenum">
+              <a:rPr lang="en-US" smtClean="0"/>
+              <a:t>1</a:t>
+            </a:fld>
+            <a:endParaRPr lang="en-US" dirty="0"/>
+          </a:p>
+        </p:txBody>
+      </p:sp>
+      <p:graphicFrame>
+        <p:nvGraphicFramePr>
+          <p:cNvPr id="6" name="Table 5"/>
+          <p:cNvGraphicFramePr>
+            <a:graphicFrameLocks noGrp="1"/>
+          </p:cNvGraphicFramePr>
+          <p:nvPr>
+            <p:extLst>
+              <p:ext uri="{D42A27DB-BD31-4B8C-83A1-F6EECF244321}">
+                <p14:modId xmlns:p14="http://schemas.microsoft.com/office/powerpoint/2010/main" val="2370768441"/>
+              </p:ext>
+            </p:extLst>
+          </p:nvPr>
+        </p:nvGraphicFramePr>
+        <p:xfrm>
+          <a:off x="2029460" y="5243119"/>
+          <a:ext cx="8128000" cy="457200"/>
+        </p:xfrm>
+        <a:graphic>
+          <a:graphicData uri="http://schemas.openxmlformats.org/drawingml/2006/table">
+            <a:tbl>
+              <a:tblPr firstRow="1" bandRow="1">
+                <a:tableStyleId>{5C22544A-7EE6-4342-B048-85BDC9FD1C3A}</a:tableStyleId>
+              </a:tblPr>
+              <a:tblGrid>
+                <a:gridCol w="8128000">
+                  <a:extLst>
+                    <a:ext uri="{9D8B030D-6E8A-4147-A177-3AD203B41FA5}">
+                      <a16:colId xmlns:a16="http://schemas.microsoft.com/office/drawing/2014/main" val="4011590692"/>
+                    </a:ext>
+                  </a:extLst>
+                </a:gridCol>
+              </a:tblGrid>
+              <a:tr h="370840">
+                <a:tc>
+                  <a:txBody>
+                    <a:bodyPr/>
+                    <a:lstStyle/>
+                    <a:p>
+                      <a:pPr algn="ctr"/>
+                      <a:r>
+                        <a:rPr lang="en-US" sz="2400" smtClean="0">
+                          <a:latin typeface="Segoe UI Black" panose="020B0A02040204020203" pitchFamily="34" charset="0"/>
+                          <a:ea typeface="Segoe UI Black" panose="020B0A02040204020203" pitchFamily="34" charset="0"/>
+                        </a:rPr>
+                        <a:t>GVHD: Trần</a:t>
+                      </a:r>
+                      <a:r>
+                        <a:rPr lang="en-US" sz="2400" baseline="0" smtClean="0">
+                          <a:latin typeface="Segoe UI Black" panose="020B0A02040204020203" pitchFamily="34" charset="0"/>
+                          <a:ea typeface="Segoe UI Black" panose="020B0A02040204020203" pitchFamily="34" charset="0"/>
+                        </a:rPr>
+                        <a:t> Công Tú</a:t>
+                      </a:r>
+                      <a:endParaRPr lang="en-US" sz="2400">
+                        <a:latin typeface="Segoe UI Black" panose="020B0A02040204020203" pitchFamily="34" charset="0"/>
+                        <a:ea typeface="Segoe UI Black" panose="020B0A02040204020203" pitchFamily="34" charset="0"/>
+                      </a:endParaRPr>
+                    </a:p>
+                  </a:txBody>
+                  <a:tcPr/>
+                </a:tc>
+                <a:extLst>
+                  <a:ext uri="{0D108BD9-81ED-4DB2-BD59-A6C34878D82A}">
+                    <a16:rowId xmlns:a16="http://schemas.microsoft.com/office/drawing/2014/main" val="3881105077"/>
                   </a:ext>
                 </a:extLst>
               </a:tr>
@@ -4349,7 +4461,7 @@
         </p:nvSpPr>
         <p:spPr>
           <a:xfrm>
-            <a:off x="228600" y="244867"/>
+            <a:off x="1096766" y="244867"/>
             <a:ext cx="9875520" cy="1356360"/>
           </a:xfrm>
         </p:spPr>
@@ -4358,1010 +4470,205 @@
           <a:lstStyle/>
           <a:p>
             <a:r>
-              <a:rPr lang="en-GB">
-                <a:latin typeface="Rockwell" panose="02060603020205020403" pitchFamily="18" charset="0"/>
-              </a:rPr>
-              <a:t>I</a:t>
+              <a:rPr lang="en-GB"/>
+              <a:t>V. CÀI ĐẶT VÀ KIỂM THỬ</a:t>
             </a:r>
-            <a:r>
-              <a:rPr lang="en-US">
-                <a:latin typeface="Rockwell" panose="02060603020205020403" pitchFamily="18" charset="0"/>
-              </a:rPr>
-              <a:t>V. CÁC HÀM CHÍNH</a:t>
-            </a:r>
-            <a:endParaRPr lang="en-US" dirty="0">
-              <a:latin typeface="Rockwell" panose="02060603020205020403" pitchFamily="18" charset="0"/>
-            </a:endParaRPr>
+            <a:endParaRPr lang="en-US" dirty="0"/>
           </a:p>
         </p:txBody>
       </p:sp>
-      <p:sp>
-        <p:nvSpPr>
-          <p:cNvPr id="9" name="Text Placeholder 8">
+      <p:pic>
+        <p:nvPicPr>
+          <p:cNvPr id="5" name="Graphic 4" descr="Footprints">
             <a:extLst>
               <a:ext uri="{FF2B5EF4-FFF2-40B4-BE49-F238E27FC236}">
-                <a16:creationId xmlns:a16="http://schemas.microsoft.com/office/drawing/2014/main" id="{D63E4155-33A4-4CCC-B07C-D3BFF95BA20D}"/>
+                <a16:creationId xmlns:a16="http://schemas.microsoft.com/office/drawing/2014/main" id="{5DF9218C-81FD-4DF0-92B2-C386681A6996}"/>
               </a:ext>
             </a:extLst>
           </p:cNvPr>
-          <p:cNvSpPr>
-            <a:spLocks noGrp="1"/>
-          </p:cNvSpPr>
-          <p:nvPr>
-            <p:ph type="body" idx="1"/>
-          </p:nvPr>
-        </p:nvSpPr>
+          <p:cNvPicPr>
+            <a:picLocks noChangeAspect="1"/>
+          </p:cNvPicPr>
+          <p:nvPr/>
+        </p:nvPicPr>
+        <p:blipFill>
+          <a:blip r:embed="rId2">
+            <a:extLst>
+              <a:ext uri="{96DAC541-7B7A-43D3-8B79-37D633B846F1}">
+                <asvg:svgBlip xmlns="" xmlns:asvg="http://schemas.microsoft.com/office/drawing/2016/SVG/main" r:embed="rId3"/>
+              </a:ext>
+            </a:extLst>
+          </a:blip>
+          <a:stretch>
+            <a:fillRect/>
+          </a:stretch>
+        </p:blipFill>
         <p:spPr>
           <a:xfrm>
-            <a:off x="578840" y="2118957"/>
-            <a:ext cx="5369374" cy="777240"/>
+            <a:off x="8448501" y="465847"/>
+            <a:ext cx="914400" cy="914400"/>
           </a:xfrm>
+          <a:prstGeom prst="rect">
+            <a:avLst/>
+          </a:prstGeom>
         </p:spPr>
-        <p:txBody>
-          <a:bodyPr/>
-          <a:lstStyle/>
-          <a:p>
-            <a:pPr lvl="0"/>
-            <a:r>
-              <a:rPr lang="en-US"/>
-              <a:t>Xử lí các phép toán trong dấu “)” ngoặc</a:t>
-            </a:r>
-          </a:p>
-        </p:txBody>
-      </p:sp>
+      </p:pic>
       <p:graphicFrame>
         <p:nvGraphicFramePr>
-          <p:cNvPr id="19" name="Content Placeholder 18">
-            <a:extLst>
-              <a:ext uri="{FF2B5EF4-FFF2-40B4-BE49-F238E27FC236}">
-                <a16:creationId xmlns:a16="http://schemas.microsoft.com/office/drawing/2014/main" id="{CFA71138-C32A-4149-955F-8E138212EF7C}"/>
-              </a:ext>
-            </a:extLst>
-          </p:cNvPr>
+          <p:cNvPr id="3" name="Table 2"/>
           <p:cNvGraphicFramePr>
             <a:graphicFrameLocks noGrp="1"/>
           </p:cNvGraphicFramePr>
           <p:nvPr>
-            <p:ph sz="half" idx="2"/>
             <p:extLst>
               <p:ext uri="{D42A27DB-BD31-4B8C-83A1-F6EECF244321}">
-                <p14:modId xmlns:p14="http://schemas.microsoft.com/office/powerpoint/2010/main" val="1711663472"/>
+                <p14:modId xmlns:p14="http://schemas.microsoft.com/office/powerpoint/2010/main" val="1994076273"/>
               </p:ext>
             </p:extLst>
           </p:nvPr>
         </p:nvGraphicFramePr>
         <p:xfrm>
-          <a:off x="6154723" y="244867"/>
-          <a:ext cx="5715699" cy="6393688"/>
+          <a:off x="2426252" y="2294647"/>
+          <a:ext cx="4936332" cy="3118197"/>
         </p:xfrm>
         <a:graphic>
           <a:graphicData uri="http://schemas.openxmlformats.org/drawingml/2006/table">
             <a:tbl>
-              <a:tblPr firstRow="1" firstCol="1" bandRow="1">
+              <a:tblPr firstRow="1" bandRow="1">
                 <a:tableStyleId>{5C22544A-7EE6-4342-B048-85BDC9FD1C3A}</a:tableStyleId>
               </a:tblPr>
               <a:tblGrid>
-                <a:gridCol w="5715699">
+                <a:gridCol w="4936332">
                   <a:extLst>
                     <a:ext uri="{9D8B030D-6E8A-4147-A177-3AD203B41FA5}">
-                      <a16:colId xmlns:a16="http://schemas.microsoft.com/office/drawing/2014/main" val="3088778007"/>
+                      <a16:colId xmlns:a16="http://schemas.microsoft.com/office/drawing/2014/main" val="1312835405"/>
                     </a:ext>
                   </a:extLst>
                 </a:gridCol>
               </a:tblGrid>
-              <a:tr h="3384550">
+              <a:tr h="328313">
                 <a:tc>
                   <a:txBody>
                     <a:bodyPr/>
                     <a:lstStyle/>
                     <a:p>
-                      <a:pPr>
+                      <a:r>
+                        <a:rPr lang="en-GB">
+                          <a:latin typeface="Tahoma" panose="020B0604030504040204" pitchFamily="34" charset="0"/>
+                          <a:ea typeface="Tahoma" panose="020B0604030504040204" pitchFamily="34" charset="0"/>
+                          <a:cs typeface="Tahoma" panose="020B0604030504040204" pitchFamily="34" charset="0"/>
+                        </a:rPr>
+                        <a:t>C</a:t>
+                      </a:r>
+                      <a:r>
+                        <a:rPr lang="en-US">
+                          <a:latin typeface="Tahoma" panose="020B0604030504040204" pitchFamily="34" charset="0"/>
+                          <a:ea typeface="Tahoma" panose="020B0604030504040204" pitchFamily="34" charset="0"/>
+                          <a:cs typeface="Tahoma" panose="020B0604030504040204" pitchFamily="34" charset="0"/>
+                        </a:rPr>
+                        <a:t>ài đặt</a:t>
+                      </a:r>
+                      <a:endParaRPr lang="en-US" dirty="0">
+                        <a:latin typeface="Tahoma" panose="020B0604030504040204" pitchFamily="34" charset="0"/>
+                        <a:ea typeface="Tahoma" panose="020B0604030504040204" pitchFamily="34" charset="0"/>
+                        <a:cs typeface="Tahoma" panose="020B0604030504040204" pitchFamily="34" charset="0"/>
+                      </a:endParaRPr>
+                    </a:p>
+                  </a:txBody>
+                  <a:tcPr/>
+                </a:tc>
+                <a:extLst>
+                  <a:ext uri="{0D108BD9-81ED-4DB2-BD59-A6C34878D82A}">
+                    <a16:rowId xmlns:a16="http://schemas.microsoft.com/office/drawing/2014/main" val="3959209117"/>
+                  </a:ext>
+                </a:extLst>
+              </a:tr>
+              <a:tr h="2752437">
+                <a:tc>
+                  <a:txBody>
+                    <a:bodyPr/>
+                    <a:lstStyle/>
+                    <a:p>
+                      <a:pPr marL="0" marR="0" lvl="0" indent="0" algn="l" defTabSz="914400" rtl="0" eaLnBrk="1" fontAlgn="auto" latinLnBrk="0" hangingPunct="1">
                         <a:lnSpc>
-                          <a:spcPct val="107000"/>
+                          <a:spcPct val="150000"/>
                         </a:lnSpc>
+                        <a:spcBef>
+                          <a:spcPts val="0"/>
+                        </a:spcBef>
                         <a:spcAft>
                           <a:spcPts val="0"/>
                         </a:spcAft>
+                        <a:buClrTx/>
+                        <a:buSzTx/>
+                        <a:buFont typeface="Wingdings" panose="05000000000000000000" pitchFamily="2" charset="2"/>
+                        <a:buNone/>
+                        <a:tabLst/>
+                        <a:defRPr/>
                       </a:pPr>
                       <a:r>
-                        <a:rPr lang="en-US" sz="700">
-                          <a:effectLst/>
-                        </a:rPr>
-                        <a:t>                if (manhinh.Text[i] == ')')</a:t>
+                        <a:rPr lang="en-GB" sz="2400">
+                          <a:latin typeface="Tahoma" panose="020B0604030504040204" pitchFamily="34" charset="0"/>
+                          <a:ea typeface="Tahoma" panose="020B0604030504040204" pitchFamily="34" charset="0"/>
+                          <a:cs typeface="Tahoma" panose="020B0604030504040204" pitchFamily="34" charset="0"/>
+                        </a:rPr>
+                        <a:t>Ứng dụng Calculator đ</a:t>
+                      </a:r>
+                      <a:r>
+                        <a:rPr lang="vi-VN" sz="2400">
+                          <a:latin typeface="Tahoma" panose="020B0604030504040204" pitchFamily="34" charset="0"/>
+                          <a:ea typeface="Tahoma" panose="020B0604030504040204" pitchFamily="34" charset="0"/>
+                          <a:cs typeface="Tahoma" panose="020B0604030504040204" pitchFamily="34" charset="0"/>
+                        </a:rPr>
+                        <a:t>ư</a:t>
+                      </a:r>
+                      <a:r>
+                        <a:rPr lang="en-GB" sz="2400">
+                          <a:latin typeface="Tahoma" panose="020B0604030504040204" pitchFamily="34" charset="0"/>
+                          <a:ea typeface="Tahoma" panose="020B0604030504040204" pitchFamily="34" charset="0"/>
+                          <a:cs typeface="Tahoma" panose="020B0604030504040204" pitchFamily="34" charset="0"/>
+                        </a:rPr>
+                        <a:t>ợc cài đặt trên Visual Studio 2017</a:t>
                       </a:r>
                     </a:p>
                     <a:p>
-                      <a:pPr>
+                      <a:pPr marL="0" marR="0" lvl="0" indent="0" algn="l" defTabSz="914400" rtl="0" eaLnBrk="1" fontAlgn="auto" latinLnBrk="0" hangingPunct="1">
                         <a:lnSpc>
-                          <a:spcPct val="107000"/>
+                          <a:spcPct val="150000"/>
                         </a:lnSpc>
+                        <a:spcBef>
+                          <a:spcPts val="0"/>
+                        </a:spcBef>
                         <a:spcAft>
                           <a:spcPts val="0"/>
                         </a:spcAft>
+                        <a:buClrTx/>
+                        <a:buSzTx/>
+                        <a:buFont typeface="Wingdings" panose="05000000000000000000" pitchFamily="2" charset="2"/>
+                        <a:buNone/>
+                        <a:tabLst/>
+                        <a:defRPr/>
                       </a:pPr>
                       <a:r>
-                        <a:rPr lang="en-US" sz="700">
-                          <a:effectLst/>
-                        </a:rPr>
-                        <a:t>                {</a:t>
-                      </a:r>
-                    </a:p>
-                    <a:p>
-                      <a:pPr>
-                        <a:lnSpc>
-                          <a:spcPct val="107000"/>
-                        </a:lnSpc>
-                        <a:spcAft>
-                          <a:spcPts val="0"/>
-                        </a:spcAft>
-                      </a:pPr>
-                      <a:r>
-                        <a:rPr lang="en-US" sz="700">
-                          <a:effectLst/>
-                        </a:rPr>
-                        <a:t>                    str1 = "+"; // khai báo str1 ảo(tránh stack rỗng)</a:t>
-                      </a:r>
-                    </a:p>
-                    <a:p>
-                      <a:pPr>
-                        <a:lnSpc>
-                          <a:spcPct val="107000"/>
-                        </a:lnSpc>
-                        <a:spcAft>
-                          <a:spcPts val="0"/>
-                        </a:spcAft>
-                      </a:pPr>
-                      <a:r>
-                        <a:rPr lang="en-US" sz="700">
-                          <a:effectLst/>
-                        </a:rPr>
-                        <a:t>                    while (str1 != "(")</a:t>
-                      </a:r>
-                    </a:p>
-                    <a:p>
-                      <a:pPr>
-                        <a:lnSpc>
-                          <a:spcPct val="107000"/>
-                        </a:lnSpc>
-                        <a:spcAft>
-                          <a:spcPts val="0"/>
-                        </a:spcAft>
-                      </a:pPr>
-                      <a:r>
-                        <a:rPr lang="en-US" sz="700">
-                          <a:effectLst/>
-                        </a:rPr>
-                        <a:t>                    {</a:t>
-                      </a:r>
-                    </a:p>
-                    <a:p>
-                      <a:pPr>
-                        <a:lnSpc>
-                          <a:spcPct val="107000"/>
-                        </a:lnSpc>
-                        <a:spcAft>
-                          <a:spcPts val="0"/>
-                        </a:spcAft>
-                      </a:pPr>
-                      <a:r>
-                        <a:rPr lang="en-US" sz="700">
-                          <a:effectLst/>
-                        </a:rPr>
-                        <a:t>                        </a:t>
-                      </a:r>
-                    </a:p>
-                    <a:p>
-                      <a:pPr>
-                        <a:lnSpc>
-                          <a:spcPct val="107000"/>
-                        </a:lnSpc>
-                        <a:spcAft>
-                          <a:spcPts val="0"/>
-                        </a:spcAft>
-                      </a:pPr>
-                      <a:r>
-                        <a:rPr lang="en-US" sz="700">
-                          <a:effectLst/>
-                        </a:rPr>
-                        <a:t>                        a = double.Parse((sh.Pop().ToString()));</a:t>
-                      </a:r>
-                    </a:p>
-                    <a:p>
-                      <a:pPr>
-                        <a:lnSpc>
-                          <a:spcPct val="107000"/>
-                        </a:lnSpc>
-                        <a:spcAft>
-                          <a:spcPts val="0"/>
-                        </a:spcAft>
-                      </a:pPr>
-                      <a:r>
-                        <a:rPr lang="en-US" sz="700">
-                          <a:effectLst/>
-                        </a:rPr>
-                        <a:t>                        str1 = st.Pop().ToString();</a:t>
-                      </a:r>
-                    </a:p>
-                    <a:p>
-                      <a:pPr>
-                        <a:lnSpc>
-                          <a:spcPct val="107000"/>
-                        </a:lnSpc>
-                        <a:spcAft>
-                          <a:spcPts val="0"/>
-                        </a:spcAft>
-                      </a:pPr>
-                      <a:r>
-                        <a:rPr lang="en-US" sz="700">
-                          <a:effectLst/>
-                        </a:rPr>
-                        <a:t>                        if (str1 == "(")</a:t>
-                      </a:r>
-                    </a:p>
-                    <a:p>
-                      <a:pPr>
-                        <a:lnSpc>
-                          <a:spcPct val="107000"/>
-                        </a:lnSpc>
-                        <a:spcAft>
-                          <a:spcPts val="0"/>
-                        </a:spcAft>
-                      </a:pPr>
-                      <a:r>
-                        <a:rPr lang="en-US" sz="700">
-                          <a:effectLst/>
-                        </a:rPr>
-                        <a:t>                        {</a:t>
-                      </a:r>
-                    </a:p>
-                    <a:p>
-                      <a:pPr>
-                        <a:lnSpc>
-                          <a:spcPct val="107000"/>
-                        </a:lnSpc>
-                        <a:spcAft>
-                          <a:spcPts val="0"/>
-                        </a:spcAft>
-                      </a:pPr>
-                      <a:r>
-                        <a:rPr lang="en-US" sz="700">
-                          <a:effectLst/>
-                        </a:rPr>
-                        <a:t>                            sh.Push(a);</a:t>
-                      </a:r>
-                    </a:p>
-                    <a:p>
-                      <a:pPr>
-                        <a:lnSpc>
-                          <a:spcPct val="107000"/>
-                        </a:lnSpc>
-                        <a:spcAft>
-                          <a:spcPts val="0"/>
-                        </a:spcAft>
-                      </a:pPr>
-                      <a:r>
-                        <a:rPr lang="en-US" sz="700">
-                          <a:effectLst/>
-                        </a:rPr>
-                        <a:t>                            break;</a:t>
-                      </a:r>
-                    </a:p>
-                    <a:p>
-                      <a:pPr>
-                        <a:lnSpc>
-                          <a:spcPct val="107000"/>
-                        </a:lnSpc>
-                        <a:spcAft>
-                          <a:spcPts val="0"/>
-                        </a:spcAft>
-                      </a:pPr>
-                      <a:r>
-                        <a:rPr lang="en-US" sz="700">
-                          <a:effectLst/>
-                        </a:rPr>
-                        <a:t>                        }</a:t>
-                      </a:r>
-                    </a:p>
-                    <a:p>
-                      <a:pPr>
-                        <a:lnSpc>
-                          <a:spcPct val="107000"/>
-                        </a:lnSpc>
-                        <a:spcAft>
-                          <a:spcPts val="0"/>
-                        </a:spcAft>
-                      </a:pPr>
-                      <a:r>
-                        <a:rPr lang="en-US" sz="700">
-                          <a:effectLst/>
-                        </a:rPr>
-                        <a:t>                        if (sh.Count == 0 &amp;&amp; (str1 == "+" || str1 == "-")) b = 0;</a:t>
-                      </a:r>
-                    </a:p>
-                    <a:p>
-                      <a:pPr>
-                        <a:lnSpc>
-                          <a:spcPct val="107000"/>
-                        </a:lnSpc>
-                        <a:spcAft>
-                          <a:spcPts val="0"/>
-                        </a:spcAft>
-                      </a:pPr>
-                      <a:r>
-                        <a:rPr lang="en-US" sz="700">
-                          <a:effectLst/>
-                        </a:rPr>
-                        <a:t>                        else</a:t>
-                      </a:r>
-                    </a:p>
-                    <a:p>
-                      <a:pPr>
-                        <a:lnSpc>
-                          <a:spcPct val="107000"/>
-                        </a:lnSpc>
-                        <a:spcAft>
-                          <a:spcPts val="0"/>
-                        </a:spcAft>
-                      </a:pPr>
-                      <a:r>
-                        <a:rPr lang="en-US" sz="700">
-                          <a:effectLst/>
-                        </a:rPr>
-                        <a:t>                            if (sh.Count == 0 &amp;&amp; (str1 == "*" || str1 == "/"))</a:t>
-                      </a:r>
-                    </a:p>
-                    <a:p>
-                      <a:pPr>
-                        <a:lnSpc>
-                          <a:spcPct val="107000"/>
-                        </a:lnSpc>
-                        <a:spcAft>
-                          <a:spcPts val="0"/>
-                        </a:spcAft>
-                      </a:pPr>
-                      <a:r>
-                        <a:rPr lang="en-US" sz="700">
-                          <a:effectLst/>
-                        </a:rPr>
-                        <a:t>                            {</a:t>
-                      </a:r>
-                    </a:p>
-                    <a:p>
-                      <a:pPr>
-                        <a:lnSpc>
-                          <a:spcPct val="107000"/>
-                        </a:lnSpc>
-                        <a:spcAft>
-                          <a:spcPts val="0"/>
-                        </a:spcAft>
-                      </a:pPr>
-                      <a:r>
-                        <a:rPr lang="en-US" sz="700">
-                          <a:effectLst/>
-                        </a:rPr>
-                        <a:t>                                MessageBox.Show("Loi!");</a:t>
-                      </a:r>
-                    </a:p>
-                    <a:p>
-                      <a:pPr>
-                        <a:lnSpc>
-                          <a:spcPct val="107000"/>
-                        </a:lnSpc>
-                        <a:spcAft>
-                          <a:spcPts val="0"/>
-                        </a:spcAft>
-                      </a:pPr>
-                      <a:r>
-                        <a:rPr lang="en-US" sz="700">
-                          <a:effectLst/>
-                        </a:rPr>
-                        <a:t>                                break;</a:t>
-                      </a:r>
-                    </a:p>
-                    <a:p>
-                      <a:pPr>
-                        <a:lnSpc>
-                          <a:spcPct val="107000"/>
-                        </a:lnSpc>
-                        <a:spcAft>
-                          <a:spcPts val="0"/>
-                        </a:spcAft>
-                      </a:pPr>
-                      <a:r>
-                        <a:rPr lang="en-US" sz="700">
-                          <a:effectLst/>
-                        </a:rPr>
-                        <a:t>                            }</a:t>
-                      </a:r>
-                    </a:p>
-                    <a:p>
-                      <a:pPr>
-                        <a:lnSpc>
-                          <a:spcPct val="107000"/>
-                        </a:lnSpc>
-                        <a:spcAft>
-                          <a:spcPts val="0"/>
-                        </a:spcAft>
-                      </a:pPr>
-                      <a:r>
-                        <a:rPr lang="en-US" sz="700">
-                          <a:effectLst/>
-                        </a:rPr>
-                        <a:t>                            else</a:t>
-                      </a:r>
-                    </a:p>
-                    <a:p>
-                      <a:pPr>
-                        <a:lnSpc>
-                          <a:spcPct val="107000"/>
-                        </a:lnSpc>
-                        <a:spcAft>
-                          <a:spcPts val="0"/>
-                        </a:spcAft>
-                      </a:pPr>
-                      <a:r>
-                        <a:rPr lang="en-US" sz="700">
-                          <a:effectLst/>
-                        </a:rPr>
-                        <a:t>                                b = double.Parse((sh.Pop().ToString()));</a:t>
-                      </a:r>
-                    </a:p>
-                    <a:p>
-                      <a:pPr>
-                        <a:lnSpc>
-                          <a:spcPct val="107000"/>
-                        </a:lnSpc>
-                        <a:spcAft>
-                          <a:spcPts val="0"/>
-                        </a:spcAft>
-                      </a:pPr>
-                      <a:r>
-                        <a:rPr lang="en-US" sz="700">
-                          <a:effectLst/>
-                        </a:rPr>
-                        <a:t>                        switch (str1)</a:t>
-                      </a:r>
-                    </a:p>
-                    <a:p>
-                      <a:pPr>
-                        <a:lnSpc>
-                          <a:spcPct val="107000"/>
-                        </a:lnSpc>
-                        <a:spcAft>
-                          <a:spcPts val="0"/>
-                        </a:spcAft>
-                      </a:pPr>
-                      <a:r>
-                        <a:rPr lang="en-US" sz="700">
-                          <a:effectLst/>
-                        </a:rPr>
-                        <a:t>                        {</a:t>
-                      </a:r>
-                    </a:p>
-                    <a:p>
-                      <a:pPr>
-                        <a:lnSpc>
-                          <a:spcPct val="107000"/>
-                        </a:lnSpc>
-                        <a:spcAft>
-                          <a:spcPts val="0"/>
-                        </a:spcAft>
-                      </a:pPr>
-                      <a:r>
-                        <a:rPr lang="en-US" sz="700">
-                          <a:effectLst/>
-                        </a:rPr>
-                        <a:t>                            case "+":</a:t>
-                      </a:r>
-                    </a:p>
-                    <a:p>
-                      <a:pPr>
-                        <a:lnSpc>
-                          <a:spcPct val="107000"/>
-                        </a:lnSpc>
-                        <a:spcAft>
-                          <a:spcPts val="0"/>
-                        </a:spcAft>
-                      </a:pPr>
-                      <a:r>
-                        <a:rPr lang="en-US" sz="700">
-                          <a:effectLst/>
-                        </a:rPr>
-                        <a:t>                                ketQua = (a + b);</a:t>
-                      </a:r>
-                    </a:p>
-                    <a:p>
-                      <a:pPr>
-                        <a:lnSpc>
-                          <a:spcPct val="107000"/>
-                        </a:lnSpc>
-                        <a:spcAft>
-                          <a:spcPts val="0"/>
-                        </a:spcAft>
-                      </a:pPr>
-                      <a:r>
-                        <a:rPr lang="en-US" sz="700">
-                          <a:effectLst/>
-                        </a:rPr>
-                        <a:t>                                break;</a:t>
-                      </a:r>
-                    </a:p>
-                    <a:p>
-                      <a:pPr>
-                        <a:lnSpc>
-                          <a:spcPct val="107000"/>
-                        </a:lnSpc>
-                        <a:spcAft>
-                          <a:spcPts val="0"/>
-                        </a:spcAft>
-                      </a:pPr>
-                      <a:r>
-                        <a:rPr lang="en-US" sz="700">
-                          <a:effectLst/>
-                        </a:rPr>
-                        <a:t>                            case "-":</a:t>
-                      </a:r>
-                    </a:p>
-                    <a:p>
-                      <a:pPr>
-                        <a:lnSpc>
-                          <a:spcPct val="107000"/>
-                        </a:lnSpc>
-                        <a:spcAft>
-                          <a:spcPts val="0"/>
-                        </a:spcAft>
-                      </a:pPr>
-                      <a:r>
-                        <a:rPr lang="en-US" sz="700">
-                          <a:effectLst/>
-                        </a:rPr>
-                        <a:t>                                ketQua = (b - a);</a:t>
-                      </a:r>
-                    </a:p>
-                    <a:p>
-                      <a:pPr>
-                        <a:lnSpc>
-                          <a:spcPct val="107000"/>
-                        </a:lnSpc>
-                        <a:spcAft>
-                          <a:spcPts val="0"/>
-                        </a:spcAft>
-                      </a:pPr>
-                      <a:r>
-                        <a:rPr lang="en-US" sz="700">
-                          <a:effectLst/>
-                        </a:rPr>
-                        <a:t>                                break;</a:t>
-                      </a:r>
-                    </a:p>
-                    <a:p>
-                      <a:pPr>
-                        <a:lnSpc>
-                          <a:spcPct val="107000"/>
-                        </a:lnSpc>
-                        <a:spcAft>
-                          <a:spcPts val="0"/>
-                        </a:spcAft>
-                      </a:pPr>
-                      <a:r>
-                        <a:rPr lang="en-US" sz="700">
-                          <a:effectLst/>
-                        </a:rPr>
-                        <a:t>                            case "*":</a:t>
-                      </a:r>
-                    </a:p>
-                    <a:p>
-                      <a:pPr>
-                        <a:lnSpc>
-                          <a:spcPct val="107000"/>
-                        </a:lnSpc>
-                        <a:spcAft>
-                          <a:spcPts val="0"/>
-                        </a:spcAft>
-                      </a:pPr>
-                      <a:r>
-                        <a:rPr lang="en-US" sz="700">
-                          <a:effectLst/>
-                        </a:rPr>
-                        <a:t>                                ketQua = (a * b);</a:t>
-                      </a:r>
-                    </a:p>
-                    <a:p>
-                      <a:pPr>
-                        <a:lnSpc>
-                          <a:spcPct val="107000"/>
-                        </a:lnSpc>
-                        <a:spcAft>
-                          <a:spcPts val="0"/>
-                        </a:spcAft>
-                      </a:pPr>
-                      <a:r>
-                        <a:rPr lang="en-US" sz="700">
-                          <a:effectLst/>
-                        </a:rPr>
-                        <a:t>                                break;</a:t>
-                      </a:r>
-                    </a:p>
-                    <a:p>
-                      <a:pPr>
-                        <a:lnSpc>
-                          <a:spcPct val="107000"/>
-                        </a:lnSpc>
-                        <a:spcAft>
-                          <a:spcPts val="0"/>
-                        </a:spcAft>
-                      </a:pPr>
-                      <a:r>
-                        <a:rPr lang="en-US" sz="700">
-                          <a:effectLst/>
-                        </a:rPr>
-                        <a:t>                            case "/":</a:t>
-                      </a:r>
-                    </a:p>
-                    <a:p>
-                      <a:pPr>
-                        <a:lnSpc>
-                          <a:spcPct val="107000"/>
-                        </a:lnSpc>
-                        <a:spcAft>
-                          <a:spcPts val="0"/>
-                        </a:spcAft>
-                      </a:pPr>
-                      <a:r>
-                        <a:rPr lang="en-US" sz="700">
-                          <a:effectLst/>
-                        </a:rPr>
-                        <a:t>                                if (a == 0)</a:t>
-                      </a:r>
-                    </a:p>
-                    <a:p>
-                      <a:pPr>
-                        <a:lnSpc>
-                          <a:spcPct val="107000"/>
-                        </a:lnSpc>
-                        <a:spcAft>
-                          <a:spcPts val="0"/>
-                        </a:spcAft>
-                      </a:pPr>
-                      <a:r>
-                        <a:rPr lang="en-US" sz="700">
-                          <a:effectLst/>
-                        </a:rPr>
-                        <a:t>                                {</a:t>
-                      </a:r>
-                    </a:p>
-                    <a:p>
-                      <a:pPr>
-                        <a:lnSpc>
-                          <a:spcPct val="107000"/>
-                        </a:lnSpc>
-                        <a:spcAft>
-                          <a:spcPts val="0"/>
-                        </a:spcAft>
-                      </a:pPr>
-                      <a:r>
-                        <a:rPr lang="en-US" sz="700">
-                          <a:effectLst/>
-                        </a:rPr>
-                        <a:t>                                    MessageBox.Show("Không thể chia cho 0", "Thông báo");                                </a:t>
-                      </a:r>
-                    </a:p>
-                    <a:p>
-                      <a:pPr>
-                        <a:lnSpc>
-                          <a:spcPct val="107000"/>
-                        </a:lnSpc>
-                        <a:spcAft>
-                          <a:spcPts val="0"/>
-                        </a:spcAft>
-                      </a:pPr>
-                      <a:r>
-                        <a:rPr lang="en-US" sz="700">
-                          <a:effectLst/>
-                        </a:rPr>
-                        <a:t>                                }</a:t>
-                      </a:r>
-                    </a:p>
-                    <a:p>
-                      <a:pPr>
-                        <a:lnSpc>
-                          <a:spcPct val="107000"/>
-                        </a:lnSpc>
-                        <a:spcAft>
-                          <a:spcPts val="0"/>
-                        </a:spcAft>
-                      </a:pPr>
-                      <a:r>
-                        <a:rPr lang="en-US" sz="700">
-                          <a:effectLst/>
-                        </a:rPr>
-                        <a:t>                                ketQua = (b / a);</a:t>
-                      </a:r>
-                    </a:p>
-                    <a:p>
-                      <a:pPr>
-                        <a:lnSpc>
-                          <a:spcPct val="107000"/>
-                        </a:lnSpc>
-                        <a:spcAft>
-                          <a:spcPts val="0"/>
-                        </a:spcAft>
-                      </a:pPr>
-                      <a:r>
-                        <a:rPr lang="en-US" sz="700">
-                          <a:effectLst/>
-                        </a:rPr>
-                        <a:t>                                break;</a:t>
-                      </a:r>
-                    </a:p>
-                    <a:p>
-                      <a:pPr>
-                        <a:lnSpc>
-                          <a:spcPct val="107000"/>
-                        </a:lnSpc>
-                        <a:spcAft>
-                          <a:spcPts val="0"/>
-                        </a:spcAft>
-                      </a:pPr>
-                      <a:r>
-                        <a:rPr lang="en-US" sz="700">
-                          <a:effectLst/>
-                        </a:rPr>
-                        <a:t>                            case "%":</a:t>
-                      </a:r>
-                    </a:p>
-                    <a:p>
-                      <a:pPr>
-                        <a:lnSpc>
-                          <a:spcPct val="107000"/>
-                        </a:lnSpc>
-                        <a:spcAft>
-                          <a:spcPts val="0"/>
-                        </a:spcAft>
-                      </a:pPr>
-                      <a:r>
-                        <a:rPr lang="en-US" sz="700">
-                          <a:effectLst/>
-                        </a:rPr>
-                        <a:t>                                if (a == 0)</a:t>
-                      </a:r>
-                    </a:p>
-                    <a:p>
-                      <a:pPr>
-                        <a:lnSpc>
-                          <a:spcPct val="107000"/>
-                        </a:lnSpc>
-                        <a:spcAft>
-                          <a:spcPts val="0"/>
-                        </a:spcAft>
-                      </a:pPr>
-                      <a:r>
-                        <a:rPr lang="en-US" sz="700">
-                          <a:effectLst/>
-                        </a:rPr>
-                        <a:t>                                {</a:t>
-                      </a:r>
-                    </a:p>
-                    <a:p>
-                      <a:pPr>
-                        <a:lnSpc>
-                          <a:spcPct val="107000"/>
-                        </a:lnSpc>
-                        <a:spcAft>
-                          <a:spcPts val="0"/>
-                        </a:spcAft>
-                      </a:pPr>
-                      <a:r>
-                        <a:rPr lang="en-US" sz="700">
-                          <a:effectLst/>
-                        </a:rPr>
-                        <a:t>                                    MessageBox.Show("Không thể chia cho 0", "Thông báo");</a:t>
-                      </a:r>
-                    </a:p>
-                    <a:p>
-                      <a:pPr>
-                        <a:lnSpc>
-                          <a:spcPct val="107000"/>
-                        </a:lnSpc>
-                        <a:spcAft>
-                          <a:spcPts val="0"/>
-                        </a:spcAft>
-                      </a:pPr>
-                      <a:r>
-                        <a:rPr lang="en-US" sz="700">
-                          <a:effectLst/>
-                        </a:rPr>
-                        <a:t>                                }</a:t>
-                      </a:r>
-                    </a:p>
-                    <a:p>
-                      <a:pPr>
-                        <a:lnSpc>
-                          <a:spcPct val="107000"/>
-                        </a:lnSpc>
-                        <a:spcAft>
-                          <a:spcPts val="0"/>
-                        </a:spcAft>
-                      </a:pPr>
-                      <a:r>
-                        <a:rPr lang="en-US" sz="700">
-                          <a:effectLst/>
-                        </a:rPr>
-                        <a:t>                                ketQua = (b % a);</a:t>
-                      </a:r>
-                    </a:p>
-                    <a:p>
-                      <a:pPr>
-                        <a:lnSpc>
-                          <a:spcPct val="107000"/>
-                        </a:lnSpc>
-                        <a:spcAft>
-                          <a:spcPts val="0"/>
-                        </a:spcAft>
-                      </a:pPr>
-                      <a:r>
-                        <a:rPr lang="en-US" sz="700">
-                          <a:effectLst/>
-                        </a:rPr>
-                        <a:t>                                break;</a:t>
-                      </a:r>
-                    </a:p>
-                    <a:p>
-                      <a:pPr>
-                        <a:lnSpc>
-                          <a:spcPct val="107000"/>
-                        </a:lnSpc>
-                        <a:spcAft>
-                          <a:spcPts val="0"/>
-                        </a:spcAft>
-                      </a:pPr>
-                      <a:r>
-                        <a:rPr lang="en-US" sz="700">
-                          <a:effectLst/>
-                        </a:rPr>
-                        <a:t>                        }</a:t>
-                      </a:r>
-                    </a:p>
-                    <a:p>
-                      <a:pPr>
-                        <a:lnSpc>
-                          <a:spcPct val="107000"/>
-                        </a:lnSpc>
-                        <a:spcAft>
-                          <a:spcPts val="0"/>
-                        </a:spcAft>
-                      </a:pPr>
-                      <a:r>
-                        <a:rPr lang="en-US" sz="700">
-                          <a:effectLst/>
-                        </a:rPr>
-                        <a:t>                        sh.Push(ketQua);</a:t>
-                      </a:r>
-                    </a:p>
-                    <a:p>
-                      <a:pPr>
-                        <a:lnSpc>
-                          <a:spcPct val="107000"/>
-                        </a:lnSpc>
-                        <a:spcAft>
-                          <a:spcPts val="0"/>
-                        </a:spcAft>
-                      </a:pPr>
-                      <a:r>
-                        <a:rPr lang="en-US" sz="700">
-                          <a:effectLst/>
-                        </a:rPr>
-                        <a:t>                        if (str1 != "(") </a:t>
-                      </a:r>
-                    </a:p>
-                    <a:p>
-                      <a:pPr>
-                        <a:lnSpc>
-                          <a:spcPct val="107000"/>
-                        </a:lnSpc>
-                        <a:spcAft>
-                          <a:spcPts val="0"/>
-                        </a:spcAft>
-                      </a:pPr>
-                      <a:r>
-                        <a:rPr lang="en-US" sz="700">
-                          <a:effectLst/>
-                        </a:rPr>
-                        <a:t>                            str1 = st.Pop().ToString();</a:t>
-                      </a:r>
-                    </a:p>
-                    <a:p>
-                      <a:pPr>
-                        <a:lnSpc>
-                          <a:spcPct val="107000"/>
-                        </a:lnSpc>
-                        <a:spcAft>
-                          <a:spcPts val="0"/>
-                        </a:spcAft>
-                      </a:pPr>
-                      <a:r>
-                        <a:rPr lang="en-US" sz="700">
-                          <a:effectLst/>
-                        </a:rPr>
-                        <a:t>                    }</a:t>
-                      </a:r>
-                    </a:p>
-                    <a:p>
-                      <a:pPr>
-                        <a:lnSpc>
-                          <a:spcPct val="107000"/>
-                        </a:lnSpc>
-                        <a:spcAft>
-                          <a:spcPts val="0"/>
-                        </a:spcAft>
-                      </a:pPr>
-                      <a:r>
-                        <a:rPr lang="en-US" sz="700">
-                          <a:effectLst/>
-                        </a:rPr>
-                        <a:t>                    if (manhinh.Text[i] == ')' &amp;&amp; (manhinh.Text[i] &gt;= '0' &amp;&amp; manhinh.Text[i] &lt;= '9'))</a:t>
-                      </a:r>
-                    </a:p>
-                    <a:p>
-                      <a:pPr>
-                        <a:lnSpc>
-                          <a:spcPct val="107000"/>
-                        </a:lnSpc>
-                        <a:spcAft>
-                          <a:spcPts val="0"/>
-                        </a:spcAft>
-                      </a:pPr>
-                      <a:r>
-                        <a:rPr lang="en-US" sz="700">
-                          <a:effectLst/>
-                        </a:rPr>
-                        <a:t>                        st.Push("*");</a:t>
-                      </a:r>
-                    </a:p>
-                    <a:p>
-                      <a:pPr>
-                        <a:lnSpc>
-                          <a:spcPct val="107000"/>
-                        </a:lnSpc>
-                        <a:spcAft>
-                          <a:spcPts val="0"/>
-                        </a:spcAft>
-                      </a:pPr>
-                      <a:r>
-                        <a:rPr lang="en-US" sz="700">
-                          <a:effectLst/>
-                        </a:rPr>
-                        <a:t>                    </a:t>
-                      </a:r>
-                    </a:p>
-                    <a:p>
-                      <a:pPr>
-                        <a:lnSpc>
-                          <a:spcPct val="107000"/>
-                        </a:lnSpc>
-                        <a:spcAft>
-                          <a:spcPts val="0"/>
-                        </a:spcAft>
-                      </a:pPr>
-                      <a:r>
-                        <a:rPr lang="en-US" sz="700">
-                          <a:effectLst/>
-                        </a:rPr>
-                        <a:t>                } </a:t>
-                      </a:r>
-                      <a:endParaRPr lang="en-US" sz="700">
-                        <a:effectLst/>
-                        <a:latin typeface="Calibri" panose="020F0502020204030204" pitchFamily="34" charset="0"/>
-                        <a:ea typeface="Calibri" panose="020F0502020204030204" pitchFamily="34" charset="0"/>
-                        <a:cs typeface="Times New Roman" panose="02020603050405020304" pitchFamily="18" charset="0"/>
+                        <a:rPr lang="en-GB" sz="2400">
+                          <a:latin typeface="Tahoma" panose="020B0604030504040204" pitchFamily="34" charset="0"/>
+                          <a:ea typeface="Tahoma" panose="020B0604030504040204" pitchFamily="34" charset="0"/>
+                          <a:cs typeface="Tahoma" panose="020B0604030504040204" pitchFamily="34" charset="0"/>
+                        </a:rPr>
+                        <a:t>Chạy trên Window10 x64-bit</a:t>
+                      </a:r>
+                      <a:endParaRPr lang="en-US" sz="2400" dirty="0">
+                        <a:latin typeface="Tahoma" panose="020B0604030504040204" pitchFamily="34" charset="0"/>
+                        <a:ea typeface="Tahoma" panose="020B0604030504040204" pitchFamily="34" charset="0"/>
+                        <a:cs typeface="Tahoma" panose="020B0604030504040204" pitchFamily="34" charset="0"/>
                       </a:endParaRPr>
                     </a:p>
                   </a:txBody>
-                  <a:tcPr marL="26303" marR="26303" marT="0" marB="0"/>
+                  <a:tcPr/>
                 </a:tc>
                 <a:extLst>
                   <a:ext uri="{0D108BD9-81ED-4DB2-BD59-A6C34878D82A}">
-                    <a16:rowId xmlns:a16="http://schemas.microsoft.com/office/drawing/2014/main" val="2540811960"/>
+                    <a16:rowId xmlns:a16="http://schemas.microsoft.com/office/drawing/2014/main" val="260010839"/>
                   </a:ext>
                 </a:extLst>
               </a:tr>
@@ -5369,10 +4676,71 @@
           </a:graphicData>
         </a:graphic>
       </p:graphicFrame>
+      <p:sp>
+        <p:nvSpPr>
+          <p:cNvPr id="6" name="Content Placeholder 5"/>
+          <p:cNvSpPr>
+            <a:spLocks noGrp="1"/>
+          </p:cNvSpPr>
+          <p:nvPr>
+            <p:ph idx="1"/>
+          </p:nvPr>
+        </p:nvSpPr>
+        <p:spPr/>
+        <p:txBody>
+          <a:bodyPr/>
+          <a:lstStyle/>
+          <a:p>
+            <a:endParaRPr lang="en-US"/>
+          </a:p>
+        </p:txBody>
+      </p:sp>
+      <p:sp>
+        <p:nvSpPr>
+          <p:cNvPr id="7" name="Footer Placeholder 6"/>
+          <p:cNvSpPr>
+            <a:spLocks noGrp="1"/>
+          </p:cNvSpPr>
+          <p:nvPr>
+            <p:ph type="ftr" sz="quarter" idx="11"/>
+          </p:nvPr>
+        </p:nvSpPr>
+        <p:spPr/>
+        <p:txBody>
+          <a:bodyPr/>
+          <a:lstStyle/>
+          <a:p>
+            <a:endParaRPr lang="en-US" dirty="0"/>
+          </a:p>
+        </p:txBody>
+      </p:sp>
+      <p:sp>
+        <p:nvSpPr>
+          <p:cNvPr id="8" name="Slide Number Placeholder 7"/>
+          <p:cNvSpPr>
+            <a:spLocks noGrp="1"/>
+          </p:cNvSpPr>
+          <p:nvPr>
+            <p:ph type="sldNum" sz="quarter" idx="12"/>
+          </p:nvPr>
+        </p:nvSpPr>
+        <p:spPr/>
+        <p:txBody>
+          <a:bodyPr/>
+          <a:lstStyle/>
+          <a:p>
+            <a:fld id="{6D22F896-40B5-4ADD-8801-0D06FADFA095}" type="slidenum">
+              <a:rPr lang="en-US" smtClean="0"/>
+              <a:t>10</a:t>
+            </a:fld>
+            <a:endParaRPr lang="en-US" dirty="0"/>
+          </a:p>
+        </p:txBody>
+      </p:sp>
     </p:spTree>
     <p:extLst>
       <p:ext uri="{BB962C8B-B14F-4D97-AF65-F5344CB8AC3E}">
-        <p14:creationId xmlns:p14="http://schemas.microsoft.com/office/powerpoint/2010/main" val="3501077145"/>
+        <p14:creationId xmlns:p14="http://schemas.microsoft.com/office/powerpoint/2010/main" val="4210730122"/>
       </p:ext>
     </p:extLst>
   </p:cSld>
@@ -5434,93 +4802,30 @@
             <p:ph type="title"/>
           </p:nvPr>
         </p:nvSpPr>
-        <p:spPr/>
+        <p:spPr>
+          <a:xfrm>
+            <a:off x="1096766" y="244867"/>
+            <a:ext cx="9875520" cy="1356360"/>
+          </a:xfrm>
+        </p:spPr>
         <p:txBody>
           <a:bodyPr/>
           <a:lstStyle/>
           <a:p>
             <a:r>
-              <a:rPr lang="en-GB">
-                <a:latin typeface="Rockwell" panose="02060603020205020403" pitchFamily="18" charset="0"/>
-              </a:rPr>
-              <a:t>I</a:t>
+              <a:rPr lang="en-US"/>
+              <a:t>KẾT LUẬN</a:t>
             </a:r>
-            <a:r>
-              <a:rPr lang="en-US">
-                <a:latin typeface="Rockwell" panose="02060603020205020403" pitchFamily="18" charset="0"/>
-              </a:rPr>
-              <a:t>V. CÁC HÀM CHÍNH</a:t>
-            </a:r>
-            <a:endParaRPr lang="en-US" dirty="0">
-              <a:latin typeface="Rockwell" panose="02060603020205020403" pitchFamily="18" charset="0"/>
-            </a:endParaRPr>
-          </a:p>
-        </p:txBody>
-      </p:sp>
-      <p:sp>
-        <p:nvSpPr>
-          <p:cNvPr id="9" name="Text Placeholder 8">
-            <a:extLst>
-              <a:ext uri="{FF2B5EF4-FFF2-40B4-BE49-F238E27FC236}">
-                <a16:creationId xmlns:a16="http://schemas.microsoft.com/office/drawing/2014/main" id="{D63E4155-33A4-4CCC-B07C-D3BFF95BA20D}"/>
-              </a:ext>
-            </a:extLst>
-          </p:cNvPr>
-          <p:cNvSpPr>
-            <a:spLocks noGrp="1"/>
-          </p:cNvSpPr>
-          <p:nvPr>
-            <p:ph type="body" idx="1"/>
-          </p:nvPr>
-        </p:nvSpPr>
-        <p:spPr/>
-        <p:txBody>
-          <a:bodyPr/>
-          <a:lstStyle/>
-          <a:p>
-            <a:pPr lvl="0"/>
-            <a:r>
-              <a:rPr lang="en-US"/>
-              <a:t>xử lí nhiều dấu + hoặc - hoặc + - hoặc - + liên tiếp(số âm)</a:t>
-            </a:r>
-          </a:p>
-        </p:txBody>
-      </p:sp>
-      <p:sp>
-        <p:nvSpPr>
-          <p:cNvPr id="11" name="Text Placeholder 10">
-            <a:extLst>
-              <a:ext uri="{FF2B5EF4-FFF2-40B4-BE49-F238E27FC236}">
-                <a16:creationId xmlns:a16="http://schemas.microsoft.com/office/drawing/2014/main" id="{B381125E-76A7-41D3-BC66-CBD0DFF98475}"/>
-              </a:ext>
-            </a:extLst>
-          </p:cNvPr>
-          <p:cNvSpPr>
-            <a:spLocks noGrp="1"/>
-          </p:cNvSpPr>
-          <p:nvPr>
-            <p:ph type="body" sz="quarter" idx="3"/>
-          </p:nvPr>
-        </p:nvSpPr>
-        <p:spPr/>
-        <p:txBody>
-          <a:bodyPr/>
-          <a:lstStyle/>
-          <a:p>
-            <a:pPr lvl="0"/>
-            <a:r>
-              <a:rPr lang="en-US"/>
-              <a:t>Xử lí các phép toán còn lại</a:t>
-            </a:r>
+            <a:endParaRPr lang="en-US" dirty="0"/>
           </a:p>
         </p:txBody>
       </p:sp>
       <p:pic>
         <p:nvPicPr>
-          <p:cNvPr id="5" name="Graphic 4" descr="Meeting">
+          <p:cNvPr id="7" name="Graphic 6" descr="Fork and knife">
             <a:extLst>
               <a:ext uri="{FF2B5EF4-FFF2-40B4-BE49-F238E27FC236}">
-                <a16:creationId xmlns:a16="http://schemas.microsoft.com/office/drawing/2014/main" id="{BC7F4CA9-C0CE-4E72-97F6-F2A2156DD625}"/>
+                <a16:creationId xmlns:a16="http://schemas.microsoft.com/office/drawing/2014/main" id="{7BC4DCAB-4CF6-4AB3-961F-BC721DF57F12}"/>
               </a:ext>
             </a:extLst>
           </p:cNvPr>
@@ -5543,38 +4848,74 @@
         </p:blipFill>
         <p:spPr>
           <a:xfrm>
-            <a:off x="7861069" y="465847"/>
-            <a:ext cx="914400" cy="914400"/>
+            <a:off x="4231178" y="568538"/>
+            <a:ext cx="709018" cy="709018"/>
           </a:xfrm>
           <a:prstGeom prst="rect">
             <a:avLst/>
           </a:prstGeom>
         </p:spPr>
       </p:pic>
+      <p:sp>
+        <p:nvSpPr>
+          <p:cNvPr id="3" name="Footer Placeholder 2"/>
+          <p:cNvSpPr>
+            <a:spLocks noGrp="1"/>
+          </p:cNvSpPr>
+          <p:nvPr>
+            <p:ph type="ftr" sz="quarter" idx="11"/>
+          </p:nvPr>
+        </p:nvSpPr>
+        <p:spPr/>
+        <p:txBody>
+          <a:bodyPr/>
+          <a:lstStyle/>
+          <a:p>
+            <a:endParaRPr lang="en-US" dirty="0"/>
+          </a:p>
+        </p:txBody>
+      </p:sp>
+      <p:sp>
+        <p:nvSpPr>
+          <p:cNvPr id="5" name="Slide Number Placeholder 4"/>
+          <p:cNvSpPr>
+            <a:spLocks noGrp="1"/>
+          </p:cNvSpPr>
+          <p:nvPr>
+            <p:ph type="sldNum" sz="quarter" idx="12"/>
+          </p:nvPr>
+        </p:nvSpPr>
+        <p:spPr/>
+        <p:txBody>
+          <a:bodyPr/>
+          <a:lstStyle/>
+          <a:p>
+            <a:fld id="{6D22F896-40B5-4ADD-8801-0D06FADFA095}" type="slidenum">
+              <a:rPr lang="en-US" smtClean="0"/>
+              <a:t>11</a:t>
+            </a:fld>
+            <a:endParaRPr lang="en-US" dirty="0"/>
+          </a:p>
+        </p:txBody>
+      </p:sp>
       <p:graphicFrame>
         <p:nvGraphicFramePr>
-          <p:cNvPr id="16" name="Content Placeholder 15">
-            <a:extLst>
-              <a:ext uri="{FF2B5EF4-FFF2-40B4-BE49-F238E27FC236}">
-                <a16:creationId xmlns:a16="http://schemas.microsoft.com/office/drawing/2014/main" id="{46C8C8DB-8582-4D53-8096-23B8192B90FF}"/>
-              </a:ext>
-            </a:extLst>
-          </p:cNvPr>
+          <p:cNvPr id="8" name="Content Placeholder 7"/>
           <p:cNvGraphicFramePr>
             <a:graphicFrameLocks noGrp="1"/>
           </p:cNvGraphicFramePr>
           <p:nvPr>
-            <p:ph sz="half" idx="2"/>
+            <p:ph idx="1"/>
             <p:extLst>
               <p:ext uri="{D42A27DB-BD31-4B8C-83A1-F6EECF244321}">
-                <p14:modId xmlns:p14="http://schemas.microsoft.com/office/powerpoint/2010/main" val="1349855685"/>
+                <p14:modId xmlns:p14="http://schemas.microsoft.com/office/powerpoint/2010/main" val="2889131796"/>
               </p:ext>
             </p:extLst>
           </p:nvPr>
         </p:nvGraphicFramePr>
         <p:xfrm>
-          <a:off x="1075888" y="2963862"/>
-          <a:ext cx="4754563" cy="3292475"/>
+          <a:off x="1214845" y="2031269"/>
+          <a:ext cx="8686800" cy="3015512"/>
         </p:xfrm>
         <a:graphic>
           <a:graphicData uri="http://schemas.openxmlformats.org/drawingml/2006/table">
@@ -5583,323 +4924,45 @@
                 <a:tableStyleId>{5C22544A-7EE6-4342-B048-85BDC9FD1C3A}</a:tableStyleId>
               </a:tblPr>
               <a:tblGrid>
-                <a:gridCol w="4754563">
+                <a:gridCol w="4343400">
                   <a:extLst>
                     <a:ext uri="{9D8B030D-6E8A-4147-A177-3AD203B41FA5}">
-                      <a16:colId xmlns:a16="http://schemas.microsoft.com/office/drawing/2014/main" val="1162798748"/>
+                      <a16:colId xmlns:a16="http://schemas.microsoft.com/office/drawing/2014/main" val="2734149150"/>
+                    </a:ext>
+                  </a:extLst>
+                </a:gridCol>
+                <a:gridCol w="4343400">
+                  <a:extLst>
+                    <a:ext uri="{9D8B030D-6E8A-4147-A177-3AD203B41FA5}">
+                      <a16:colId xmlns:a16="http://schemas.microsoft.com/office/drawing/2014/main" val="2017567165"/>
                     </a:ext>
                   </a:extLst>
                 </a:gridCol>
               </a:tblGrid>
-              <a:tr h="2058381">
+              <a:tr h="0">
                 <a:tc>
                   <a:txBody>
                     <a:bodyPr/>
                     <a:lstStyle/>
                     <a:p>
-                      <a:pPr>
-                        <a:lnSpc>
-                          <a:spcPct val="107000"/>
-                        </a:lnSpc>
-                        <a:spcAft>
-                          <a:spcPts val="0"/>
-                        </a:spcAft>
-                      </a:pPr>
-                      <a:r>
-                        <a:rPr lang="en-US" sz="1100">
-                          <a:effectLst/>
-                        </a:rPr>
-                        <a:t>if (manhinh.Text[i] == '-' &amp;&amp; manhinh.Text[i + 1] == '-' || manhinh.Text[i] == '-' &amp;&amp; manhinh.Text[i + 1] == '+' || manhinh.Text[i] == '+' &amp;&amp; manhinh.Text[i + 1] == '+'|| manhinh.Text[i] == '+' &amp;&amp; manhinh.Text[i + 1] == '-')</a:t>
-                      </a:r>
-                      <a:endParaRPr lang="en-US" sz="1200">
-                        <a:effectLst/>
-                      </a:endParaRPr>
-                    </a:p>
-                    <a:p>
-                      <a:pPr>
-                        <a:lnSpc>
-                          <a:spcPct val="107000"/>
-                        </a:lnSpc>
-                        <a:spcAft>
-                          <a:spcPts val="0"/>
-                        </a:spcAft>
-                      </a:pPr>
-                      <a:r>
-                        <a:rPr lang="en-US" sz="1100">
-                          <a:effectLst/>
-                        </a:rPr>
-                        <a:t>                    {</a:t>
-                      </a:r>
-                      <a:endParaRPr lang="en-US" sz="1200">
-                        <a:effectLst/>
-                      </a:endParaRPr>
-                    </a:p>
-                    <a:p>
-                      <a:pPr>
-                        <a:lnSpc>
-                          <a:spcPct val="107000"/>
-                        </a:lnSpc>
-                        <a:spcAft>
-                          <a:spcPts val="0"/>
-                        </a:spcAft>
-                      </a:pPr>
-                      <a:r>
-                        <a:rPr lang="en-US" sz="1100">
-                          <a:effectLst/>
-                        </a:rPr>
-                        <a:t>                        if (manhinh.Text[i] == '-')</a:t>
-                      </a:r>
-                      <a:endParaRPr lang="en-US" sz="1200">
-                        <a:effectLst/>
-                      </a:endParaRPr>
-                    </a:p>
-                    <a:p>
-                      <a:pPr>
-                        <a:lnSpc>
-                          <a:spcPct val="107000"/>
-                        </a:lnSpc>
-                        <a:spcAft>
-                          <a:spcPts val="0"/>
-                        </a:spcAft>
-                      </a:pPr>
-                      <a:r>
-                        <a:rPr lang="en-US" sz="1100">
-                          <a:effectLst/>
-                        </a:rPr>
-                        <a:t>                            j = 1;</a:t>
-                      </a:r>
-                      <a:endParaRPr lang="en-US" sz="1200">
-                        <a:effectLst/>
-                      </a:endParaRPr>
-                    </a:p>
-                    <a:p>
-                      <a:pPr>
-                        <a:lnSpc>
-                          <a:spcPct val="107000"/>
-                        </a:lnSpc>
-                        <a:spcAft>
-                          <a:spcPts val="0"/>
-                        </a:spcAft>
-                      </a:pPr>
-                      <a:r>
-                        <a:rPr lang="en-US" sz="1100">
-                          <a:effectLst/>
-                        </a:rPr>
-                        <a:t>                        while (manhinh.Text[i + 1] == '-' || manhinh.Text[i + 1] == '+')</a:t>
-                      </a:r>
-                      <a:endParaRPr lang="en-US" sz="1200">
-                        <a:effectLst/>
-                      </a:endParaRPr>
-                    </a:p>
-                    <a:p>
-                      <a:pPr>
-                        <a:lnSpc>
-                          <a:spcPct val="107000"/>
-                        </a:lnSpc>
-                        <a:spcAft>
-                          <a:spcPts val="0"/>
-                        </a:spcAft>
-                      </a:pPr>
-                      <a:r>
-                        <a:rPr lang="en-US" sz="1100">
-                          <a:effectLst/>
-                        </a:rPr>
-                        <a:t>                        {</a:t>
-                      </a:r>
-                      <a:endParaRPr lang="en-US" sz="1200">
-                        <a:effectLst/>
-                      </a:endParaRPr>
-                    </a:p>
-                    <a:p>
-                      <a:pPr>
-                        <a:lnSpc>
-                          <a:spcPct val="107000"/>
-                        </a:lnSpc>
-                        <a:spcAft>
-                          <a:spcPts val="0"/>
-                        </a:spcAft>
-                      </a:pPr>
-                      <a:r>
-                        <a:rPr lang="en-US" sz="1100">
-                          <a:effectLst/>
-                        </a:rPr>
-                        <a:t>                            if (manhinh.Text[i + 1] == '-')</a:t>
-                      </a:r>
-                      <a:endParaRPr lang="en-US" sz="1200">
-                        <a:effectLst/>
-                      </a:endParaRPr>
-                    </a:p>
-                    <a:p>
-                      <a:pPr>
-                        <a:lnSpc>
-                          <a:spcPct val="107000"/>
-                        </a:lnSpc>
-                        <a:spcAft>
-                          <a:spcPts val="0"/>
-                        </a:spcAft>
-                      </a:pPr>
-                      <a:r>
-                        <a:rPr lang="en-US" sz="1100">
-                          <a:effectLst/>
-                        </a:rPr>
-                        <a:t>                                j++;</a:t>
-                      </a:r>
-                      <a:endParaRPr lang="en-US" sz="1200">
-                        <a:effectLst/>
-                      </a:endParaRPr>
-                    </a:p>
-                    <a:p>
-                      <a:pPr>
-                        <a:lnSpc>
-                          <a:spcPct val="107000"/>
-                        </a:lnSpc>
-                        <a:spcAft>
-                          <a:spcPts val="0"/>
-                        </a:spcAft>
-                      </a:pPr>
-                      <a:r>
-                        <a:rPr lang="en-US" sz="1100">
-                          <a:effectLst/>
-                        </a:rPr>
-                        <a:t>                            i++;</a:t>
-                      </a:r>
-                      <a:endParaRPr lang="en-US" sz="1200">
-                        <a:effectLst/>
-                      </a:endParaRPr>
-                    </a:p>
-                    <a:p>
-                      <a:pPr>
-                        <a:lnSpc>
-                          <a:spcPct val="107000"/>
-                        </a:lnSpc>
-                        <a:spcAft>
-                          <a:spcPts val="0"/>
-                        </a:spcAft>
-                      </a:pPr>
-                      <a:r>
-                        <a:rPr lang="en-US" sz="1100">
-                          <a:effectLst/>
-                        </a:rPr>
-                        <a:t>                        }</a:t>
-                      </a:r>
-                      <a:endParaRPr lang="en-US" sz="1200">
-                        <a:effectLst/>
-                      </a:endParaRPr>
-                    </a:p>
-                    <a:p>
-                      <a:pPr>
-                        <a:lnSpc>
-                          <a:spcPct val="107000"/>
-                        </a:lnSpc>
-                        <a:spcAft>
-                          <a:spcPts val="0"/>
-                        </a:spcAft>
-                      </a:pPr>
-                      <a:r>
-                        <a:rPr lang="en-US" sz="1100">
-                          <a:effectLst/>
-                        </a:rPr>
-                        <a:t>                        if (( j) % 2 == 0)</a:t>
-                      </a:r>
-                      <a:endParaRPr lang="en-US" sz="1200">
-                        <a:effectLst/>
-                      </a:endParaRPr>
-                    </a:p>
-                    <a:p>
-                      <a:pPr>
-                        <a:lnSpc>
-                          <a:spcPct val="107000"/>
-                        </a:lnSpc>
-                        <a:spcAft>
-                          <a:spcPts val="0"/>
-                        </a:spcAft>
-                      </a:pPr>
-                      <a:r>
-                        <a:rPr lang="en-US" sz="1100">
-                          <a:effectLst/>
-                        </a:rPr>
-                        <a:t>                            str1 = "+";</a:t>
-                      </a:r>
-                      <a:endParaRPr lang="en-US" sz="1200">
-                        <a:effectLst/>
-                      </a:endParaRPr>
-                    </a:p>
-                    <a:p>
-                      <a:pPr>
-                        <a:lnSpc>
-                          <a:spcPct val="107000"/>
-                        </a:lnSpc>
-                        <a:spcAft>
-                          <a:spcPts val="0"/>
-                        </a:spcAft>
-                      </a:pPr>
-                      <a:r>
-                        <a:rPr lang="en-US" sz="1100">
-                          <a:effectLst/>
-                        </a:rPr>
-                        <a:t>                        else</a:t>
-                      </a:r>
-                      <a:endParaRPr lang="en-US" sz="1200">
-                        <a:effectLst/>
-                      </a:endParaRPr>
-                    </a:p>
-                    <a:p>
-                      <a:pPr>
-                        <a:lnSpc>
-                          <a:spcPct val="107000"/>
-                        </a:lnSpc>
-                        <a:spcAft>
-                          <a:spcPts val="0"/>
-                        </a:spcAft>
-                      </a:pPr>
-                      <a:r>
-                        <a:rPr lang="en-US" sz="1100">
-                          <a:effectLst/>
-                        </a:rPr>
-                        <a:t>                            str1 = "-";</a:t>
-                      </a:r>
-                      <a:endParaRPr lang="en-US" sz="1200">
-                        <a:effectLst/>
-                      </a:endParaRPr>
-                    </a:p>
-                    <a:p>
-                      <a:pPr>
-                        <a:lnSpc>
-                          <a:spcPct val="107000"/>
-                        </a:lnSpc>
-                        <a:spcAft>
-                          <a:spcPts val="0"/>
-                        </a:spcAft>
-                      </a:pPr>
-                      <a:r>
-                        <a:rPr lang="en-US" sz="1100">
-                          <a:effectLst/>
-                        </a:rPr>
-                        <a:t>                        st.Push((str1.ToString()));</a:t>
-                      </a:r>
-                      <a:endParaRPr lang="en-US" sz="1200">
-                        <a:effectLst/>
-                      </a:endParaRPr>
-                    </a:p>
-                    <a:p>
-                      <a:pPr>
+                      <a:pPr marL="0" marR="0" algn="ctr">
                         <a:lnSpc>
                           <a:spcPct val="107000"/>
                         </a:lnSpc>
                         <a:spcBef>
-                          <a:spcPts val="480"/>
+                          <a:spcPts val="0"/>
                         </a:spcBef>
                         <a:spcAft>
                           <a:spcPts val="0"/>
                         </a:spcAft>
                       </a:pPr>
                       <a:r>
-                        <a:rPr lang="en-US" sz="1100">
+                        <a:rPr lang="en-US" sz="2000">
                           <a:effectLst/>
                         </a:rPr>
-                        <a:t>                    }</a:t>
-                      </a:r>
-                      <a:endParaRPr lang="en-US" sz="1200">
+                        <a:t>Đã hoàn thành</a:t>
+                      </a:r>
+                      <a:endParaRPr lang="en-US" sz="2000">
                         <a:effectLst/>
                         <a:latin typeface="Calibri" panose="020F0502020204030204" pitchFamily="34" charset="0"/>
                         <a:ea typeface="Calibri" panose="020F0502020204030204" pitchFamily="34" charset="0"/>
@@ -5907,1213 +4970,31 @@
                       </a:endParaRPr>
                     </a:p>
                   </a:txBody>
-                  <a:tcPr marL="49613" marR="49613" marT="0" marB="0"/>
+                  <a:tcPr marL="68580" marR="68580" marT="0" marB="0"/>
                 </a:tc>
-                <a:extLst>
-                  <a:ext uri="{0D108BD9-81ED-4DB2-BD59-A6C34878D82A}">
-                    <a16:rowId xmlns:a16="http://schemas.microsoft.com/office/drawing/2014/main" val="3713400937"/>
-                  </a:ext>
-                </a:extLst>
-              </a:tr>
-            </a:tbl>
-          </a:graphicData>
-        </a:graphic>
-      </p:graphicFrame>
-      <p:graphicFrame>
-        <p:nvGraphicFramePr>
-          <p:cNvPr id="19" name="Content Placeholder 18">
-            <a:extLst>
-              <a:ext uri="{FF2B5EF4-FFF2-40B4-BE49-F238E27FC236}">
-                <a16:creationId xmlns:a16="http://schemas.microsoft.com/office/drawing/2014/main" id="{F305DD36-5BA1-4479-84EA-D61192C14706}"/>
-              </a:ext>
-            </a:extLst>
-          </p:cNvPr>
-          <p:cNvGraphicFramePr>
-            <a:graphicFrameLocks noGrp="1"/>
-          </p:cNvGraphicFramePr>
-          <p:nvPr>
-            <p:ph sz="quarter" idx="4"/>
-          </p:nvPr>
-        </p:nvGraphicFramePr>
-        <p:xfrm>
-          <a:off x="7668327" y="2595563"/>
-          <a:ext cx="1955983" cy="3583940"/>
-        </p:xfrm>
-        <a:graphic>
-          <a:graphicData uri="http://schemas.openxmlformats.org/drawingml/2006/table">
-            <a:tbl>
-              <a:tblPr firstRow="1" firstCol="1" bandRow="1">
-                <a:tableStyleId>{5C22544A-7EE6-4342-B048-85BDC9FD1C3A}</a:tableStyleId>
-              </a:tblPr>
-              <a:tblGrid>
-                <a:gridCol w="1955983">
-                  <a:extLst>
-                    <a:ext uri="{9D8B030D-6E8A-4147-A177-3AD203B41FA5}">
-                      <a16:colId xmlns:a16="http://schemas.microsoft.com/office/drawing/2014/main" val="3687669989"/>
-                    </a:ext>
-                  </a:extLst>
-                </a:gridCol>
-              </a:tblGrid>
-              <a:tr h="3382962">
                 <a:tc>
                   <a:txBody>
                     <a:bodyPr/>
                     <a:lstStyle/>
                     <a:p>
-                      <a:pPr>
-                        <a:lnSpc>
-                          <a:spcPct val="107000"/>
-                        </a:lnSpc>
-                        <a:spcAft>
-                          <a:spcPts val="0"/>
-                        </a:spcAft>
-                      </a:pPr>
-                      <a:r>
-                        <a:rPr lang="en-US" sz="300">
-                          <a:effectLst/>
-                        </a:rPr>
-                        <a:t>            while (st.Count &gt; 0)</a:t>
-                      </a:r>
-                    </a:p>
-                    <a:p>
-                      <a:pPr>
-                        <a:lnSpc>
-                          <a:spcPct val="107000"/>
-                        </a:lnSpc>
-                        <a:spcAft>
-                          <a:spcPts val="0"/>
-                        </a:spcAft>
-                      </a:pPr>
-                      <a:r>
-                        <a:rPr lang="en-US" sz="300">
-                          <a:effectLst/>
-                        </a:rPr>
-                        <a:t>            {</a:t>
-                      </a:r>
-                    </a:p>
-                    <a:p>
-                      <a:pPr>
-                        <a:lnSpc>
-                          <a:spcPct val="107000"/>
-                        </a:lnSpc>
-                        <a:spcAft>
-                          <a:spcPts val="0"/>
-                        </a:spcAft>
-                      </a:pPr>
-                      <a:r>
-                        <a:rPr lang="en-US" sz="300">
-                          <a:effectLst/>
-                        </a:rPr>
-                        <a:t>                a = double.Parse(sh.Pop().ToString()); ;</a:t>
-                      </a:r>
-                    </a:p>
-                    <a:p>
-                      <a:pPr>
-                        <a:lnSpc>
-                          <a:spcPct val="107000"/>
-                        </a:lnSpc>
-                        <a:spcAft>
-                          <a:spcPts val="0"/>
-                        </a:spcAft>
-                      </a:pPr>
-                      <a:r>
-                        <a:rPr lang="en-US" sz="300">
-                          <a:effectLst/>
-                        </a:rPr>
-                        <a:t>                str1 = st.Pop().ToString();</a:t>
-                      </a:r>
-                    </a:p>
-                    <a:p>
-                      <a:pPr>
-                        <a:lnSpc>
-                          <a:spcPct val="107000"/>
-                        </a:lnSpc>
-                        <a:spcAft>
-                          <a:spcPts val="0"/>
-                        </a:spcAft>
-                      </a:pPr>
-                      <a:r>
-                        <a:rPr lang="en-US" sz="300">
-                          <a:effectLst/>
-                        </a:rPr>
-                        <a:t>                if (sh.Count == 0 &amp;&amp; (str1 == "+" || str1 == "-")) b = 0;</a:t>
-                      </a:r>
-                    </a:p>
-                    <a:p>
-                      <a:pPr>
-                        <a:lnSpc>
-                          <a:spcPct val="107000"/>
-                        </a:lnSpc>
-                        <a:spcAft>
-                          <a:spcPts val="0"/>
-                        </a:spcAft>
-                      </a:pPr>
-                      <a:r>
-                        <a:rPr lang="en-US" sz="300">
-                          <a:effectLst/>
-                        </a:rPr>
-                        <a:t>                else</a:t>
-                      </a:r>
-                    </a:p>
-                    <a:p>
-                      <a:pPr>
-                        <a:lnSpc>
-                          <a:spcPct val="107000"/>
-                        </a:lnSpc>
-                        <a:spcAft>
-                          <a:spcPts val="0"/>
-                        </a:spcAft>
-                      </a:pPr>
-                      <a:r>
-                        <a:rPr lang="en-US" sz="300">
-                          <a:effectLst/>
-                        </a:rPr>
-                        <a:t>                    if (sh.Count == 0 &amp;&amp; (str1 == "*" || str1 == "/"))</a:t>
-                      </a:r>
-                    </a:p>
-                    <a:p>
-                      <a:pPr>
-                        <a:lnSpc>
-                          <a:spcPct val="107000"/>
-                        </a:lnSpc>
-                        <a:spcAft>
-                          <a:spcPts val="0"/>
-                        </a:spcAft>
-                      </a:pPr>
-                      <a:r>
-                        <a:rPr lang="en-US" sz="300">
-                          <a:effectLst/>
-                        </a:rPr>
-                        <a:t>                    {</a:t>
-                      </a:r>
-                    </a:p>
-                    <a:p>
-                      <a:pPr>
-                        <a:lnSpc>
-                          <a:spcPct val="107000"/>
-                        </a:lnSpc>
-                        <a:spcAft>
-                          <a:spcPts val="0"/>
-                        </a:spcAft>
-                      </a:pPr>
-                      <a:r>
-                        <a:rPr lang="en-US" sz="300">
-                          <a:effectLst/>
-                        </a:rPr>
-                        <a:t>                        MessageBox.Show("Loi!");</a:t>
-                      </a:r>
-                    </a:p>
-                    <a:p>
-                      <a:pPr>
-                        <a:lnSpc>
-                          <a:spcPct val="107000"/>
-                        </a:lnSpc>
-                        <a:spcAft>
-                          <a:spcPts val="0"/>
-                        </a:spcAft>
-                      </a:pPr>
-                      <a:r>
-                        <a:rPr lang="en-US" sz="300">
-                          <a:effectLst/>
-                        </a:rPr>
-                        <a:t>                        manhinh.Text = "0";</a:t>
-                      </a:r>
-                    </a:p>
-                    <a:p>
-                      <a:pPr>
-                        <a:lnSpc>
-                          <a:spcPct val="107000"/>
-                        </a:lnSpc>
-                        <a:spcAft>
-                          <a:spcPts val="0"/>
-                        </a:spcAft>
-                      </a:pPr>
-                      <a:r>
-                        <a:rPr lang="en-US" sz="300">
-                          <a:effectLst/>
-                        </a:rPr>
-                        <a:t>                        return;</a:t>
-                      </a:r>
-                    </a:p>
-                    <a:p>
-                      <a:pPr>
-                        <a:lnSpc>
-                          <a:spcPct val="107000"/>
-                        </a:lnSpc>
-                        <a:spcAft>
-                          <a:spcPts val="0"/>
-                        </a:spcAft>
-                      </a:pPr>
-                      <a:r>
-                        <a:rPr lang="en-US" sz="300">
-                          <a:effectLst/>
-                        </a:rPr>
-                        <a:t>                    }</a:t>
-                      </a:r>
-                    </a:p>
-                    <a:p>
-                      <a:pPr>
-                        <a:lnSpc>
-                          <a:spcPct val="107000"/>
-                        </a:lnSpc>
-                        <a:spcAft>
-                          <a:spcPts val="0"/>
-                        </a:spcAft>
-                      </a:pPr>
-                      <a:r>
-                        <a:rPr lang="en-US" sz="300">
-                          <a:effectLst/>
-                        </a:rPr>
-                        <a:t>                </a:t>
-                      </a:r>
-                    </a:p>
-                    <a:p>
-                      <a:pPr>
-                        <a:lnSpc>
-                          <a:spcPct val="107000"/>
-                        </a:lnSpc>
-                        <a:spcAft>
-                          <a:spcPts val="0"/>
-                        </a:spcAft>
-                      </a:pPr>
-                      <a:r>
-                        <a:rPr lang="en-US" sz="300">
-                          <a:effectLst/>
-                        </a:rPr>
-                        <a:t>               if (str1 == "+" || str1 == "-" || str1 == "*" || str1 == "/" || str1 == "%")</a:t>
-                      </a:r>
-                    </a:p>
-                    <a:p>
-                      <a:pPr>
-                        <a:lnSpc>
-                          <a:spcPct val="107000"/>
-                        </a:lnSpc>
-                        <a:spcAft>
-                          <a:spcPts val="0"/>
-                        </a:spcAft>
-                      </a:pPr>
-                      <a:r>
-                        <a:rPr lang="en-US" sz="300">
-                          <a:effectLst/>
-                        </a:rPr>
-                        <a:t>                {</a:t>
-                      </a:r>
-                    </a:p>
-                    <a:p>
-                      <a:pPr>
-                        <a:lnSpc>
-                          <a:spcPct val="107000"/>
-                        </a:lnSpc>
-                        <a:spcAft>
-                          <a:spcPts val="0"/>
-                        </a:spcAft>
-                      </a:pPr>
-                      <a:r>
-                        <a:rPr lang="en-US" sz="300">
-                          <a:effectLst/>
-                        </a:rPr>
-                        <a:t>                    b = double.Parse((sh.Pop().ToString()));</a:t>
-                      </a:r>
-                    </a:p>
-                    <a:p>
-                      <a:pPr>
-                        <a:lnSpc>
-                          <a:spcPct val="107000"/>
-                        </a:lnSpc>
-                        <a:spcAft>
-                          <a:spcPts val="0"/>
-                        </a:spcAft>
-                      </a:pPr>
-                      <a:r>
-                        <a:rPr lang="en-US" sz="300">
-                          <a:effectLst/>
-                        </a:rPr>
-                        <a:t>                    switch (str1)</a:t>
-                      </a:r>
-                    </a:p>
-                    <a:p>
-                      <a:pPr>
-                        <a:lnSpc>
-                          <a:spcPct val="107000"/>
-                        </a:lnSpc>
-                        <a:spcAft>
-                          <a:spcPts val="0"/>
-                        </a:spcAft>
-                      </a:pPr>
-                      <a:r>
-                        <a:rPr lang="en-US" sz="300">
-                          <a:effectLst/>
-                        </a:rPr>
-                        <a:t>                    {</a:t>
-                      </a:r>
-                    </a:p>
-                    <a:p>
-                      <a:pPr>
-                        <a:lnSpc>
-                          <a:spcPct val="107000"/>
-                        </a:lnSpc>
-                        <a:spcAft>
-                          <a:spcPts val="0"/>
-                        </a:spcAft>
-                      </a:pPr>
-                      <a:r>
-                        <a:rPr lang="en-US" sz="300">
-                          <a:effectLst/>
-                        </a:rPr>
-                        <a:t>                        case "+":</a:t>
-                      </a:r>
-                    </a:p>
-                    <a:p>
-                      <a:pPr>
-                        <a:lnSpc>
-                          <a:spcPct val="107000"/>
-                        </a:lnSpc>
-                        <a:spcAft>
-                          <a:spcPts val="0"/>
-                        </a:spcAft>
-                      </a:pPr>
-                      <a:r>
-                        <a:rPr lang="en-US" sz="300">
-                          <a:effectLst/>
-                        </a:rPr>
-                        <a:t>                            ketQua = (a + b);</a:t>
-                      </a:r>
-                    </a:p>
-                    <a:p>
-                      <a:pPr>
-                        <a:lnSpc>
-                          <a:spcPct val="107000"/>
-                        </a:lnSpc>
-                        <a:spcAft>
-                          <a:spcPts val="0"/>
-                        </a:spcAft>
-                      </a:pPr>
-                      <a:r>
-                        <a:rPr lang="en-US" sz="300">
-                          <a:effectLst/>
-                        </a:rPr>
-                        <a:t>                            break;</a:t>
-                      </a:r>
-                    </a:p>
-                    <a:p>
-                      <a:pPr>
-                        <a:lnSpc>
-                          <a:spcPct val="107000"/>
-                        </a:lnSpc>
-                        <a:spcAft>
-                          <a:spcPts val="0"/>
-                        </a:spcAft>
-                      </a:pPr>
-                      <a:r>
-                        <a:rPr lang="en-US" sz="300">
-                          <a:effectLst/>
-                        </a:rPr>
-                        <a:t>                        case "-":</a:t>
-                      </a:r>
-                    </a:p>
-                    <a:p>
-                      <a:pPr>
-                        <a:lnSpc>
-                          <a:spcPct val="107000"/>
-                        </a:lnSpc>
-                        <a:spcAft>
-                          <a:spcPts val="0"/>
-                        </a:spcAft>
-                      </a:pPr>
-                      <a:r>
-                        <a:rPr lang="en-US" sz="300">
-                          <a:effectLst/>
-                        </a:rPr>
-                        <a:t>                            ketQua = (b - a);</a:t>
-                      </a:r>
-                    </a:p>
-                    <a:p>
-                      <a:pPr>
-                        <a:lnSpc>
-                          <a:spcPct val="107000"/>
-                        </a:lnSpc>
-                        <a:spcAft>
-                          <a:spcPts val="0"/>
-                        </a:spcAft>
-                      </a:pPr>
-                      <a:r>
-                        <a:rPr lang="en-US" sz="300">
-                          <a:effectLst/>
-                        </a:rPr>
-                        <a:t>                            break;</a:t>
-                      </a:r>
-                    </a:p>
-                    <a:p>
-                      <a:pPr>
-                        <a:lnSpc>
-                          <a:spcPct val="107000"/>
-                        </a:lnSpc>
-                        <a:spcAft>
-                          <a:spcPts val="0"/>
-                        </a:spcAft>
-                      </a:pPr>
-                      <a:r>
-                        <a:rPr lang="en-US" sz="300">
-                          <a:effectLst/>
-                        </a:rPr>
-                        <a:t>                        case "*":</a:t>
-                      </a:r>
-                    </a:p>
-                    <a:p>
-                      <a:pPr>
-                        <a:lnSpc>
-                          <a:spcPct val="107000"/>
-                        </a:lnSpc>
-                        <a:spcAft>
-                          <a:spcPts val="0"/>
-                        </a:spcAft>
-                      </a:pPr>
-                      <a:r>
-                        <a:rPr lang="en-US" sz="300">
-                          <a:effectLst/>
-                        </a:rPr>
-                        <a:t>                            ketQua = (a * b);</a:t>
-                      </a:r>
-                    </a:p>
-                    <a:p>
-                      <a:pPr>
-                        <a:lnSpc>
-                          <a:spcPct val="107000"/>
-                        </a:lnSpc>
-                        <a:spcAft>
-                          <a:spcPts val="0"/>
-                        </a:spcAft>
-                      </a:pPr>
-                      <a:r>
-                        <a:rPr lang="en-US" sz="300">
-                          <a:effectLst/>
-                        </a:rPr>
-                        <a:t>                            break;</a:t>
-                      </a:r>
-                    </a:p>
-                    <a:p>
-                      <a:pPr>
-                        <a:lnSpc>
-                          <a:spcPct val="107000"/>
-                        </a:lnSpc>
-                        <a:spcAft>
-                          <a:spcPts val="0"/>
-                        </a:spcAft>
-                      </a:pPr>
-                      <a:r>
-                        <a:rPr lang="en-US" sz="300">
-                          <a:effectLst/>
-                        </a:rPr>
-                        <a:t>                        case "/":</a:t>
-                      </a:r>
-                    </a:p>
-                    <a:p>
-                      <a:pPr>
-                        <a:lnSpc>
-                          <a:spcPct val="107000"/>
-                        </a:lnSpc>
-                        <a:spcAft>
-                          <a:spcPts val="0"/>
-                        </a:spcAft>
-                      </a:pPr>
-                      <a:r>
-                        <a:rPr lang="en-US" sz="300">
-                          <a:effectLst/>
-                        </a:rPr>
-                        <a:t>                            if (a == 0)</a:t>
-                      </a:r>
-                    </a:p>
-                    <a:p>
-                      <a:pPr>
-                        <a:lnSpc>
-                          <a:spcPct val="107000"/>
-                        </a:lnSpc>
-                        <a:spcAft>
-                          <a:spcPts val="0"/>
-                        </a:spcAft>
-                      </a:pPr>
-                      <a:r>
-                        <a:rPr lang="en-US" sz="300">
-                          <a:effectLst/>
-                        </a:rPr>
-                        <a:t>                            {</a:t>
-                      </a:r>
-                    </a:p>
-                    <a:p>
-                      <a:pPr>
-                        <a:lnSpc>
-                          <a:spcPct val="107000"/>
-                        </a:lnSpc>
-                        <a:spcAft>
-                          <a:spcPts val="0"/>
-                        </a:spcAft>
-                      </a:pPr>
-                      <a:r>
-                        <a:rPr lang="en-US" sz="300">
-                          <a:effectLst/>
-                        </a:rPr>
-                        <a:t>                                MessageBox.Show("Không thể chia cho 0", "Thông báo");</a:t>
-                      </a:r>
-                    </a:p>
-                    <a:p>
-                      <a:pPr>
-                        <a:lnSpc>
-                          <a:spcPct val="107000"/>
-                        </a:lnSpc>
-                        <a:spcAft>
-                          <a:spcPts val="0"/>
-                        </a:spcAft>
-                      </a:pPr>
-                      <a:r>
-                        <a:rPr lang="en-US" sz="300">
-                          <a:effectLst/>
-                        </a:rPr>
-                        <a:t>                            }</a:t>
-                      </a:r>
-                    </a:p>
-                    <a:p>
-                      <a:pPr>
-                        <a:lnSpc>
-                          <a:spcPct val="107000"/>
-                        </a:lnSpc>
-                        <a:spcAft>
-                          <a:spcPts val="0"/>
-                        </a:spcAft>
-                      </a:pPr>
-                      <a:r>
-                        <a:rPr lang="en-US" sz="300">
-                          <a:effectLst/>
-                        </a:rPr>
-                        <a:t>                            ketQua = (b / a);</a:t>
-                      </a:r>
-                    </a:p>
-                    <a:p>
-                      <a:pPr>
-                        <a:lnSpc>
-                          <a:spcPct val="107000"/>
-                        </a:lnSpc>
-                        <a:spcAft>
-                          <a:spcPts val="0"/>
-                        </a:spcAft>
-                      </a:pPr>
-                      <a:r>
-                        <a:rPr lang="en-US" sz="300">
-                          <a:effectLst/>
-                        </a:rPr>
-                        <a:t>                            break;</a:t>
-                      </a:r>
-                    </a:p>
-                    <a:p>
-                      <a:pPr>
-                        <a:lnSpc>
-                          <a:spcPct val="107000"/>
-                        </a:lnSpc>
-                        <a:spcAft>
-                          <a:spcPts val="0"/>
-                        </a:spcAft>
-                      </a:pPr>
-                      <a:r>
-                        <a:rPr lang="en-US" sz="300">
-                          <a:effectLst/>
-                        </a:rPr>
-                        <a:t>                        case "%":</a:t>
-                      </a:r>
-                    </a:p>
-                    <a:p>
-                      <a:pPr>
-                        <a:lnSpc>
-                          <a:spcPct val="107000"/>
-                        </a:lnSpc>
-                        <a:spcAft>
-                          <a:spcPts val="0"/>
-                        </a:spcAft>
-                      </a:pPr>
-                      <a:r>
-                        <a:rPr lang="en-US" sz="300">
-                          <a:effectLst/>
-                        </a:rPr>
-                        <a:t>                            if (a == 0)</a:t>
-                      </a:r>
-                    </a:p>
-                    <a:p>
-                      <a:pPr>
-                        <a:lnSpc>
-                          <a:spcPct val="107000"/>
-                        </a:lnSpc>
-                        <a:spcAft>
-                          <a:spcPts val="0"/>
-                        </a:spcAft>
-                      </a:pPr>
-                      <a:r>
-                        <a:rPr lang="en-US" sz="300">
-                          <a:effectLst/>
-                        </a:rPr>
-                        <a:t>                            {</a:t>
-                      </a:r>
-                    </a:p>
-                    <a:p>
-                      <a:pPr>
-                        <a:lnSpc>
-                          <a:spcPct val="107000"/>
-                        </a:lnSpc>
-                        <a:spcAft>
-                          <a:spcPts val="0"/>
-                        </a:spcAft>
-                      </a:pPr>
-                      <a:r>
-                        <a:rPr lang="en-US" sz="300">
-                          <a:effectLst/>
-                        </a:rPr>
-                        <a:t>                                MessageBox.Show("Không thể chia cho 0", "Thông báo");</a:t>
-                      </a:r>
-                    </a:p>
-                    <a:p>
-                      <a:pPr>
-                        <a:lnSpc>
-                          <a:spcPct val="107000"/>
-                        </a:lnSpc>
-                        <a:spcAft>
-                          <a:spcPts val="0"/>
-                        </a:spcAft>
-                      </a:pPr>
-                      <a:r>
-                        <a:rPr lang="en-US" sz="300">
-                          <a:effectLst/>
-                        </a:rPr>
-                        <a:t>                            }</a:t>
-                      </a:r>
-                    </a:p>
-                    <a:p>
-                      <a:pPr>
-                        <a:lnSpc>
-                          <a:spcPct val="107000"/>
-                        </a:lnSpc>
-                        <a:spcAft>
-                          <a:spcPts val="0"/>
-                        </a:spcAft>
-                      </a:pPr>
-                      <a:r>
-                        <a:rPr lang="en-US" sz="300">
-                          <a:effectLst/>
-                        </a:rPr>
-                        <a:t>                            ketQua = (b % a);</a:t>
-                      </a:r>
-                    </a:p>
-                    <a:p>
-                      <a:pPr>
-                        <a:lnSpc>
-                          <a:spcPct val="107000"/>
-                        </a:lnSpc>
-                        <a:spcAft>
-                          <a:spcPts val="0"/>
-                        </a:spcAft>
-                      </a:pPr>
-                      <a:r>
-                        <a:rPr lang="en-US" sz="300">
-                          <a:effectLst/>
-                        </a:rPr>
-                        <a:t>                            break;</a:t>
-                      </a:r>
-                    </a:p>
-                    <a:p>
-                      <a:pPr>
-                        <a:lnSpc>
-                          <a:spcPct val="107000"/>
-                        </a:lnSpc>
-                        <a:spcAft>
-                          <a:spcPts val="0"/>
-                        </a:spcAft>
-                      </a:pPr>
-                      <a:r>
-                        <a:rPr lang="en-US" sz="300">
-                          <a:effectLst/>
-                        </a:rPr>
-                        <a:t>                        case "^":</a:t>
-                      </a:r>
-                    </a:p>
-                    <a:p>
-                      <a:pPr>
-                        <a:lnSpc>
-                          <a:spcPct val="107000"/>
-                        </a:lnSpc>
-                        <a:spcAft>
-                          <a:spcPts val="0"/>
-                        </a:spcAft>
-                      </a:pPr>
-                      <a:r>
-                        <a:rPr lang="en-US" sz="300">
-                          <a:effectLst/>
-                        </a:rPr>
-                        <a:t>                            ketQua = Math.Pow(b, a);</a:t>
-                      </a:r>
-                    </a:p>
-                    <a:p>
-                      <a:pPr>
-                        <a:lnSpc>
-                          <a:spcPct val="107000"/>
-                        </a:lnSpc>
-                        <a:spcAft>
-                          <a:spcPts val="0"/>
-                        </a:spcAft>
-                      </a:pPr>
-                      <a:r>
-                        <a:rPr lang="en-US" sz="300">
-                          <a:effectLst/>
-                        </a:rPr>
-                        <a:t>                            break;</a:t>
-                      </a:r>
-                    </a:p>
-                    <a:p>
-                      <a:pPr>
-                        <a:lnSpc>
-                          <a:spcPct val="107000"/>
-                        </a:lnSpc>
-                        <a:spcAft>
-                          <a:spcPts val="0"/>
-                        </a:spcAft>
-                      </a:pPr>
-                      <a:r>
-                        <a:rPr lang="en-US" sz="300">
-                          <a:effectLst/>
-                        </a:rPr>
-                        <a:t>                    }</a:t>
-                      </a:r>
-                    </a:p>
-                    <a:p>
-                      <a:pPr>
-                        <a:lnSpc>
-                          <a:spcPct val="107000"/>
-                        </a:lnSpc>
-                        <a:spcAft>
-                          <a:spcPts val="0"/>
-                        </a:spcAft>
-                      </a:pPr>
-                      <a:r>
-                        <a:rPr lang="en-US" sz="300">
-                          <a:effectLst/>
-                        </a:rPr>
-                        <a:t>                    sh.Push(ketQua);</a:t>
-                      </a:r>
-                    </a:p>
-                    <a:p>
-                      <a:pPr>
-                        <a:lnSpc>
-                          <a:spcPct val="107000"/>
-                        </a:lnSpc>
-                        <a:spcAft>
-                          <a:spcPts val="0"/>
-                        </a:spcAft>
-                      </a:pPr>
-                      <a:r>
-                        <a:rPr lang="en-US" sz="300">
-                          <a:effectLst/>
-                        </a:rPr>
-                        <a:t>                }</a:t>
-                      </a:r>
-                    </a:p>
-                    <a:p>
-                      <a:pPr>
-                        <a:lnSpc>
-                          <a:spcPct val="107000"/>
-                        </a:lnSpc>
-                        <a:spcAft>
-                          <a:spcPts val="0"/>
-                        </a:spcAft>
-                      </a:pPr>
-                      <a:r>
-                        <a:rPr lang="en-US" sz="300">
-                          <a:effectLst/>
-                        </a:rPr>
-                        <a:t>                else</a:t>
-                      </a:r>
-                    </a:p>
-                    <a:p>
-                      <a:pPr>
-                        <a:lnSpc>
-                          <a:spcPct val="107000"/>
-                        </a:lnSpc>
-                        <a:spcAft>
-                          <a:spcPts val="0"/>
-                        </a:spcAft>
-                      </a:pPr>
-                      <a:r>
-                        <a:rPr lang="en-US" sz="300">
-                          <a:effectLst/>
-                        </a:rPr>
-                        <a:t>                    if (str1 == "sin" || str1 == "cos" || str1 == "tan" || str1 == "cotg" || str1 =="sqrt")</a:t>
-                      </a:r>
-                    </a:p>
-                    <a:p>
-                      <a:pPr>
-                        <a:lnSpc>
-                          <a:spcPct val="107000"/>
-                        </a:lnSpc>
-                        <a:spcAft>
-                          <a:spcPts val="0"/>
-                        </a:spcAft>
-                      </a:pPr>
-                      <a:r>
-                        <a:rPr lang="en-US" sz="300">
-                          <a:effectLst/>
-                        </a:rPr>
-                        <a:t>                    {</a:t>
-                      </a:r>
-                    </a:p>
-                    <a:p>
-                      <a:pPr>
-                        <a:lnSpc>
-                          <a:spcPct val="107000"/>
-                        </a:lnSpc>
-                        <a:spcAft>
-                          <a:spcPts val="0"/>
-                        </a:spcAft>
-                      </a:pPr>
-                      <a:r>
-                        <a:rPr lang="en-US" sz="300">
-                          <a:effectLst/>
-                        </a:rPr>
-                        <a:t> </a:t>
-                      </a:r>
-                    </a:p>
-                    <a:p>
-                      <a:pPr>
-                        <a:lnSpc>
-                          <a:spcPct val="107000"/>
-                        </a:lnSpc>
-                        <a:spcAft>
-                          <a:spcPts val="0"/>
-                        </a:spcAft>
-                      </a:pPr>
-                      <a:r>
-                        <a:rPr lang="en-US" sz="300">
-                          <a:effectLst/>
-                        </a:rPr>
-                        <a:t>                        switch (str1)</a:t>
-                      </a:r>
-                    </a:p>
-                    <a:p>
-                      <a:pPr>
-                        <a:lnSpc>
-                          <a:spcPct val="107000"/>
-                        </a:lnSpc>
-                        <a:spcAft>
-                          <a:spcPts val="0"/>
-                        </a:spcAft>
-                      </a:pPr>
-                      <a:r>
-                        <a:rPr lang="en-US" sz="300">
-                          <a:effectLst/>
-                        </a:rPr>
-                        <a:t>                        {</a:t>
-                      </a:r>
-                    </a:p>
-                    <a:p>
-                      <a:pPr>
-                        <a:lnSpc>
-                          <a:spcPct val="107000"/>
-                        </a:lnSpc>
-                        <a:spcAft>
-                          <a:spcPts val="0"/>
-                        </a:spcAft>
-                      </a:pPr>
-                      <a:r>
-                        <a:rPr lang="en-US" sz="300">
-                          <a:effectLst/>
-                        </a:rPr>
-                        <a:t>                            case "sin":</a:t>
-                      </a:r>
-                    </a:p>
-                    <a:p>
-                      <a:pPr>
-                        <a:lnSpc>
-                          <a:spcPct val="107000"/>
-                        </a:lnSpc>
-                        <a:spcAft>
-                          <a:spcPts val="0"/>
-                        </a:spcAft>
-                      </a:pPr>
-                      <a:r>
-                        <a:rPr lang="en-US" sz="300">
-                          <a:effectLst/>
-                        </a:rPr>
-                        <a:t>                                sh.Push(Math.Sin(a));</a:t>
-                      </a:r>
-                    </a:p>
-                    <a:p>
-                      <a:pPr>
-                        <a:lnSpc>
-                          <a:spcPct val="107000"/>
-                        </a:lnSpc>
-                        <a:spcAft>
-                          <a:spcPts val="0"/>
-                        </a:spcAft>
-                      </a:pPr>
-                      <a:r>
-                        <a:rPr lang="en-US" sz="300">
-                          <a:effectLst/>
-                        </a:rPr>
-                        <a:t>                                break;</a:t>
-                      </a:r>
-                    </a:p>
-                    <a:p>
-                      <a:pPr>
-                        <a:lnSpc>
-                          <a:spcPct val="107000"/>
-                        </a:lnSpc>
-                        <a:spcAft>
-                          <a:spcPts val="0"/>
-                        </a:spcAft>
-                      </a:pPr>
-                      <a:r>
-                        <a:rPr lang="en-US" sz="300">
-                          <a:effectLst/>
-                        </a:rPr>
-                        <a:t>                            case "cos":</a:t>
-                      </a:r>
-                    </a:p>
-                    <a:p>
-                      <a:pPr>
-                        <a:lnSpc>
-                          <a:spcPct val="107000"/>
-                        </a:lnSpc>
-                        <a:spcAft>
-                          <a:spcPts val="0"/>
-                        </a:spcAft>
-                      </a:pPr>
-                      <a:r>
-                        <a:rPr lang="en-US" sz="300">
-                          <a:effectLst/>
-                        </a:rPr>
-                        <a:t>                                sh.Push(Math.Cos(a));</a:t>
-                      </a:r>
-                    </a:p>
-                    <a:p>
-                      <a:pPr>
-                        <a:lnSpc>
-                          <a:spcPct val="107000"/>
-                        </a:lnSpc>
-                        <a:spcAft>
-                          <a:spcPts val="0"/>
-                        </a:spcAft>
-                      </a:pPr>
-                      <a:r>
-                        <a:rPr lang="en-US" sz="300">
-                          <a:effectLst/>
-                        </a:rPr>
-                        <a:t>                                break;</a:t>
-                      </a:r>
-                    </a:p>
-                    <a:p>
-                      <a:pPr>
-                        <a:lnSpc>
-                          <a:spcPct val="107000"/>
-                        </a:lnSpc>
-                        <a:spcAft>
-                          <a:spcPts val="0"/>
-                        </a:spcAft>
-                      </a:pPr>
-                      <a:r>
-                        <a:rPr lang="en-US" sz="300">
-                          <a:effectLst/>
-                        </a:rPr>
-                        <a:t>                            case "tan":</a:t>
-                      </a:r>
-                    </a:p>
-                    <a:p>
-                      <a:pPr>
-                        <a:lnSpc>
-                          <a:spcPct val="107000"/>
-                        </a:lnSpc>
-                        <a:spcAft>
-                          <a:spcPts val="0"/>
-                        </a:spcAft>
-                      </a:pPr>
-                      <a:r>
-                        <a:rPr lang="en-US" sz="300">
-                          <a:effectLst/>
-                        </a:rPr>
-                        <a:t>                                sh.Push(Math.Tan(a));</a:t>
-                      </a:r>
-                    </a:p>
-                    <a:p>
-                      <a:pPr>
-                        <a:lnSpc>
-                          <a:spcPct val="107000"/>
-                        </a:lnSpc>
-                        <a:spcAft>
-                          <a:spcPts val="0"/>
-                        </a:spcAft>
-                      </a:pPr>
-                      <a:r>
-                        <a:rPr lang="en-US" sz="300">
-                          <a:effectLst/>
-                        </a:rPr>
-                        <a:t>                                break;</a:t>
-                      </a:r>
-                    </a:p>
-                    <a:p>
-                      <a:pPr>
-                        <a:lnSpc>
-                          <a:spcPct val="107000"/>
-                        </a:lnSpc>
-                        <a:spcAft>
-                          <a:spcPts val="0"/>
-                        </a:spcAft>
-                      </a:pPr>
-                      <a:r>
-                        <a:rPr lang="en-US" sz="300">
-                          <a:effectLst/>
-                        </a:rPr>
-                        <a:t>                            case "cotg":</a:t>
-                      </a:r>
-                    </a:p>
-                    <a:p>
-                      <a:pPr>
-                        <a:lnSpc>
-                          <a:spcPct val="107000"/>
-                        </a:lnSpc>
-                        <a:spcAft>
-                          <a:spcPts val="0"/>
-                        </a:spcAft>
-                      </a:pPr>
-                      <a:r>
-                        <a:rPr lang="en-US" sz="300">
-                          <a:effectLst/>
-                        </a:rPr>
-                        <a:t>                                sh.Push(1.00/Math.Tan(a));</a:t>
-                      </a:r>
-                    </a:p>
-                    <a:p>
-                      <a:pPr>
-                        <a:lnSpc>
-                          <a:spcPct val="107000"/>
-                        </a:lnSpc>
-                        <a:spcAft>
-                          <a:spcPts val="0"/>
-                        </a:spcAft>
-                      </a:pPr>
-                      <a:r>
-                        <a:rPr lang="en-US" sz="300">
-                          <a:effectLst/>
-                        </a:rPr>
-                        <a:t>                                break;</a:t>
-                      </a:r>
-                    </a:p>
-                    <a:p>
-                      <a:pPr>
-                        <a:lnSpc>
-                          <a:spcPct val="107000"/>
-                        </a:lnSpc>
-                        <a:spcAft>
-                          <a:spcPts val="0"/>
-                        </a:spcAft>
-                      </a:pPr>
-                      <a:r>
-                        <a:rPr lang="en-US" sz="300">
-                          <a:effectLst/>
-                        </a:rPr>
-                        <a:t>                            case "sqrt":</a:t>
-                      </a:r>
-                    </a:p>
-                    <a:p>
-                      <a:pPr>
-                        <a:lnSpc>
-                          <a:spcPct val="107000"/>
-                        </a:lnSpc>
-                        <a:spcAft>
-                          <a:spcPts val="0"/>
-                        </a:spcAft>
-                      </a:pPr>
-                      <a:r>
-                        <a:rPr lang="en-US" sz="300">
-                          <a:effectLst/>
-                        </a:rPr>
-                        <a:t>                                sh.Push(Math.Sqrt(a));</a:t>
-                      </a:r>
-                    </a:p>
-                    <a:p>
-                      <a:pPr>
-                        <a:lnSpc>
-                          <a:spcPct val="107000"/>
-                        </a:lnSpc>
-                        <a:spcAft>
-                          <a:spcPts val="0"/>
-                        </a:spcAft>
-                      </a:pPr>
-                      <a:r>
-                        <a:rPr lang="en-US" sz="300">
-                          <a:effectLst/>
-                        </a:rPr>
-                        <a:t>                                break;</a:t>
-                      </a:r>
-                    </a:p>
-                    <a:p>
-                      <a:pPr>
-                        <a:lnSpc>
-                          <a:spcPct val="107000"/>
-                        </a:lnSpc>
-                        <a:spcAft>
-                          <a:spcPts val="0"/>
-                        </a:spcAft>
-                      </a:pPr>
-                      <a:r>
-                        <a:rPr lang="en-US" sz="300">
-                          <a:effectLst/>
-                        </a:rPr>
-                        <a:t>                        }</a:t>
-                      </a:r>
-                    </a:p>
-                    <a:p>
-                      <a:pPr>
-                        <a:lnSpc>
-                          <a:spcPct val="107000"/>
-                        </a:lnSpc>
-                        <a:spcAft>
-                          <a:spcPts val="0"/>
-                        </a:spcAft>
-                      </a:pPr>
-                      <a:r>
-                        <a:rPr lang="en-US" sz="300">
-                          <a:effectLst/>
-                        </a:rPr>
-                        <a:t>                    }</a:t>
-                      </a:r>
-                    </a:p>
-                    <a:p>
-                      <a:pPr>
-                        <a:lnSpc>
-                          <a:spcPct val="107000"/>
-                        </a:lnSpc>
-                        <a:spcAft>
-                          <a:spcPts val="0"/>
-                        </a:spcAft>
-                      </a:pPr>
-                      <a:r>
-                        <a:rPr lang="en-US" sz="300">
-                          <a:effectLst/>
-                        </a:rPr>
-                        <a:t>            }</a:t>
-                      </a:r>
-                    </a:p>
-                    <a:p>
-                      <a:pPr marL="457200">
+                      <a:pPr marL="0" marR="0" algn="ctr">
                         <a:lnSpc>
                           <a:spcPct val="107000"/>
                         </a:lnSpc>
                         <a:spcBef>
-                          <a:spcPts val="480"/>
+                          <a:spcPts val="0"/>
                         </a:spcBef>
                         <a:spcAft>
                           <a:spcPts val="0"/>
                         </a:spcAft>
                       </a:pPr>
                       <a:r>
-                        <a:rPr lang="en-US" sz="300">
+                        <a:rPr lang="en-US" sz="2000">
                           <a:effectLst/>
                         </a:rPr>
-                        <a:t>            manhinh.Text = sh.Pop().ToString();</a:t>
-                      </a:r>
-                      <a:endParaRPr lang="en-US" sz="300">
+                        <a:t>Chưa hoàn thành</a:t>
+                      </a:r>
+                      <a:endParaRPr lang="en-US" sz="2000">
                         <a:effectLst/>
                         <a:latin typeface="Calibri" panose="020F0502020204030204" pitchFamily="34" charset="0"/>
                         <a:ea typeface="Calibri" panose="020F0502020204030204" pitchFamily="34" charset="0"/>
@@ -7121,11 +5002,163 @@
                       </a:endParaRPr>
                     </a:p>
                   </a:txBody>
-                  <a:tcPr marL="20410" marR="20410" marT="0" marB="0"/>
+                  <a:tcPr marL="68580" marR="68580" marT="0" marB="0"/>
                 </a:tc>
                 <a:extLst>
                   <a:ext uri="{0D108BD9-81ED-4DB2-BD59-A6C34878D82A}">
-                    <a16:rowId xmlns:a16="http://schemas.microsoft.com/office/drawing/2014/main" val="2668341937"/>
+                    <a16:rowId xmlns:a16="http://schemas.microsoft.com/office/drawing/2014/main" val="2818799109"/>
+                  </a:ext>
+                </a:extLst>
+              </a:tr>
+              <a:tr h="2689376">
+                <a:tc>
+                  <a:txBody>
+                    <a:bodyPr/>
+                    <a:lstStyle/>
+                    <a:p>
+                      <a:pPr marL="0" marR="0" algn="just">
+                        <a:lnSpc>
+                          <a:spcPct val="107000"/>
+                        </a:lnSpc>
+                        <a:spcBef>
+                          <a:spcPts val="0"/>
+                        </a:spcBef>
+                        <a:spcAft>
+                          <a:spcPts val="0"/>
+                        </a:spcAft>
+                      </a:pPr>
+                      <a:r>
+                        <a:rPr lang="en-US" sz="2000">
+                          <a:effectLst/>
+                        </a:rPr>
+                        <a:t>- Xây dựng được giao diện</a:t>
+                      </a:r>
+                    </a:p>
+                    <a:p>
+                      <a:pPr marL="0" marR="0" algn="just">
+                        <a:lnSpc>
+                          <a:spcPct val="107000"/>
+                        </a:lnSpc>
+                        <a:spcBef>
+                          <a:spcPts val="0"/>
+                        </a:spcBef>
+                        <a:spcAft>
+                          <a:spcPts val="0"/>
+                        </a:spcAft>
+                      </a:pPr>
+                      <a:r>
+                        <a:rPr lang="en-US" sz="2000">
+                          <a:effectLst/>
+                        </a:rPr>
+                        <a:t>- Ứng dụng được stack để tính biểu thức trung tố</a:t>
+                      </a:r>
+                    </a:p>
+                    <a:p>
+                      <a:pPr marL="0" marR="0" algn="just">
+                        <a:lnSpc>
+                          <a:spcPct val="107000"/>
+                        </a:lnSpc>
+                        <a:spcBef>
+                          <a:spcPts val="0"/>
+                        </a:spcBef>
+                        <a:spcAft>
+                          <a:spcPts val="0"/>
+                        </a:spcAft>
+                      </a:pPr>
+                      <a:r>
+                        <a:rPr lang="en-US" sz="2000">
+                          <a:effectLst/>
+                        </a:rPr>
+                        <a:t>- Thực hiện được các phép tính + - * / sin cos tan cotg, phép tính có ( )</a:t>
+                      </a:r>
+                      <a:endParaRPr lang="en-US" sz="2000">
+                        <a:effectLst/>
+                        <a:latin typeface="Calibri" panose="020F0502020204030204" pitchFamily="34" charset="0"/>
+                        <a:ea typeface="Calibri" panose="020F0502020204030204" pitchFamily="34" charset="0"/>
+                        <a:cs typeface="Times New Roman" panose="02020603050405020304" pitchFamily="18" charset="0"/>
+                      </a:endParaRPr>
+                    </a:p>
+                  </a:txBody>
+                  <a:tcPr marL="68580" marR="68580" marT="0" marB="0"/>
+                </a:tc>
+                <a:tc>
+                  <a:txBody>
+                    <a:bodyPr/>
+                    <a:lstStyle/>
+                    <a:p>
+                      <a:pPr marL="0" marR="0" algn="just">
+                        <a:lnSpc>
+                          <a:spcPct val="107000"/>
+                        </a:lnSpc>
+                        <a:spcBef>
+                          <a:spcPts val="0"/>
+                        </a:spcBef>
+                        <a:spcAft>
+                          <a:spcPts val="0"/>
+                        </a:spcAft>
+                      </a:pPr>
+                      <a:r>
+                        <a:rPr lang="en-US" sz="2000" b="1">
+                          <a:effectLst/>
+                        </a:rPr>
+                        <a:t>- Chưa bắt được lỗi khi nhập vào biểu thức sai.</a:t>
+                      </a:r>
+                    </a:p>
+                    <a:p>
+                      <a:pPr marL="0" marR="0" algn="just">
+                        <a:lnSpc>
+                          <a:spcPct val="107000"/>
+                        </a:lnSpc>
+                        <a:spcBef>
+                          <a:spcPts val="0"/>
+                        </a:spcBef>
+                        <a:spcAft>
+                          <a:spcPts val="0"/>
+                        </a:spcAft>
+                      </a:pPr>
+                      <a:r>
+                        <a:rPr lang="en-US" sz="2000" b="1">
+                          <a:effectLst/>
+                        </a:rPr>
+                        <a:t>- Chưa tính được sin cos tan cotg </a:t>
+                      </a:r>
+                      <a:r>
+                        <a:rPr lang="en-US" sz="2000" b="1" smtClean="0">
+                          <a:effectLst/>
+                        </a:rPr>
+                        <a:t>bên</a:t>
+                      </a:r>
+                      <a:r>
+                        <a:rPr lang="en-US" sz="2000" b="1" baseline="0" smtClean="0">
+                          <a:effectLst/>
+                        </a:rPr>
+                        <a:t> </a:t>
+                      </a:r>
+                      <a:r>
+                        <a:rPr lang="en-US" sz="2000" b="1" smtClean="0">
+                          <a:effectLst/>
+                        </a:rPr>
+                        <a:t>trong </a:t>
+                      </a:r>
+                      <a:r>
+                        <a:rPr lang="en-US" sz="2000" b="1">
+                          <a:effectLst/>
+                        </a:rPr>
+                        <a:t>dấu ngoặc</a:t>
+                      </a:r>
+                      <a:endParaRPr lang="en-US" sz="2000" b="1">
+                        <a:effectLst/>
+                        <a:latin typeface="Calibri" panose="020F0502020204030204" pitchFamily="34" charset="0"/>
+                        <a:ea typeface="Calibri" panose="020F0502020204030204" pitchFamily="34" charset="0"/>
+                        <a:cs typeface="Times New Roman" panose="02020603050405020304" pitchFamily="18" charset="0"/>
+                      </a:endParaRPr>
+                    </a:p>
+                  </a:txBody>
+                  <a:tcPr marL="68580" marR="68580" marT="0" marB="0"/>
+                </a:tc>
+                <a:extLst>
+                  <a:ext uri="{0D108BD9-81ED-4DB2-BD59-A6C34878D82A}">
+                    <a16:rowId xmlns:a16="http://schemas.microsoft.com/office/drawing/2014/main" val="1964328798"/>
                   </a:ext>
                 </a:extLst>
               </a:tr>
@@ -7136,7 +5169,7 @@
     </p:spTree>
     <p:extLst>
       <p:ext uri="{BB962C8B-B14F-4D97-AF65-F5344CB8AC3E}">
-        <p14:creationId xmlns:p14="http://schemas.microsoft.com/office/powerpoint/2010/main" val="4006693487"/>
+        <p14:creationId xmlns:p14="http://schemas.microsoft.com/office/powerpoint/2010/main" val="2072211654"/>
       </p:ext>
     </p:extLst>
   </p:cSld>
@@ -7209,8 +5242,8 @@
           <a:lstStyle/>
           <a:p>
             <a:r>
-              <a:rPr lang="en-GB"/>
-              <a:t>V. CÀI ĐẶT VÀ KIỂM THỬ</a:t>
+              <a:rPr lang="en-US"/>
+              <a:t>KẾT LUẬN</a:t>
             </a:r>
             <a:endParaRPr lang="en-US" dirty="0"/>
           </a:p>
@@ -7232,446 +5265,7 @@
             <p:ph idx="1"/>
             <p:extLst>
               <p:ext uri="{D42A27DB-BD31-4B8C-83A1-F6EECF244321}">
-                <p14:modId xmlns:p14="http://schemas.microsoft.com/office/powerpoint/2010/main" val="2714998831"/>
-              </p:ext>
-            </p:extLst>
-          </p:nvPr>
-        </p:nvGraphicFramePr>
-        <p:xfrm>
-          <a:off x="1159668" y="1601227"/>
-          <a:ext cx="9872664" cy="4435869"/>
-        </p:xfrm>
-        <a:graphic>
-          <a:graphicData uri="http://schemas.openxmlformats.org/drawingml/2006/table">
-            <a:tbl>
-              <a:tblPr firstRow="1" bandRow="1">
-                <a:tableStyleId>{5C22544A-7EE6-4342-B048-85BDC9FD1C3A}</a:tableStyleId>
-              </a:tblPr>
-              <a:tblGrid>
-                <a:gridCol w="4936332">
-                  <a:extLst>
-                    <a:ext uri="{9D8B030D-6E8A-4147-A177-3AD203B41FA5}">
-                      <a16:colId xmlns:a16="http://schemas.microsoft.com/office/drawing/2014/main" val="743422230"/>
-                    </a:ext>
-                  </a:extLst>
-                </a:gridCol>
-                <a:gridCol w="4936332">
-                  <a:extLst>
-                    <a:ext uri="{9D8B030D-6E8A-4147-A177-3AD203B41FA5}">
-                      <a16:colId xmlns:a16="http://schemas.microsoft.com/office/drawing/2014/main" val="777156215"/>
-                    </a:ext>
-                  </a:extLst>
-                </a:gridCol>
-              </a:tblGrid>
-              <a:tr h="472727">
-                <a:tc>
-                  <a:txBody>
-                    <a:bodyPr/>
-                    <a:lstStyle/>
-                    <a:p>
-                      <a:r>
-                        <a:rPr lang="en-GB">
-                          <a:latin typeface="Tahoma" panose="020B0604030504040204" pitchFamily="34" charset="0"/>
-                          <a:ea typeface="Tahoma" panose="020B0604030504040204" pitchFamily="34" charset="0"/>
-                          <a:cs typeface="Tahoma" panose="020B0604030504040204" pitchFamily="34" charset="0"/>
-                        </a:rPr>
-                        <a:t>C</a:t>
-                      </a:r>
-                      <a:r>
-                        <a:rPr lang="en-US">
-                          <a:latin typeface="Tahoma" panose="020B0604030504040204" pitchFamily="34" charset="0"/>
-                          <a:ea typeface="Tahoma" panose="020B0604030504040204" pitchFamily="34" charset="0"/>
-                          <a:cs typeface="Tahoma" panose="020B0604030504040204" pitchFamily="34" charset="0"/>
-                        </a:rPr>
-                        <a:t>ài đặt</a:t>
-                      </a:r>
-                      <a:endParaRPr lang="en-US" dirty="0">
-                        <a:latin typeface="Tahoma" panose="020B0604030504040204" pitchFamily="34" charset="0"/>
-                        <a:ea typeface="Tahoma" panose="020B0604030504040204" pitchFamily="34" charset="0"/>
-                        <a:cs typeface="Tahoma" panose="020B0604030504040204" pitchFamily="34" charset="0"/>
-                      </a:endParaRPr>
-                    </a:p>
-                  </a:txBody>
-                  <a:tcPr/>
-                </a:tc>
-                <a:tc>
-                  <a:txBody>
-                    <a:bodyPr/>
-                    <a:lstStyle/>
-                    <a:p>
-                      <a:r>
-                        <a:rPr lang="en-GB">
-                          <a:latin typeface="Tahoma" panose="020B0604030504040204" pitchFamily="34" charset="0"/>
-                          <a:ea typeface="Tahoma" panose="020B0604030504040204" pitchFamily="34" charset="0"/>
-                          <a:cs typeface="Tahoma" panose="020B0604030504040204" pitchFamily="34" charset="0"/>
-                        </a:rPr>
-                        <a:t>K</a:t>
-                      </a:r>
-                      <a:r>
-                        <a:rPr lang="en-US">
-                          <a:latin typeface="Tahoma" panose="020B0604030504040204" pitchFamily="34" charset="0"/>
-                          <a:ea typeface="Tahoma" panose="020B0604030504040204" pitchFamily="34" charset="0"/>
-                          <a:cs typeface="Tahoma" panose="020B0604030504040204" pitchFamily="34" charset="0"/>
-                        </a:rPr>
-                        <a:t>iểm th</a:t>
-                      </a:r>
-                      <a:r>
-                        <a:rPr lang="en-GB">
-                          <a:latin typeface="Tahoma" panose="020B0604030504040204" pitchFamily="34" charset="0"/>
-                          <a:ea typeface="Tahoma" panose="020B0604030504040204" pitchFamily="34" charset="0"/>
-                          <a:cs typeface="Tahoma" panose="020B0604030504040204" pitchFamily="34" charset="0"/>
-                        </a:rPr>
-                        <a:t>ử</a:t>
-                      </a:r>
-                      <a:endParaRPr lang="en-US" dirty="0">
-                        <a:latin typeface="Tahoma" panose="020B0604030504040204" pitchFamily="34" charset="0"/>
-                        <a:ea typeface="Tahoma" panose="020B0604030504040204" pitchFamily="34" charset="0"/>
-                        <a:cs typeface="Tahoma" panose="020B0604030504040204" pitchFamily="34" charset="0"/>
-                      </a:endParaRPr>
-                    </a:p>
-                  </a:txBody>
-                  <a:tcPr/>
-                </a:tc>
-                <a:extLst>
-                  <a:ext uri="{0D108BD9-81ED-4DB2-BD59-A6C34878D82A}">
-                    <a16:rowId xmlns:a16="http://schemas.microsoft.com/office/drawing/2014/main" val="2496822786"/>
-                  </a:ext>
-                </a:extLst>
-              </a:tr>
-              <a:tr h="3963142">
-                <a:tc>
-                  <a:txBody>
-                    <a:bodyPr/>
-                    <a:lstStyle/>
-                    <a:p>
-                      <a:pPr marL="0" marR="0" lvl="0" indent="0" algn="l" defTabSz="914400" rtl="0" eaLnBrk="1" fontAlgn="auto" latinLnBrk="0" hangingPunct="1">
-                        <a:lnSpc>
-                          <a:spcPct val="150000"/>
-                        </a:lnSpc>
-                        <a:spcBef>
-                          <a:spcPts val="0"/>
-                        </a:spcBef>
-                        <a:spcAft>
-                          <a:spcPts val="0"/>
-                        </a:spcAft>
-                        <a:buClrTx/>
-                        <a:buSzTx/>
-                        <a:buFont typeface="Wingdings" panose="05000000000000000000" pitchFamily="2" charset="2"/>
-                        <a:buNone/>
-                        <a:tabLst/>
-                        <a:defRPr/>
-                      </a:pPr>
-                      <a:r>
-                        <a:rPr lang="en-GB" sz="2400">
-                          <a:latin typeface="Tahoma" panose="020B0604030504040204" pitchFamily="34" charset="0"/>
-                          <a:ea typeface="Tahoma" panose="020B0604030504040204" pitchFamily="34" charset="0"/>
-                          <a:cs typeface="Tahoma" panose="020B0604030504040204" pitchFamily="34" charset="0"/>
-                        </a:rPr>
-                        <a:t>Ứng dụng Calculator đ</a:t>
-                      </a:r>
-                      <a:r>
-                        <a:rPr lang="vi-VN" sz="2400">
-                          <a:latin typeface="Tahoma" panose="020B0604030504040204" pitchFamily="34" charset="0"/>
-                          <a:ea typeface="Tahoma" panose="020B0604030504040204" pitchFamily="34" charset="0"/>
-                          <a:cs typeface="Tahoma" panose="020B0604030504040204" pitchFamily="34" charset="0"/>
-                        </a:rPr>
-                        <a:t>ư</a:t>
-                      </a:r>
-                      <a:r>
-                        <a:rPr lang="en-GB" sz="2400">
-                          <a:latin typeface="Tahoma" panose="020B0604030504040204" pitchFamily="34" charset="0"/>
-                          <a:ea typeface="Tahoma" panose="020B0604030504040204" pitchFamily="34" charset="0"/>
-                          <a:cs typeface="Tahoma" panose="020B0604030504040204" pitchFamily="34" charset="0"/>
-                        </a:rPr>
-                        <a:t>ợc cài đặt trên Visual Studio 2017</a:t>
-                      </a:r>
-                    </a:p>
-                    <a:p>
-                      <a:pPr marL="0" marR="0" lvl="0" indent="0" algn="l" defTabSz="914400" rtl="0" eaLnBrk="1" fontAlgn="auto" latinLnBrk="0" hangingPunct="1">
-                        <a:lnSpc>
-                          <a:spcPct val="150000"/>
-                        </a:lnSpc>
-                        <a:spcBef>
-                          <a:spcPts val="0"/>
-                        </a:spcBef>
-                        <a:spcAft>
-                          <a:spcPts val="0"/>
-                        </a:spcAft>
-                        <a:buClrTx/>
-                        <a:buSzTx/>
-                        <a:buFont typeface="Wingdings" panose="05000000000000000000" pitchFamily="2" charset="2"/>
-                        <a:buNone/>
-                        <a:tabLst/>
-                        <a:defRPr/>
-                      </a:pPr>
-                      <a:r>
-                        <a:rPr lang="en-GB" sz="2400">
-                          <a:latin typeface="Tahoma" panose="020B0604030504040204" pitchFamily="34" charset="0"/>
-                          <a:ea typeface="Tahoma" panose="020B0604030504040204" pitchFamily="34" charset="0"/>
-                          <a:cs typeface="Tahoma" panose="020B0604030504040204" pitchFamily="34" charset="0"/>
-                        </a:rPr>
-                        <a:t>Chạy trên Window10 x64-bit</a:t>
-                      </a:r>
-                      <a:endParaRPr lang="en-US" sz="2400" dirty="0">
-                        <a:latin typeface="Tahoma" panose="020B0604030504040204" pitchFamily="34" charset="0"/>
-                        <a:ea typeface="Tahoma" panose="020B0604030504040204" pitchFamily="34" charset="0"/>
-                        <a:cs typeface="Tahoma" panose="020B0604030504040204" pitchFamily="34" charset="0"/>
-                      </a:endParaRPr>
-                    </a:p>
-                  </a:txBody>
-                  <a:tcPr/>
-                </a:tc>
-                <a:tc>
-                  <a:txBody>
-                    <a:bodyPr/>
-                    <a:lstStyle/>
-                    <a:p>
-                      <a:pPr marL="0" indent="0">
-                        <a:lnSpc>
-                          <a:spcPct val="150000"/>
-                        </a:lnSpc>
-                        <a:buFont typeface="Wingdings" panose="05000000000000000000" pitchFamily="2" charset="2"/>
-                        <a:buNone/>
-                      </a:pPr>
-                      <a:r>
-                        <a:rPr lang="en-GB" sz="2400">
-                          <a:latin typeface="Tahoma" panose="020B0604030504040204" pitchFamily="34" charset="0"/>
-                          <a:ea typeface="Tahoma" panose="020B0604030504040204" pitchFamily="34" charset="0"/>
-                          <a:cs typeface="Tahoma" panose="020B0604030504040204" pitchFamily="34" charset="0"/>
-                        </a:rPr>
-                        <a:t>TH1: 5*3-(3+5)/2=11</a:t>
-                      </a:r>
-                    </a:p>
-                    <a:p>
-                      <a:pPr marL="0" indent="0">
-                        <a:lnSpc>
-                          <a:spcPct val="150000"/>
-                        </a:lnSpc>
-                        <a:buFont typeface="Wingdings" panose="05000000000000000000" pitchFamily="2" charset="2"/>
-                        <a:buNone/>
-                      </a:pPr>
-                      <a:r>
-                        <a:rPr lang="en-GB" sz="2400">
-                          <a:latin typeface="Tahoma" panose="020B0604030504040204" pitchFamily="34" charset="0"/>
-                          <a:ea typeface="Tahoma" panose="020B0604030504040204" pitchFamily="34" charset="0"/>
-                          <a:cs typeface="Tahoma" panose="020B0604030504040204" pitchFamily="34" charset="0"/>
-                        </a:rPr>
-                        <a:t>TH2: 9%4 d</a:t>
-                      </a:r>
-                      <a:r>
-                        <a:rPr lang="vi-VN" sz="2400">
-                          <a:latin typeface="Tahoma" panose="020B0604030504040204" pitchFamily="34" charset="0"/>
-                          <a:ea typeface="Tahoma" panose="020B0604030504040204" pitchFamily="34" charset="0"/>
-                          <a:cs typeface="Tahoma" panose="020B0604030504040204" pitchFamily="34" charset="0"/>
-                        </a:rPr>
-                        <a:t>ư</a:t>
-                      </a:r>
-                      <a:r>
-                        <a:rPr lang="en-GB" sz="2400">
-                          <a:latin typeface="Tahoma" panose="020B0604030504040204" pitchFamily="34" charset="0"/>
-                          <a:ea typeface="Tahoma" panose="020B0604030504040204" pitchFamily="34" charset="0"/>
-                          <a:cs typeface="Tahoma" panose="020B0604030504040204" pitchFamily="34" charset="0"/>
-                        </a:rPr>
-                        <a:t> 1</a:t>
-                      </a:r>
-                    </a:p>
-                    <a:p>
-                      <a:pPr marL="0" indent="0">
-                        <a:lnSpc>
-                          <a:spcPct val="150000"/>
-                        </a:lnSpc>
-                        <a:buFont typeface="Wingdings" panose="05000000000000000000" pitchFamily="2" charset="2"/>
-                        <a:buNone/>
-                      </a:pPr>
-                      <a:r>
-                        <a:rPr lang="en-GB" sz="2400">
-                          <a:latin typeface="Tahoma" panose="020B0604030504040204" pitchFamily="34" charset="0"/>
-                          <a:ea typeface="Tahoma" panose="020B0604030504040204" pitchFamily="34" charset="0"/>
-                          <a:cs typeface="Tahoma" panose="020B0604030504040204" pitchFamily="34" charset="0"/>
-                        </a:rPr>
-                        <a:t>TH3: cos1+2=2.54</a:t>
-                      </a:r>
-                    </a:p>
-                    <a:p>
-                      <a:pPr marL="0" indent="0">
-                        <a:lnSpc>
-                          <a:spcPct val="150000"/>
-                        </a:lnSpc>
-                        <a:buFont typeface="Wingdings" panose="05000000000000000000" pitchFamily="2" charset="2"/>
-                        <a:buNone/>
-                      </a:pPr>
-                      <a:r>
-                        <a:rPr lang="en-GB" sz="2400">
-                          <a:latin typeface="Tahoma" panose="020B0604030504040204" pitchFamily="34" charset="0"/>
-                          <a:ea typeface="Tahoma" panose="020B0604030504040204" pitchFamily="34" charset="0"/>
-                          <a:cs typeface="Tahoma" panose="020B0604030504040204" pitchFamily="34" charset="0"/>
-                        </a:rPr>
-                        <a:t>TH4: 5—1=6</a:t>
-                      </a:r>
-                    </a:p>
-                    <a:p>
-                      <a:pPr marL="0" indent="0">
-                        <a:lnSpc>
-                          <a:spcPct val="150000"/>
-                        </a:lnSpc>
-                        <a:buFont typeface="Wingdings" panose="05000000000000000000" pitchFamily="2" charset="2"/>
-                        <a:buNone/>
-                      </a:pPr>
-                      <a:endParaRPr lang="en-US" sz="2400" dirty="0">
-                        <a:latin typeface="Tahoma" panose="020B0604030504040204" pitchFamily="34" charset="0"/>
-                        <a:ea typeface="Tahoma" panose="020B0604030504040204" pitchFamily="34" charset="0"/>
-                        <a:cs typeface="Tahoma" panose="020B0604030504040204" pitchFamily="34" charset="0"/>
-                      </a:endParaRPr>
-                    </a:p>
-                  </a:txBody>
-                  <a:tcPr/>
-                </a:tc>
-                <a:extLst>
-                  <a:ext uri="{0D108BD9-81ED-4DB2-BD59-A6C34878D82A}">
-                    <a16:rowId xmlns:a16="http://schemas.microsoft.com/office/drawing/2014/main" val="744739329"/>
-                  </a:ext>
-                </a:extLst>
-              </a:tr>
-            </a:tbl>
-          </a:graphicData>
-        </a:graphic>
-      </p:graphicFrame>
-      <p:pic>
-        <p:nvPicPr>
-          <p:cNvPr id="5" name="Graphic 4" descr="Footprints">
-            <a:extLst>
-              <a:ext uri="{FF2B5EF4-FFF2-40B4-BE49-F238E27FC236}">
-                <a16:creationId xmlns:a16="http://schemas.microsoft.com/office/drawing/2014/main" id="{5DF9218C-81FD-4DF0-92B2-C386681A6996}"/>
-              </a:ext>
-            </a:extLst>
-          </p:cNvPr>
-          <p:cNvPicPr>
-            <a:picLocks noChangeAspect="1"/>
-          </p:cNvPicPr>
-          <p:nvPr/>
-        </p:nvPicPr>
-        <p:blipFill>
-          <a:blip r:embed="rId2">
-            <a:extLst>
-              <a:ext uri="{96DAC541-7B7A-43D3-8B79-37D633B846F1}">
-                <asvg:svgBlip xmlns="" xmlns:asvg="http://schemas.microsoft.com/office/drawing/2016/SVG/main" r:embed="rId3"/>
-              </a:ext>
-            </a:extLst>
-          </a:blip>
-          <a:stretch>
-            <a:fillRect/>
-          </a:stretch>
-        </p:blipFill>
-        <p:spPr>
-          <a:xfrm>
-            <a:off x="8448501" y="465847"/>
-            <a:ext cx="914400" cy="914400"/>
-          </a:xfrm>
-          <a:prstGeom prst="rect">
-            <a:avLst/>
-          </a:prstGeom>
-        </p:spPr>
-      </p:pic>
-    </p:spTree>
-    <p:extLst>
-      <p:ext uri="{BB962C8B-B14F-4D97-AF65-F5344CB8AC3E}">
-        <p14:creationId xmlns:p14="http://schemas.microsoft.com/office/powerpoint/2010/main" val="4210730122"/>
-      </p:ext>
-    </p:extLst>
-  </p:cSld>
-  <p:clrMapOvr>
-    <a:masterClrMapping/>
-  </p:clrMapOvr>
-  <mc:AlternateContent xmlns:mc="http://schemas.openxmlformats.org/markup-compatibility/2006" xmlns:p159="http://schemas.microsoft.com/office/powerpoint/2015/09/main">
-    <mc:Choice Requires="p159">
-      <p:transition xmlns:p14="http://schemas.microsoft.com/office/powerpoint/2010/main" spd="slow" p14:dur="2000">
-        <p159:morph option="byObject"/>
-      </p:transition>
-    </mc:Choice>
-    <mc:Fallback xmlns="">
-      <p:transition spd="slow">
-        <p:fade/>
-      </p:transition>
-    </mc:Fallback>
-  </mc:AlternateContent>
-  <p:timing>
-    <p:tnLst>
-      <p:par>
-        <p:cTn id="1" dur="indefinite" restart="never" nodeType="tmRoot"/>
-      </p:par>
-    </p:tnLst>
-  </p:timing>
-</p:sld>
-</file>
-
-<file path=ppt/slides/slide13.xml><?xml version="1.0" encoding="utf-8"?>
-<p:sld xmlns:a="http://schemas.openxmlformats.org/drawingml/2006/main" xmlns:r="http://schemas.openxmlformats.org/officeDocument/2006/relationships" xmlns:p="http://schemas.openxmlformats.org/presentationml/2006/main">
-  <p:cSld>
-    <p:spTree>
-      <p:nvGrpSpPr>
-        <p:cNvPr id="1" name=""/>
-        <p:cNvGrpSpPr/>
-        <p:nvPr/>
-      </p:nvGrpSpPr>
-      <p:grpSpPr>
-        <a:xfrm>
-          <a:off x="0" y="0"/>
-          <a:ext cx="0" cy="0"/>
-          <a:chOff x="0" y="0"/>
-          <a:chExt cx="0" cy="0"/>
-        </a:xfrm>
-      </p:grpSpPr>
-      <p:sp>
-        <p:nvSpPr>
-          <p:cNvPr id="2" name="Title 1">
-            <a:extLst>
-              <a:ext uri="{FF2B5EF4-FFF2-40B4-BE49-F238E27FC236}">
-                <a16:creationId xmlns:a16="http://schemas.microsoft.com/office/drawing/2014/main" id="{F2153DD3-C27C-457D-ADDD-066D01CB95CA}"/>
-              </a:ext>
-            </a:extLst>
-          </p:cNvPr>
-          <p:cNvSpPr>
-            <a:spLocks noGrp="1"/>
-          </p:cNvSpPr>
-          <p:nvPr>
-            <p:ph type="title"/>
-          </p:nvPr>
-        </p:nvSpPr>
-        <p:spPr>
-          <a:xfrm>
-            <a:off x="1096766" y="244867"/>
-            <a:ext cx="9875520" cy="1356360"/>
-          </a:xfrm>
-        </p:spPr>
-        <p:txBody>
-          <a:bodyPr/>
-          <a:lstStyle/>
-          <a:p>
-            <a:r>
-              <a:rPr lang="en-US"/>
-              <a:t>KẾT LUẬN</a:t>
-            </a:r>
-            <a:endParaRPr lang="en-US" dirty="0"/>
-          </a:p>
-        </p:txBody>
-      </p:sp>
-      <p:graphicFrame>
-        <p:nvGraphicFramePr>
-          <p:cNvPr id="4" name="Content Placeholder 3">
-            <a:extLst>
-              <a:ext uri="{FF2B5EF4-FFF2-40B4-BE49-F238E27FC236}">
-                <a16:creationId xmlns:a16="http://schemas.microsoft.com/office/drawing/2014/main" id="{31F44B22-324B-4DE8-B32C-85312184904C}"/>
-              </a:ext>
-            </a:extLst>
-          </p:cNvPr>
-          <p:cNvGraphicFramePr>
-            <a:graphicFrameLocks noGrp="1"/>
-          </p:cNvGraphicFramePr>
-          <p:nvPr>
-            <p:ph idx="1"/>
-            <p:extLst>
-              <p:ext uri="{D42A27DB-BD31-4B8C-83A1-F6EECF244321}">
-                <p14:modId xmlns:p14="http://schemas.microsoft.com/office/powerpoint/2010/main" val="3716110198"/>
+                <p14:modId xmlns:p14="http://schemas.microsoft.com/office/powerpoint/2010/main" val="2409610745"/>
               </p:ext>
             </p:extLst>
           </p:nvPr>
@@ -8006,8 +5600,47 @@
                           <a:ea typeface="+mn-ea"/>
                           <a:cs typeface="Microsoft Tai Le" panose="020B0502040204020203" pitchFamily="34" charset="0"/>
                         </a:rPr>
-                        <a:t>Thêm chức năng tính toán như: tính giai thừa, logarit, giải phương trình bậc 1, bậc 2, phân số, lũy thừa, hàm mũ.</a:t>
-                      </a:r>
+                        <a:t>Thêm chức năng tính toán như: tính giai thừa, logarit, giải phương trình bậc 1, bậc 2, phân số, lũy thừa, hàm mũ</a:t>
+                      </a:r>
+                      <a:r>
+                        <a:rPr lang="en-US" sz="2400" kern="1200" smtClean="0">
+                          <a:solidFill>
+                            <a:schemeClr val="dk1"/>
+                          </a:solidFill>
+                          <a:effectLst/>
+                          <a:latin typeface="Microsoft Tai Le" panose="020B0502040204020203" pitchFamily="34" charset="0"/>
+                          <a:ea typeface="+mn-ea"/>
+                          <a:cs typeface="Microsoft Tai Le" panose="020B0502040204020203" pitchFamily="34" charset="0"/>
+                        </a:rPr>
+                        <a:t>.</a:t>
+                      </a:r>
+                    </a:p>
+                    <a:p>
+                      <a:pPr marL="342900" lvl="0" indent="-342900">
+                        <a:buFont typeface="Wingdings" panose="05000000000000000000" pitchFamily="2" charset="2"/>
+                        <a:buChar char="Ø"/>
+                      </a:pPr>
+                      <a:r>
+                        <a:rPr lang="en-US" sz="2400" kern="1200" smtClean="0">
+                          <a:solidFill>
+                            <a:schemeClr val="dk1"/>
+                          </a:solidFill>
+                          <a:effectLst/>
+                          <a:latin typeface="Microsoft Tai Le" panose="020B0502040204020203" pitchFamily="34" charset="0"/>
+                          <a:ea typeface="+mn-ea"/>
+                          <a:cs typeface="Microsoft Tai Le" panose="020B0502040204020203" pitchFamily="34" charset="0"/>
+                        </a:rPr>
+                        <a:t>Bắt lỗi khi nhập vào biểu thức sai.</a:t>
+                      </a:r>
+                      <a:endParaRPr lang="en-US" sz="2400" kern="1200">
+                        <a:solidFill>
+                          <a:schemeClr val="dk1"/>
+                        </a:solidFill>
+                        <a:effectLst/>
+                        <a:latin typeface="Microsoft Tai Le" panose="020B0502040204020203" pitchFamily="34" charset="0"/>
+                        <a:ea typeface="+mn-ea"/>
+                        <a:cs typeface="Microsoft Tai Le" panose="020B0502040204020203" pitchFamily="34" charset="0"/>
+                      </a:endParaRPr>
                     </a:p>
                   </a:txBody>
                   <a:tcPr/>
@@ -8058,6 +5691,48 @@
           </a:prstGeom>
         </p:spPr>
       </p:pic>
+      <p:sp>
+        <p:nvSpPr>
+          <p:cNvPr id="3" name="Footer Placeholder 2"/>
+          <p:cNvSpPr>
+            <a:spLocks noGrp="1"/>
+          </p:cNvSpPr>
+          <p:nvPr>
+            <p:ph type="ftr" sz="quarter" idx="11"/>
+          </p:nvPr>
+        </p:nvSpPr>
+        <p:spPr/>
+        <p:txBody>
+          <a:bodyPr/>
+          <a:lstStyle/>
+          <a:p>
+            <a:endParaRPr lang="en-US" dirty="0"/>
+          </a:p>
+        </p:txBody>
+      </p:sp>
+      <p:sp>
+        <p:nvSpPr>
+          <p:cNvPr id="5" name="Slide Number Placeholder 4"/>
+          <p:cNvSpPr>
+            <a:spLocks noGrp="1"/>
+          </p:cNvSpPr>
+          <p:nvPr>
+            <p:ph type="sldNum" sz="quarter" idx="12"/>
+          </p:nvPr>
+        </p:nvSpPr>
+        <p:spPr/>
+        <p:txBody>
+          <a:bodyPr/>
+          <a:lstStyle/>
+          <a:p>
+            <a:fld id="{6D22F896-40B5-4ADD-8801-0D06FADFA095}" type="slidenum">
+              <a:rPr lang="en-US" smtClean="0"/>
+              <a:t>12</a:t>
+            </a:fld>
+            <a:endParaRPr lang="en-US" dirty="0"/>
+          </a:p>
+        </p:txBody>
+      </p:sp>
     </p:spTree>
     <p:extLst>
       <p:ext uri="{BB962C8B-B14F-4D97-AF65-F5344CB8AC3E}">
@@ -8090,7 +5765,7 @@
 </p:sld>
 </file>
 
-<file path=ppt/slides/slide14.xml><?xml version="1.0" encoding="utf-8"?>
+<file path=ppt/slides/slide13.xml><?xml version="1.0" encoding="utf-8"?>
 <p:sld xmlns:a="http://schemas.openxmlformats.org/drawingml/2006/main" xmlns:r="http://schemas.openxmlformats.org/officeDocument/2006/relationships" xmlns:p="http://schemas.openxmlformats.org/presentationml/2006/main">
   <p:cSld>
     <p:spTree>
@@ -8140,6 +5815,48 @@
           </a:p>
         </p:txBody>
       </p:sp>
+      <p:sp>
+        <p:nvSpPr>
+          <p:cNvPr id="2" name="Footer Placeholder 1"/>
+          <p:cNvSpPr>
+            <a:spLocks noGrp="1"/>
+          </p:cNvSpPr>
+          <p:nvPr>
+            <p:ph type="ftr" sz="quarter" idx="11"/>
+          </p:nvPr>
+        </p:nvSpPr>
+        <p:spPr/>
+        <p:txBody>
+          <a:bodyPr/>
+          <a:lstStyle/>
+          <a:p>
+            <a:endParaRPr lang="en-US" dirty="0"/>
+          </a:p>
+        </p:txBody>
+      </p:sp>
+      <p:sp>
+        <p:nvSpPr>
+          <p:cNvPr id="3" name="Slide Number Placeholder 2"/>
+          <p:cNvSpPr>
+            <a:spLocks noGrp="1"/>
+          </p:cNvSpPr>
+          <p:nvPr>
+            <p:ph type="sldNum" sz="quarter" idx="12"/>
+          </p:nvPr>
+        </p:nvSpPr>
+        <p:spPr/>
+        <p:txBody>
+          <a:bodyPr/>
+          <a:lstStyle/>
+          <a:p>
+            <a:fld id="{6D22F896-40B5-4ADD-8801-0D06FADFA095}" type="slidenum">
+              <a:rPr lang="en-US" smtClean="0"/>
+              <a:t>13</a:t>
+            </a:fld>
+            <a:endParaRPr lang="en-US" dirty="0"/>
+          </a:p>
+        </p:txBody>
+      </p:sp>
     </p:spTree>
     <p:extLst>
       <p:ext uri="{BB962C8B-B14F-4D97-AF65-F5344CB8AC3E}">
@@ -8162,6 +5879,13 @@
       </p:transition>
     </mc:Fallback>
   </mc:AlternateContent>
+  <p:timing>
+    <p:tnLst>
+      <p:par>
+        <p:cTn id="1" dur="indefinite" restart="never" nodeType="tmRoot"/>
+      </p:par>
+    </p:tnLst>
+  </p:timing>
 </p:sld>
 </file>
 
@@ -8358,6 +6082,48 @@
           </a:prstGeom>
         </p:spPr>
       </p:pic>
+      <p:sp>
+        <p:nvSpPr>
+          <p:cNvPr id="2" name="Footer Placeholder 1"/>
+          <p:cNvSpPr>
+            <a:spLocks noGrp="1"/>
+          </p:cNvSpPr>
+          <p:nvPr>
+            <p:ph type="ftr" sz="quarter" idx="11"/>
+          </p:nvPr>
+        </p:nvSpPr>
+        <p:spPr/>
+        <p:txBody>
+          <a:bodyPr/>
+          <a:lstStyle/>
+          <a:p>
+            <a:endParaRPr lang="en-US" dirty="0"/>
+          </a:p>
+        </p:txBody>
+      </p:sp>
+      <p:sp>
+        <p:nvSpPr>
+          <p:cNvPr id="3" name="Slide Number Placeholder 2"/>
+          <p:cNvSpPr>
+            <a:spLocks noGrp="1"/>
+          </p:cNvSpPr>
+          <p:nvPr>
+            <p:ph type="sldNum" sz="quarter" idx="12"/>
+          </p:nvPr>
+        </p:nvSpPr>
+        <p:spPr/>
+        <p:txBody>
+          <a:bodyPr/>
+          <a:lstStyle/>
+          <a:p>
+            <a:fld id="{6D22F896-40B5-4ADD-8801-0D06FADFA095}" type="slidenum">
+              <a:rPr lang="en-US" smtClean="0"/>
+              <a:t>2</a:t>
+            </a:fld>
+            <a:endParaRPr lang="en-US" dirty="0"/>
+          </a:p>
+        </p:txBody>
+      </p:sp>
     </p:spTree>
     <p:extLst>
       <p:ext uri="{BB962C8B-B14F-4D97-AF65-F5344CB8AC3E}">
@@ -8461,7 +6227,7 @@
             <p:ph idx="1"/>
             <p:extLst>
               <p:ext uri="{D42A27DB-BD31-4B8C-83A1-F6EECF244321}">
-                <p14:modId xmlns:p14="http://schemas.microsoft.com/office/powerpoint/2010/main" val="2575254984"/>
+                <p14:modId xmlns:p14="http://schemas.microsoft.com/office/powerpoint/2010/main" val="1022749759"/>
               </p:ext>
             </p:extLst>
           </p:nvPr>
@@ -8575,7 +6341,7 @@
                     <a:bodyPr/>
                     <a:lstStyle/>
                     <a:p>
-                      <a:pPr marL="285750" marR="0" lvl="0" indent="-285750" algn="l" defTabSz="914400" rtl="0" eaLnBrk="1" fontAlgn="auto" latinLnBrk="0" hangingPunct="1">
+                      <a:pPr marL="285750" marR="0" lvl="0" indent="-285750" algn="just" defTabSz="914400" rtl="0" eaLnBrk="1" fontAlgn="auto" latinLnBrk="0" hangingPunct="1">
                         <a:lnSpc>
                           <a:spcPct val="100000"/>
                         </a:lnSpc>
@@ -8634,7 +6400,7 @@
                       </a:r>
                     </a:p>
                     <a:p>
-                      <a:pPr marL="285750" marR="0" lvl="0" indent="-285750" algn="l" defTabSz="914400" rtl="0" eaLnBrk="1" fontAlgn="auto" latinLnBrk="0" hangingPunct="1">
+                      <a:pPr marL="285750" marR="0" lvl="0" indent="-285750" algn="just" defTabSz="914400" rtl="0" eaLnBrk="1" fontAlgn="auto" latinLnBrk="0" hangingPunct="1">
                         <a:lnSpc>
                           <a:spcPct val="100000"/>
                         </a:lnSpc>
@@ -8762,7 +6528,7 @@
                       </a:r>
                     </a:p>
                     <a:p>
-                      <a:pPr marL="742950" lvl="1" indent="-285750">
+                      <a:pPr marL="742950" lvl="1" indent="-285750" algn="just">
                         <a:lnSpc>
                           <a:spcPct val="100000"/>
                         </a:lnSpc>
@@ -8800,7 +6566,7 @@
                       </a:endParaRPr>
                     </a:p>
                     <a:p>
-                      <a:pPr marL="742950" lvl="1" indent="-285750">
+                      <a:pPr marL="742950" lvl="1" indent="-285750" algn="just">
                         <a:lnSpc>
                           <a:spcPct val="100000"/>
                         </a:lnSpc>
@@ -8833,7 +6599,7 @@
                       </a:r>
                     </a:p>
                     <a:p>
-                      <a:pPr marL="285750" lvl="0" indent="-285750">
+                      <a:pPr marL="285750" lvl="0" indent="-285750" algn="just">
                         <a:lnSpc>
                           <a:spcPct val="100000"/>
                         </a:lnSpc>
@@ -8850,7 +6616,7 @@
                       </a:r>
                     </a:p>
                     <a:p>
-                      <a:pPr marL="742950" lvl="1" indent="-285750">
+                      <a:pPr marL="742950" lvl="1" indent="-285750" algn="just">
                         <a:lnSpc>
                           <a:spcPct val="100000"/>
                         </a:lnSpc>
@@ -8883,7 +6649,7 @@
                       </a:r>
                     </a:p>
                     <a:p>
-                      <a:pPr marL="742950" lvl="1" indent="-285750">
+                      <a:pPr marL="742950" lvl="1" indent="-285750" algn="just">
                         <a:lnSpc>
                           <a:spcPct val="100000"/>
                         </a:lnSpc>
@@ -8977,6 +6743,48 @@
           </a:prstGeom>
         </p:spPr>
       </p:pic>
+      <p:sp>
+        <p:nvSpPr>
+          <p:cNvPr id="3" name="Footer Placeholder 2"/>
+          <p:cNvSpPr>
+            <a:spLocks noGrp="1"/>
+          </p:cNvSpPr>
+          <p:nvPr>
+            <p:ph type="ftr" sz="quarter" idx="11"/>
+          </p:nvPr>
+        </p:nvSpPr>
+        <p:spPr/>
+        <p:txBody>
+          <a:bodyPr/>
+          <a:lstStyle/>
+          <a:p>
+            <a:endParaRPr lang="en-US" dirty="0"/>
+          </a:p>
+        </p:txBody>
+      </p:sp>
+      <p:sp>
+        <p:nvSpPr>
+          <p:cNvPr id="5" name="Slide Number Placeholder 4"/>
+          <p:cNvSpPr>
+            <a:spLocks noGrp="1"/>
+          </p:cNvSpPr>
+          <p:nvPr>
+            <p:ph type="sldNum" sz="quarter" idx="12"/>
+          </p:nvPr>
+        </p:nvSpPr>
+        <p:spPr/>
+        <p:txBody>
+          <a:bodyPr/>
+          <a:lstStyle/>
+          <a:p>
+            <a:fld id="{6D22F896-40B5-4ADD-8801-0D06FADFA095}" type="slidenum">
+              <a:rPr lang="en-US" smtClean="0"/>
+              <a:t>3</a:t>
+            </a:fld>
+            <a:endParaRPr lang="en-US" dirty="0"/>
+          </a:p>
+        </p:txBody>
+      </p:sp>
     </p:spTree>
     <p:extLst>
       <p:ext uri="{BB962C8B-B14F-4D97-AF65-F5344CB8AC3E}">
@@ -9082,7 +6890,7 @@
           </a:bodyPr>
           <a:lstStyle/>
           <a:p>
-            <a:pPr lvl="0">
+            <a:pPr lvl="0" algn="just">
               <a:lnSpc>
                 <a:spcPct val="120000"/>
               </a:lnSpc>
@@ -9093,7 +6901,7 @@
             </a:r>
           </a:p>
           <a:p>
-            <a:pPr lvl="0">
+            <a:pPr lvl="0" algn="just">
               <a:lnSpc>
                 <a:spcPct val="120000"/>
               </a:lnSpc>
@@ -9104,7 +6912,7 @@
             </a:r>
           </a:p>
           <a:p>
-            <a:pPr lvl="0">
+            <a:pPr lvl="0" algn="just">
               <a:lnSpc>
                 <a:spcPct val="120000"/>
               </a:lnSpc>
@@ -9115,7 +6923,7 @@
             </a:r>
           </a:p>
           <a:p>
-            <a:pPr lvl="0">
+            <a:pPr lvl="0" algn="just">
               <a:lnSpc>
                 <a:spcPct val="120000"/>
               </a:lnSpc>
@@ -9126,7 +6934,7 @@
             </a:r>
           </a:p>
           <a:p>
-            <a:pPr lvl="0">
+            <a:pPr lvl="0" algn="just">
               <a:lnSpc>
                 <a:spcPct val="120000"/>
               </a:lnSpc>
@@ -9145,7 +6953,7 @@
             </a:r>
           </a:p>
           <a:p>
-            <a:pPr lvl="0">
+            <a:pPr lvl="0" algn="just">
               <a:lnSpc>
                 <a:spcPct val="120000"/>
               </a:lnSpc>
@@ -9156,7 +6964,7 @@
             </a:r>
           </a:p>
           <a:p>
-            <a:pPr lvl="0">
+            <a:pPr lvl="0" algn="just">
               <a:lnSpc>
                 <a:spcPct val="120000"/>
               </a:lnSpc>
@@ -9167,7 +6975,7 @@
             </a:r>
           </a:p>
           <a:p>
-            <a:pPr lvl="0">
+            <a:pPr lvl="0" algn="just">
               <a:lnSpc>
                 <a:spcPct val="120000"/>
               </a:lnSpc>
@@ -9186,7 +6994,7 @@
             </a:r>
           </a:p>
           <a:p>
-            <a:pPr>
+            <a:pPr algn="just">
               <a:lnSpc>
                 <a:spcPct val="120000"/>
               </a:lnSpc>
@@ -9267,6 +7075,48 @@
               <a:t>2.1 Trình bày thuật toán</a:t>
             </a:r>
             <a:endParaRPr lang="en-US"/>
+          </a:p>
+        </p:txBody>
+      </p:sp>
+      <p:sp>
+        <p:nvSpPr>
+          <p:cNvPr id="3" name="Footer Placeholder 2"/>
+          <p:cNvSpPr>
+            <a:spLocks noGrp="1"/>
+          </p:cNvSpPr>
+          <p:nvPr>
+            <p:ph type="ftr" sz="quarter" idx="11"/>
+          </p:nvPr>
+        </p:nvSpPr>
+        <p:spPr/>
+        <p:txBody>
+          <a:bodyPr/>
+          <a:lstStyle/>
+          <a:p>
+            <a:endParaRPr lang="en-US" dirty="0"/>
+          </a:p>
+        </p:txBody>
+      </p:sp>
+      <p:sp>
+        <p:nvSpPr>
+          <p:cNvPr id="4" name="Slide Number Placeholder 3"/>
+          <p:cNvSpPr>
+            <a:spLocks noGrp="1"/>
+          </p:cNvSpPr>
+          <p:nvPr>
+            <p:ph type="sldNum" sz="quarter" idx="12"/>
+          </p:nvPr>
+        </p:nvSpPr>
+        <p:spPr/>
+        <p:txBody>
+          <a:bodyPr/>
+          <a:lstStyle/>
+          <a:p>
+            <a:fld id="{6D22F896-40B5-4ADD-8801-0D06FADFA095}" type="slidenum">
+              <a:rPr lang="en-US" smtClean="0"/>
+              <a:t>4</a:t>
+            </a:fld>
+            <a:endParaRPr lang="en-US" dirty="0"/>
           </a:p>
         </p:txBody>
       </p:sp>
@@ -10188,6 +8038,48 @@
           </a:graphicData>
         </a:graphic>
       </p:graphicFrame>
+      <p:sp>
+        <p:nvSpPr>
+          <p:cNvPr id="3" name="Footer Placeholder 2"/>
+          <p:cNvSpPr>
+            <a:spLocks noGrp="1"/>
+          </p:cNvSpPr>
+          <p:nvPr>
+            <p:ph type="ftr" sz="quarter" idx="11"/>
+          </p:nvPr>
+        </p:nvSpPr>
+        <p:spPr/>
+        <p:txBody>
+          <a:bodyPr/>
+          <a:lstStyle/>
+          <a:p>
+            <a:endParaRPr lang="en-US" dirty="0"/>
+          </a:p>
+        </p:txBody>
+      </p:sp>
+      <p:sp>
+        <p:nvSpPr>
+          <p:cNvPr id="5" name="Slide Number Placeholder 4"/>
+          <p:cNvSpPr>
+            <a:spLocks noGrp="1"/>
+          </p:cNvSpPr>
+          <p:nvPr>
+            <p:ph type="sldNum" sz="quarter" idx="12"/>
+          </p:nvPr>
+        </p:nvSpPr>
+        <p:spPr/>
+        <p:txBody>
+          <a:bodyPr/>
+          <a:lstStyle/>
+          <a:p>
+            <a:fld id="{6D22F896-40B5-4ADD-8801-0D06FADFA095}" type="slidenum">
+              <a:rPr lang="en-US" smtClean="0"/>
+              <a:t>5</a:t>
+            </a:fld>
+            <a:endParaRPr lang="en-US" dirty="0"/>
+          </a:p>
+        </p:txBody>
+      </p:sp>
     </p:spTree>
     <p:extLst>
       <p:ext uri="{BB962C8B-B14F-4D97-AF65-F5344CB8AC3E}">
@@ -11857,6 +9749,48 @@
           </a:graphicData>
         </a:graphic>
       </p:graphicFrame>
+      <p:sp>
+        <p:nvSpPr>
+          <p:cNvPr id="3" name="Footer Placeholder 2"/>
+          <p:cNvSpPr>
+            <a:spLocks noGrp="1"/>
+          </p:cNvSpPr>
+          <p:nvPr>
+            <p:ph type="ftr" sz="quarter" idx="11"/>
+          </p:nvPr>
+        </p:nvSpPr>
+        <p:spPr/>
+        <p:txBody>
+          <a:bodyPr/>
+          <a:lstStyle/>
+          <a:p>
+            <a:endParaRPr lang="en-US" dirty="0"/>
+          </a:p>
+        </p:txBody>
+      </p:sp>
+      <p:sp>
+        <p:nvSpPr>
+          <p:cNvPr id="5" name="Slide Number Placeholder 4"/>
+          <p:cNvSpPr>
+            <a:spLocks noGrp="1"/>
+          </p:cNvSpPr>
+          <p:nvPr>
+            <p:ph type="sldNum" sz="quarter" idx="12"/>
+          </p:nvPr>
+        </p:nvSpPr>
+        <p:spPr/>
+        <p:txBody>
+          <a:bodyPr/>
+          <a:lstStyle/>
+          <a:p>
+            <a:fld id="{6D22F896-40B5-4ADD-8801-0D06FADFA095}" type="slidenum">
+              <a:rPr lang="en-US" smtClean="0"/>
+              <a:t>6</a:t>
+            </a:fld>
+            <a:endParaRPr lang="en-US" dirty="0"/>
+          </a:p>
+        </p:txBody>
+      </p:sp>
     </p:spTree>
     <p:extLst>
       <p:ext uri="{BB962C8B-B14F-4D97-AF65-F5344CB8AC3E}">
@@ -12045,6 +9979,48 @@
               <a:t>Form giao diện calculator</a:t>
             </a:r>
             <a:endParaRPr lang="en-US" sz="2000" i="1"/>
+          </a:p>
+        </p:txBody>
+      </p:sp>
+      <p:sp>
+        <p:nvSpPr>
+          <p:cNvPr id="3" name="Footer Placeholder 2"/>
+          <p:cNvSpPr>
+            <a:spLocks noGrp="1"/>
+          </p:cNvSpPr>
+          <p:nvPr>
+            <p:ph type="ftr" sz="quarter" idx="11"/>
+          </p:nvPr>
+        </p:nvSpPr>
+        <p:spPr/>
+        <p:txBody>
+          <a:bodyPr/>
+          <a:lstStyle/>
+          <a:p>
+            <a:endParaRPr lang="en-US" dirty="0"/>
+          </a:p>
+        </p:txBody>
+      </p:sp>
+      <p:sp>
+        <p:nvSpPr>
+          <p:cNvPr id="4" name="Slide Number Placeholder 3"/>
+          <p:cNvSpPr>
+            <a:spLocks noGrp="1"/>
+          </p:cNvSpPr>
+          <p:nvPr>
+            <p:ph type="sldNum" sz="quarter" idx="12"/>
+          </p:nvPr>
+        </p:nvSpPr>
+        <p:spPr/>
+        <p:txBody>
+          <a:bodyPr/>
+          <a:lstStyle/>
+          <a:p>
+            <a:fld id="{6D22F896-40B5-4ADD-8801-0D06FADFA095}" type="slidenum">
+              <a:rPr lang="en-US" smtClean="0"/>
+              <a:t>7</a:t>
+            </a:fld>
+            <a:endParaRPr lang="en-US" dirty="0"/>
           </a:p>
         </p:txBody>
       </p:sp>
@@ -12152,11 +10128,20 @@
             <p:ph type="body" idx="1"/>
           </p:nvPr>
         </p:nvSpPr>
-        <p:spPr/>
+        <p:spPr>
+          <a:xfrm>
+            <a:off x="6661060" y="2575420"/>
+            <a:ext cx="4754880" cy="777240"/>
+          </a:xfrm>
+        </p:spPr>
         <p:txBody>
           <a:bodyPr/>
           <a:lstStyle/>
           <a:p>
+            <a:pPr marL="342900" indent="-342900">
+              <a:buFont typeface="Wingdings" panose="05000000000000000000" pitchFamily="2" charset="2"/>
+              <a:buChar char="Ø"/>
+            </a:pPr>
             <a:r>
               <a:rPr lang="en-US"/>
               <a:t>Nạp sin, cos, tan, cotag vào st</a:t>
@@ -12414,253 +10399,6 @@
                 <a:extLst>
                   <a:ext uri="{0D108BD9-81ED-4DB2-BD59-A6C34878D82A}">
                     <a16:rowId xmlns:a16="http://schemas.microsoft.com/office/drawing/2014/main" val="3246953907"/>
-                  </a:ext>
-                </a:extLst>
-              </a:tr>
-            </a:tbl>
-          </a:graphicData>
-        </a:graphic>
-      </p:graphicFrame>
-      <p:sp>
-        <p:nvSpPr>
-          <p:cNvPr id="11" name="Text Placeholder 10">
-            <a:extLst>
-              <a:ext uri="{FF2B5EF4-FFF2-40B4-BE49-F238E27FC236}">
-                <a16:creationId xmlns:a16="http://schemas.microsoft.com/office/drawing/2014/main" id="{B381125E-76A7-41D3-BC66-CBD0DFF98475}"/>
-              </a:ext>
-            </a:extLst>
-          </p:cNvPr>
-          <p:cNvSpPr>
-            <a:spLocks noGrp="1"/>
-          </p:cNvSpPr>
-          <p:nvPr>
-            <p:ph type="body" sz="quarter" idx="3"/>
-          </p:nvPr>
-        </p:nvSpPr>
-        <p:spPr/>
-        <p:txBody>
-          <a:bodyPr/>
-          <a:lstStyle/>
-          <a:p>
-            <a:r>
-              <a:rPr lang="en-US"/>
-              <a:t>Nạp toán hạng vào sh</a:t>
-            </a:r>
-          </a:p>
-          <a:p>
-            <a:endParaRPr lang="en-US"/>
-          </a:p>
-        </p:txBody>
-      </p:sp>
-      <p:graphicFrame>
-        <p:nvGraphicFramePr>
-          <p:cNvPr id="14" name="Content Placeholder 13">
-            <a:extLst>
-              <a:ext uri="{FF2B5EF4-FFF2-40B4-BE49-F238E27FC236}">
-                <a16:creationId xmlns:a16="http://schemas.microsoft.com/office/drawing/2014/main" id="{9A54F224-2619-412D-90C0-268CCA941E6F}"/>
-              </a:ext>
-            </a:extLst>
-          </p:cNvPr>
-          <p:cNvGraphicFramePr>
-            <a:graphicFrameLocks noGrp="1"/>
-          </p:cNvGraphicFramePr>
-          <p:nvPr>
-            <p:ph sz="quarter" idx="4"/>
-            <p:extLst>
-              <p:ext uri="{D42A27DB-BD31-4B8C-83A1-F6EECF244321}">
-                <p14:modId xmlns:p14="http://schemas.microsoft.com/office/powerpoint/2010/main" val="1920798800"/>
-              </p:ext>
-            </p:extLst>
-          </p:nvPr>
-        </p:nvGraphicFramePr>
-        <p:xfrm>
-          <a:off x="6263958" y="2575420"/>
-          <a:ext cx="4754562" cy="3291967"/>
-        </p:xfrm>
-        <a:graphic>
-          <a:graphicData uri="http://schemas.openxmlformats.org/drawingml/2006/table">
-            <a:tbl>
-              <a:tblPr firstRow="1" firstCol="1" bandRow="1">
-                <a:tableStyleId>{5C22544A-7EE6-4342-B048-85BDC9FD1C3A}</a:tableStyleId>
-              </a:tblPr>
-              <a:tblGrid>
-                <a:gridCol w="4754562">
-                  <a:extLst>
-                    <a:ext uri="{9D8B030D-6E8A-4147-A177-3AD203B41FA5}">
-                      <a16:colId xmlns:a16="http://schemas.microsoft.com/office/drawing/2014/main" val="3481762144"/>
-                    </a:ext>
-                  </a:extLst>
-                </a:gridCol>
-              </a:tblGrid>
-              <a:tr h="937499">
-                <a:tc>
-                  <a:txBody>
-                    <a:bodyPr/>
-                    <a:lstStyle/>
-                    <a:p>
-                      <a:pPr>
-                        <a:lnSpc>
-                          <a:spcPct val="107000"/>
-                        </a:lnSpc>
-                        <a:spcAft>
-                          <a:spcPts val="0"/>
-                        </a:spcAft>
-                      </a:pPr>
-                      <a:r>
-                        <a:rPr lang="en-US" sz="1800">
-                          <a:effectLst/>
-                        </a:rPr>
-                        <a:t>if (manhinh.Text[i] &gt;= 'a' &amp;&amp; manhinh.Text[i] &lt;= 'z')</a:t>
-                      </a:r>
-                      <a:endParaRPr lang="en-US" sz="2000">
-                        <a:effectLst/>
-                      </a:endParaRPr>
-                    </a:p>
-                    <a:p>
-                      <a:pPr>
-                        <a:lnSpc>
-                          <a:spcPct val="107000"/>
-                        </a:lnSpc>
-                        <a:spcAft>
-                          <a:spcPts val="0"/>
-                        </a:spcAft>
-                      </a:pPr>
-                      <a:r>
-                        <a:rPr lang="en-US" sz="1800">
-                          <a:effectLst/>
-                        </a:rPr>
-                        <a:t>                {</a:t>
-                      </a:r>
-                      <a:endParaRPr lang="en-US" sz="2000">
-                        <a:effectLst/>
-                      </a:endParaRPr>
-                    </a:p>
-                    <a:p>
-                      <a:pPr>
-                        <a:lnSpc>
-                          <a:spcPct val="107000"/>
-                        </a:lnSpc>
-                        <a:spcAft>
-                          <a:spcPts val="0"/>
-                        </a:spcAft>
-                      </a:pPr>
-                      <a:r>
-                        <a:rPr lang="en-US" sz="1800">
-                          <a:effectLst/>
-                        </a:rPr>
-                        <a:t>                    j = i;</a:t>
-                      </a:r>
-                      <a:endParaRPr lang="en-US" sz="2000">
-                        <a:effectLst/>
-                      </a:endParaRPr>
-                    </a:p>
-                    <a:p>
-                      <a:pPr>
-                        <a:lnSpc>
-                          <a:spcPct val="107000"/>
-                        </a:lnSpc>
-                        <a:spcAft>
-                          <a:spcPts val="0"/>
-                        </a:spcAft>
-                      </a:pPr>
-                      <a:r>
-                        <a:rPr lang="en-US" sz="1800">
-                          <a:effectLst/>
-                        </a:rPr>
-                        <a:t>                    while (manhinh.Text[i] &gt;= 'a' &amp;&amp; manhinh.Text[i] &lt;= 'z')</a:t>
-                      </a:r>
-                      <a:endParaRPr lang="en-US" sz="2000">
-                        <a:effectLst/>
-                      </a:endParaRPr>
-                    </a:p>
-                    <a:p>
-                      <a:pPr>
-                        <a:lnSpc>
-                          <a:spcPct val="107000"/>
-                        </a:lnSpc>
-                        <a:spcAft>
-                          <a:spcPts val="0"/>
-                        </a:spcAft>
-                      </a:pPr>
-                      <a:r>
-                        <a:rPr lang="en-US" sz="1800">
-                          <a:effectLst/>
-                        </a:rPr>
-                        <a:t>                        i++;</a:t>
-                      </a:r>
-                      <a:endParaRPr lang="en-US" sz="2000">
-                        <a:effectLst/>
-                      </a:endParaRPr>
-                    </a:p>
-                    <a:p>
-                      <a:pPr>
-                        <a:lnSpc>
-                          <a:spcPct val="107000"/>
-                        </a:lnSpc>
-                        <a:spcAft>
-                          <a:spcPts val="0"/>
-                        </a:spcAft>
-                      </a:pPr>
-                      <a:r>
-                        <a:rPr lang="en-US" sz="1800">
-                          <a:effectLst/>
-                        </a:rPr>
-                        <a:t>                    string str = manhinh.Text.Substring(j, i - j);</a:t>
-                      </a:r>
-                      <a:endParaRPr lang="en-US" sz="2000">
-                        <a:effectLst/>
-                      </a:endParaRPr>
-                    </a:p>
-                    <a:p>
-                      <a:pPr>
-                        <a:lnSpc>
-                          <a:spcPct val="107000"/>
-                        </a:lnSpc>
-                        <a:spcAft>
-                          <a:spcPts val="0"/>
-                        </a:spcAft>
-                      </a:pPr>
-                      <a:r>
-                        <a:rPr lang="en-US" sz="1800">
-                          <a:effectLst/>
-                        </a:rPr>
-                        <a:t>                    st.Push((str.ToString()));</a:t>
-                      </a:r>
-                      <a:endParaRPr lang="en-US" sz="2000">
-                        <a:effectLst/>
-                      </a:endParaRPr>
-                    </a:p>
-                    <a:p>
-                      <a:pPr>
-                        <a:lnSpc>
-                          <a:spcPct val="107000"/>
-                        </a:lnSpc>
-                        <a:spcBef>
-                          <a:spcPts val="480"/>
-                        </a:spcBef>
-                        <a:spcAft>
-                          <a:spcPts val="0"/>
-                        </a:spcAft>
-                      </a:pPr>
-                      <a:r>
-                        <a:rPr lang="en-US" sz="1800">
-                          <a:effectLst/>
-                        </a:rPr>
-                        <a:t>                }</a:t>
-                      </a:r>
-                      <a:endParaRPr lang="en-US" sz="2000">
-                        <a:effectLst/>
-                        <a:latin typeface="Calibri" panose="020F0502020204030204" pitchFamily="34" charset="0"/>
-                        <a:ea typeface="Calibri" panose="020F0502020204030204" pitchFamily="34" charset="0"/>
-                        <a:cs typeface="Times New Roman" panose="02020603050405020304" pitchFamily="18" charset="0"/>
-                      </a:endParaRPr>
-                    </a:p>
-                  </a:txBody>
-                  <a:tcPr marL="49613" marR="49613" marT="0" marB="0"/>
-                </a:tc>
-                <a:extLst>
-                  <a:ext uri="{0D108BD9-81ED-4DB2-BD59-A6C34878D82A}">
-                    <a16:rowId xmlns:a16="http://schemas.microsoft.com/office/drawing/2014/main" val="961742741"/>
                   </a:ext>
                 </a:extLst>
               </a:tr>
@@ -12704,6 +10442,618 @@
           </a:prstGeom>
         </p:spPr>
       </p:pic>
+      <p:sp>
+        <p:nvSpPr>
+          <p:cNvPr id="3" name="Footer Placeholder 2"/>
+          <p:cNvSpPr>
+            <a:spLocks noGrp="1"/>
+          </p:cNvSpPr>
+          <p:nvPr>
+            <p:ph type="ftr" sz="quarter" idx="11"/>
+          </p:nvPr>
+        </p:nvSpPr>
+        <p:spPr/>
+        <p:txBody>
+          <a:bodyPr/>
+          <a:lstStyle/>
+          <a:p>
+            <a:endParaRPr lang="en-US" dirty="0"/>
+          </a:p>
+        </p:txBody>
+      </p:sp>
+      <p:sp>
+        <p:nvSpPr>
+          <p:cNvPr id="4" name="Slide Number Placeholder 3"/>
+          <p:cNvSpPr>
+            <a:spLocks noGrp="1"/>
+          </p:cNvSpPr>
+          <p:nvPr>
+            <p:ph type="sldNum" sz="quarter" idx="12"/>
+          </p:nvPr>
+        </p:nvSpPr>
+        <p:spPr/>
+        <p:txBody>
+          <a:bodyPr/>
+          <a:lstStyle/>
+          <a:p>
+            <a:fld id="{6D22F896-40B5-4ADD-8801-0D06FADFA095}" type="slidenum">
+              <a:rPr lang="en-US" smtClean="0"/>
+              <a:t>8</a:t>
+            </a:fld>
+            <a:endParaRPr lang="en-US" dirty="0"/>
+          </a:p>
+        </p:txBody>
+      </p:sp>
+      <p:sp>
+        <p:nvSpPr>
+          <p:cNvPr id="18" name="Text Placeholder 10">
+            <a:extLst>
+              <a:ext uri="{FF2B5EF4-FFF2-40B4-BE49-F238E27FC236}">
+                <a16:creationId xmlns:a16="http://schemas.microsoft.com/office/drawing/2014/main" id="{B381125E-76A7-41D3-BC66-CBD0DFF98475}"/>
+              </a:ext>
+            </a:extLst>
+          </p:cNvPr>
+          <p:cNvSpPr>
+            <a:spLocks noGrp="1"/>
+          </p:cNvSpPr>
+          <p:nvPr>
+            <p:ph type="body" sz="quarter" idx="3"/>
+          </p:nvPr>
+        </p:nvSpPr>
+        <p:spPr>
+          <a:xfrm>
+            <a:off x="6661060" y="3317654"/>
+            <a:ext cx="4754880" cy="777240"/>
+          </a:xfrm>
+        </p:spPr>
+        <p:txBody>
+          <a:bodyPr/>
+          <a:lstStyle/>
+          <a:p>
+            <a:pPr marL="342900" indent="-342900">
+              <a:buFont typeface="Wingdings" panose="05000000000000000000" pitchFamily="2" charset="2"/>
+              <a:buChar char="Ø"/>
+            </a:pPr>
+            <a:r>
+              <a:rPr lang="en-US"/>
+              <a:t>Nạp toán hạng vào sh</a:t>
+            </a:r>
+          </a:p>
+          <a:p>
+            <a:endParaRPr lang="en-US"/>
+          </a:p>
+        </p:txBody>
+      </p:sp>
+      <p:sp>
+        <p:nvSpPr>
+          <p:cNvPr id="19" name="Text Placeholder 10">
+            <a:extLst>
+              <a:ext uri="{FF2B5EF4-FFF2-40B4-BE49-F238E27FC236}">
+                <a16:creationId xmlns:a16="http://schemas.microsoft.com/office/drawing/2014/main" id="{B381125E-76A7-41D3-BC66-CBD0DFF98475}"/>
+              </a:ext>
+            </a:extLst>
+          </p:cNvPr>
+          <p:cNvSpPr txBox="1">
+            <a:spLocks/>
+          </p:cNvSpPr>
+          <p:nvPr/>
+        </p:nvSpPr>
+        <p:spPr>
+          <a:xfrm>
+            <a:off x="6661060" y="3871007"/>
+            <a:ext cx="4754880" cy="777240"/>
+          </a:xfrm>
+          <a:prstGeom prst="rect">
+            <a:avLst/>
+          </a:prstGeom>
+        </p:spPr>
+        <p:txBody>
+          <a:bodyPr vert="horz" lIns="91440" tIns="45720" rIns="91440" bIns="45720" rtlCol="0" anchor="ctr">
+            <a:normAutofit/>
+          </a:bodyPr>
+          <a:lstStyle>
+            <a:lvl1pPr marL="0" indent="0" algn="l" defTabSz="914400" rtl="0" eaLnBrk="1" latinLnBrk="0" hangingPunct="1">
+              <a:lnSpc>
+                <a:spcPct val="90000"/>
+              </a:lnSpc>
+              <a:spcBef>
+                <a:spcPts val="0"/>
+              </a:spcBef>
+              <a:buClr>
+                <a:schemeClr val="accent1"/>
+              </a:buClr>
+              <a:buSzPct val="80000"/>
+              <a:buFont typeface="Corbel" pitchFamily="34" charset="0"/>
+              <a:buNone/>
+              <a:defRPr sz="2400" b="1" kern="1200">
+                <a:solidFill>
+                  <a:schemeClr val="accent1"/>
+                </a:solidFill>
+                <a:latin typeface="Segoe UI Black" panose="020B0A02040204020203" pitchFamily="34" charset="0"/>
+                <a:ea typeface="Segoe UI Black" panose="020B0A02040204020203" pitchFamily="34" charset="0"/>
+                <a:cs typeface="+mn-cs"/>
+              </a:defRPr>
+            </a:lvl1pPr>
+            <a:lvl2pPr marL="457200" indent="0" algn="l" defTabSz="914400" rtl="0" eaLnBrk="1" latinLnBrk="0" hangingPunct="1">
+              <a:lnSpc>
+                <a:spcPct val="90000"/>
+              </a:lnSpc>
+              <a:spcBef>
+                <a:spcPts val="200"/>
+              </a:spcBef>
+              <a:spcAft>
+                <a:spcPts val="400"/>
+              </a:spcAft>
+              <a:buClr>
+                <a:schemeClr val="accent1"/>
+              </a:buClr>
+              <a:buSzPct val="80000"/>
+              <a:buFont typeface="Corbel" pitchFamily="34" charset="0"/>
+              <a:buNone/>
+              <a:defRPr sz="2000" b="1" kern="1200">
+                <a:solidFill>
+                  <a:schemeClr val="accent1"/>
+                </a:solidFill>
+                <a:latin typeface="+mn-lt"/>
+                <a:ea typeface="+mn-ea"/>
+                <a:cs typeface="+mn-cs"/>
+              </a:defRPr>
+            </a:lvl2pPr>
+            <a:lvl3pPr marL="914400" indent="0" algn="l" defTabSz="914400" rtl="0" eaLnBrk="1" latinLnBrk="0" hangingPunct="1">
+              <a:lnSpc>
+                <a:spcPct val="90000"/>
+              </a:lnSpc>
+              <a:spcBef>
+                <a:spcPts val="200"/>
+              </a:spcBef>
+              <a:spcAft>
+                <a:spcPts val="400"/>
+              </a:spcAft>
+              <a:buClr>
+                <a:schemeClr val="accent1"/>
+              </a:buClr>
+              <a:buSzPct val="80000"/>
+              <a:buFont typeface="Corbel" pitchFamily="34" charset="0"/>
+              <a:buNone/>
+              <a:defRPr sz="1800" b="1" kern="1200">
+                <a:solidFill>
+                  <a:schemeClr val="accent1"/>
+                </a:solidFill>
+                <a:latin typeface="+mn-lt"/>
+                <a:ea typeface="+mn-ea"/>
+                <a:cs typeface="+mn-cs"/>
+              </a:defRPr>
+            </a:lvl3pPr>
+            <a:lvl4pPr marL="1371600" indent="0" algn="l" defTabSz="914400" rtl="0" eaLnBrk="1" latinLnBrk="0" hangingPunct="1">
+              <a:lnSpc>
+                <a:spcPct val="90000"/>
+              </a:lnSpc>
+              <a:spcBef>
+                <a:spcPts val="200"/>
+              </a:spcBef>
+              <a:spcAft>
+                <a:spcPts val="400"/>
+              </a:spcAft>
+              <a:buClr>
+                <a:schemeClr val="accent1"/>
+              </a:buClr>
+              <a:buSzPct val="80000"/>
+              <a:buFont typeface="Corbel" pitchFamily="34" charset="0"/>
+              <a:buNone/>
+              <a:defRPr sz="1600" b="1" kern="1200">
+                <a:solidFill>
+                  <a:schemeClr val="accent1"/>
+                </a:solidFill>
+                <a:latin typeface="+mn-lt"/>
+                <a:ea typeface="+mn-ea"/>
+                <a:cs typeface="+mn-cs"/>
+              </a:defRPr>
+            </a:lvl4pPr>
+            <a:lvl5pPr marL="1828800" indent="0" algn="l" defTabSz="914400" rtl="0" eaLnBrk="1" latinLnBrk="0" hangingPunct="1">
+              <a:lnSpc>
+                <a:spcPct val="90000"/>
+              </a:lnSpc>
+              <a:spcBef>
+                <a:spcPts val="200"/>
+              </a:spcBef>
+              <a:spcAft>
+                <a:spcPts val="400"/>
+              </a:spcAft>
+              <a:buClr>
+                <a:schemeClr val="accent1"/>
+              </a:buClr>
+              <a:buSzPct val="80000"/>
+              <a:buFont typeface="Corbel" pitchFamily="34" charset="0"/>
+              <a:buNone/>
+              <a:defRPr sz="1600" b="1" kern="1200">
+                <a:solidFill>
+                  <a:schemeClr val="accent1"/>
+                </a:solidFill>
+                <a:latin typeface="+mn-lt"/>
+                <a:ea typeface="+mn-ea"/>
+                <a:cs typeface="+mn-cs"/>
+              </a:defRPr>
+            </a:lvl5pPr>
+            <a:lvl6pPr marL="2286000" indent="0" algn="l" defTabSz="914400" rtl="0" eaLnBrk="1" latinLnBrk="0" hangingPunct="1">
+              <a:lnSpc>
+                <a:spcPct val="90000"/>
+              </a:lnSpc>
+              <a:spcBef>
+                <a:spcPts val="200"/>
+              </a:spcBef>
+              <a:spcAft>
+                <a:spcPts val="400"/>
+              </a:spcAft>
+              <a:buClr>
+                <a:schemeClr val="accent1"/>
+              </a:buClr>
+              <a:buSzPct val="80000"/>
+              <a:buFont typeface="Corbel" pitchFamily="34" charset="0"/>
+              <a:buNone/>
+              <a:defRPr sz="1600" b="1" kern="1200">
+                <a:solidFill>
+                  <a:schemeClr val="accent1"/>
+                </a:solidFill>
+                <a:latin typeface="+mn-lt"/>
+                <a:ea typeface="+mn-ea"/>
+                <a:cs typeface="+mn-cs"/>
+              </a:defRPr>
+            </a:lvl6pPr>
+            <a:lvl7pPr marL="2743200" indent="0" algn="l" defTabSz="914400" rtl="0" eaLnBrk="1" latinLnBrk="0" hangingPunct="1">
+              <a:lnSpc>
+                <a:spcPct val="90000"/>
+              </a:lnSpc>
+              <a:spcBef>
+                <a:spcPts val="200"/>
+              </a:spcBef>
+              <a:spcAft>
+                <a:spcPts val="400"/>
+              </a:spcAft>
+              <a:buClr>
+                <a:schemeClr val="accent1"/>
+              </a:buClr>
+              <a:buSzPct val="80000"/>
+              <a:buFont typeface="Corbel" pitchFamily="34" charset="0"/>
+              <a:buNone/>
+              <a:defRPr sz="1600" b="1" kern="1200">
+                <a:solidFill>
+                  <a:schemeClr val="accent1"/>
+                </a:solidFill>
+                <a:latin typeface="+mn-lt"/>
+                <a:ea typeface="+mn-ea"/>
+                <a:cs typeface="+mn-cs"/>
+              </a:defRPr>
+            </a:lvl7pPr>
+            <a:lvl8pPr marL="3200400" indent="0" algn="l" defTabSz="914400" rtl="0" eaLnBrk="1" latinLnBrk="0" hangingPunct="1">
+              <a:lnSpc>
+                <a:spcPct val="90000"/>
+              </a:lnSpc>
+              <a:spcBef>
+                <a:spcPts val="200"/>
+              </a:spcBef>
+              <a:spcAft>
+                <a:spcPts val="400"/>
+              </a:spcAft>
+              <a:buClr>
+                <a:schemeClr val="accent1"/>
+              </a:buClr>
+              <a:buSzPct val="80000"/>
+              <a:buFont typeface="Corbel" pitchFamily="34" charset="0"/>
+              <a:buNone/>
+              <a:defRPr sz="1600" b="1" kern="1200">
+                <a:solidFill>
+                  <a:schemeClr val="accent1"/>
+                </a:solidFill>
+                <a:latin typeface="+mn-lt"/>
+                <a:ea typeface="+mn-ea"/>
+                <a:cs typeface="+mn-cs"/>
+              </a:defRPr>
+            </a:lvl8pPr>
+            <a:lvl9pPr marL="3657600" indent="0" algn="l" defTabSz="914400" rtl="0" eaLnBrk="1" latinLnBrk="0" hangingPunct="1">
+              <a:lnSpc>
+                <a:spcPct val="90000"/>
+              </a:lnSpc>
+              <a:spcBef>
+                <a:spcPts val="200"/>
+              </a:spcBef>
+              <a:spcAft>
+                <a:spcPts val="400"/>
+              </a:spcAft>
+              <a:buClr>
+                <a:schemeClr val="accent1"/>
+              </a:buClr>
+              <a:buSzPct val="80000"/>
+              <a:buFont typeface="Corbel" pitchFamily="34" charset="0"/>
+              <a:buNone/>
+              <a:defRPr sz="1600" b="1" kern="1200">
+                <a:solidFill>
+                  <a:schemeClr val="accent1"/>
+                </a:solidFill>
+                <a:latin typeface="+mn-lt"/>
+                <a:ea typeface="+mn-ea"/>
+                <a:cs typeface="+mn-cs"/>
+              </a:defRPr>
+            </a:lvl9pPr>
+          </a:lstStyle>
+          <a:p>
+            <a:pPr marL="342900" indent="-342900">
+              <a:buFont typeface="Wingdings" panose="05000000000000000000" pitchFamily="2" charset="2"/>
+              <a:buChar char="Ø"/>
+            </a:pPr>
+            <a:r>
+              <a:rPr lang="en-US" smtClean="0"/>
+              <a:t>Nạp toán tử vào st</a:t>
+            </a:r>
+            <a:endParaRPr lang="en-US"/>
+          </a:p>
+        </p:txBody>
+      </p:sp>
+      <p:sp>
+        <p:nvSpPr>
+          <p:cNvPr id="20" name="Text Placeholder 8">
+            <a:extLst>
+              <a:ext uri="{FF2B5EF4-FFF2-40B4-BE49-F238E27FC236}">
+                <a16:creationId xmlns:a16="http://schemas.microsoft.com/office/drawing/2014/main" id="{D63E4155-33A4-4CCC-B07C-D3BFF95BA20D}"/>
+              </a:ext>
+            </a:extLst>
+          </p:cNvPr>
+          <p:cNvSpPr txBox="1">
+            <a:spLocks/>
+          </p:cNvSpPr>
+          <p:nvPr/>
+        </p:nvSpPr>
+        <p:spPr>
+          <a:xfrm>
+            <a:off x="1013551" y="1903171"/>
+            <a:ext cx="4754880" cy="777240"/>
+          </a:xfrm>
+          <a:prstGeom prst="rect">
+            <a:avLst/>
+          </a:prstGeom>
+        </p:spPr>
+        <p:txBody>
+          <a:bodyPr vert="horz" lIns="91440" tIns="45720" rIns="91440" bIns="45720" rtlCol="0" anchor="ctr">
+            <a:normAutofit/>
+          </a:bodyPr>
+          <a:lstStyle>
+            <a:lvl1pPr marL="0" indent="0" algn="l" defTabSz="914400" rtl="0" eaLnBrk="1" latinLnBrk="0" hangingPunct="1">
+              <a:lnSpc>
+                <a:spcPct val="90000"/>
+              </a:lnSpc>
+              <a:spcBef>
+                <a:spcPts val="0"/>
+              </a:spcBef>
+              <a:buClr>
+                <a:schemeClr val="accent1"/>
+              </a:buClr>
+              <a:buSzPct val="80000"/>
+              <a:buFont typeface="Corbel" pitchFamily="34" charset="0"/>
+              <a:buNone/>
+              <a:defRPr sz="2400" b="1" kern="1200">
+                <a:solidFill>
+                  <a:schemeClr val="accent1"/>
+                </a:solidFill>
+                <a:latin typeface="Segoe UI Black" panose="020B0A02040204020203" pitchFamily="34" charset="0"/>
+                <a:ea typeface="Segoe UI Black" panose="020B0A02040204020203" pitchFamily="34" charset="0"/>
+                <a:cs typeface="+mn-cs"/>
+              </a:defRPr>
+            </a:lvl1pPr>
+            <a:lvl2pPr marL="457200" indent="0" algn="l" defTabSz="914400" rtl="0" eaLnBrk="1" latinLnBrk="0" hangingPunct="1">
+              <a:lnSpc>
+                <a:spcPct val="90000"/>
+              </a:lnSpc>
+              <a:spcBef>
+                <a:spcPts val="200"/>
+              </a:spcBef>
+              <a:spcAft>
+                <a:spcPts val="400"/>
+              </a:spcAft>
+              <a:buClr>
+                <a:schemeClr val="accent1"/>
+              </a:buClr>
+              <a:buSzPct val="80000"/>
+              <a:buFont typeface="Corbel" pitchFamily="34" charset="0"/>
+              <a:buNone/>
+              <a:defRPr sz="2000" b="1" kern="1200">
+                <a:solidFill>
+                  <a:schemeClr val="accent1"/>
+                </a:solidFill>
+                <a:latin typeface="+mn-lt"/>
+                <a:ea typeface="+mn-ea"/>
+                <a:cs typeface="+mn-cs"/>
+              </a:defRPr>
+            </a:lvl2pPr>
+            <a:lvl3pPr marL="914400" indent="0" algn="l" defTabSz="914400" rtl="0" eaLnBrk="1" latinLnBrk="0" hangingPunct="1">
+              <a:lnSpc>
+                <a:spcPct val="90000"/>
+              </a:lnSpc>
+              <a:spcBef>
+                <a:spcPts val="200"/>
+              </a:spcBef>
+              <a:spcAft>
+                <a:spcPts val="400"/>
+              </a:spcAft>
+              <a:buClr>
+                <a:schemeClr val="accent1"/>
+              </a:buClr>
+              <a:buSzPct val="80000"/>
+              <a:buFont typeface="Corbel" pitchFamily="34" charset="0"/>
+              <a:buNone/>
+              <a:defRPr sz="1800" b="1" kern="1200">
+                <a:solidFill>
+                  <a:schemeClr val="accent1"/>
+                </a:solidFill>
+                <a:latin typeface="+mn-lt"/>
+                <a:ea typeface="+mn-ea"/>
+                <a:cs typeface="+mn-cs"/>
+              </a:defRPr>
+            </a:lvl3pPr>
+            <a:lvl4pPr marL="1371600" indent="0" algn="l" defTabSz="914400" rtl="0" eaLnBrk="1" latinLnBrk="0" hangingPunct="1">
+              <a:lnSpc>
+                <a:spcPct val="90000"/>
+              </a:lnSpc>
+              <a:spcBef>
+                <a:spcPts val="200"/>
+              </a:spcBef>
+              <a:spcAft>
+                <a:spcPts val="400"/>
+              </a:spcAft>
+              <a:buClr>
+                <a:schemeClr val="accent1"/>
+              </a:buClr>
+              <a:buSzPct val="80000"/>
+              <a:buFont typeface="Corbel" pitchFamily="34" charset="0"/>
+              <a:buNone/>
+              <a:defRPr sz="1600" b="1" kern="1200">
+                <a:solidFill>
+                  <a:schemeClr val="accent1"/>
+                </a:solidFill>
+                <a:latin typeface="+mn-lt"/>
+                <a:ea typeface="+mn-ea"/>
+                <a:cs typeface="+mn-cs"/>
+              </a:defRPr>
+            </a:lvl4pPr>
+            <a:lvl5pPr marL="1828800" indent="0" algn="l" defTabSz="914400" rtl="0" eaLnBrk="1" latinLnBrk="0" hangingPunct="1">
+              <a:lnSpc>
+                <a:spcPct val="90000"/>
+              </a:lnSpc>
+              <a:spcBef>
+                <a:spcPts val="200"/>
+              </a:spcBef>
+              <a:spcAft>
+                <a:spcPts val="400"/>
+              </a:spcAft>
+              <a:buClr>
+                <a:schemeClr val="accent1"/>
+              </a:buClr>
+              <a:buSzPct val="80000"/>
+              <a:buFont typeface="Corbel" pitchFamily="34" charset="0"/>
+              <a:buNone/>
+              <a:defRPr sz="1600" b="1" kern="1200">
+                <a:solidFill>
+                  <a:schemeClr val="accent1"/>
+                </a:solidFill>
+                <a:latin typeface="+mn-lt"/>
+                <a:ea typeface="+mn-ea"/>
+                <a:cs typeface="+mn-cs"/>
+              </a:defRPr>
+            </a:lvl5pPr>
+            <a:lvl6pPr marL="2286000" indent="0" algn="l" defTabSz="914400" rtl="0" eaLnBrk="1" latinLnBrk="0" hangingPunct="1">
+              <a:lnSpc>
+                <a:spcPct val="90000"/>
+              </a:lnSpc>
+              <a:spcBef>
+                <a:spcPts val="200"/>
+              </a:spcBef>
+              <a:spcAft>
+                <a:spcPts val="400"/>
+              </a:spcAft>
+              <a:buClr>
+                <a:schemeClr val="accent1"/>
+              </a:buClr>
+              <a:buSzPct val="80000"/>
+              <a:buFont typeface="Corbel" pitchFamily="34" charset="0"/>
+              <a:buNone/>
+              <a:defRPr sz="1600" b="1" kern="1200">
+                <a:solidFill>
+                  <a:schemeClr val="accent1"/>
+                </a:solidFill>
+                <a:latin typeface="+mn-lt"/>
+                <a:ea typeface="+mn-ea"/>
+                <a:cs typeface="+mn-cs"/>
+              </a:defRPr>
+            </a:lvl6pPr>
+            <a:lvl7pPr marL="2743200" indent="0" algn="l" defTabSz="914400" rtl="0" eaLnBrk="1" latinLnBrk="0" hangingPunct="1">
+              <a:lnSpc>
+                <a:spcPct val="90000"/>
+              </a:lnSpc>
+              <a:spcBef>
+                <a:spcPts val="200"/>
+              </a:spcBef>
+              <a:spcAft>
+                <a:spcPts val="400"/>
+              </a:spcAft>
+              <a:buClr>
+                <a:schemeClr val="accent1"/>
+              </a:buClr>
+              <a:buSzPct val="80000"/>
+              <a:buFont typeface="Corbel" pitchFamily="34" charset="0"/>
+              <a:buNone/>
+              <a:defRPr sz="1600" b="1" kern="1200">
+                <a:solidFill>
+                  <a:schemeClr val="accent1"/>
+                </a:solidFill>
+                <a:latin typeface="+mn-lt"/>
+                <a:ea typeface="+mn-ea"/>
+                <a:cs typeface="+mn-cs"/>
+              </a:defRPr>
+            </a:lvl7pPr>
+            <a:lvl8pPr marL="3200400" indent="0" algn="l" defTabSz="914400" rtl="0" eaLnBrk="1" latinLnBrk="0" hangingPunct="1">
+              <a:lnSpc>
+                <a:spcPct val="90000"/>
+              </a:lnSpc>
+              <a:spcBef>
+                <a:spcPts val="200"/>
+              </a:spcBef>
+              <a:spcAft>
+                <a:spcPts val="400"/>
+              </a:spcAft>
+              <a:buClr>
+                <a:schemeClr val="accent1"/>
+              </a:buClr>
+              <a:buSzPct val="80000"/>
+              <a:buFont typeface="Corbel" pitchFamily="34" charset="0"/>
+              <a:buNone/>
+              <a:defRPr sz="1600" b="1" kern="1200">
+                <a:solidFill>
+                  <a:schemeClr val="accent1"/>
+                </a:solidFill>
+                <a:latin typeface="+mn-lt"/>
+                <a:ea typeface="+mn-ea"/>
+                <a:cs typeface="+mn-cs"/>
+              </a:defRPr>
+            </a:lvl8pPr>
+            <a:lvl9pPr marL="3657600" indent="0" algn="l" defTabSz="914400" rtl="0" eaLnBrk="1" latinLnBrk="0" hangingPunct="1">
+              <a:lnSpc>
+                <a:spcPct val="90000"/>
+              </a:lnSpc>
+              <a:spcBef>
+                <a:spcPts val="200"/>
+              </a:spcBef>
+              <a:spcAft>
+                <a:spcPts val="400"/>
+              </a:spcAft>
+              <a:buClr>
+                <a:schemeClr val="accent1"/>
+              </a:buClr>
+              <a:buSzPct val="80000"/>
+              <a:buFont typeface="Corbel" pitchFamily="34" charset="0"/>
+              <a:buNone/>
+              <a:defRPr sz="1600" b="1" kern="1200">
+                <a:solidFill>
+                  <a:schemeClr val="accent1"/>
+                </a:solidFill>
+                <a:latin typeface="+mn-lt"/>
+                <a:ea typeface="+mn-ea"/>
+                <a:cs typeface="+mn-cs"/>
+              </a:defRPr>
+            </a:lvl9pPr>
+          </a:lstStyle>
+          <a:p>
+            <a:pPr marL="342900" indent="-342900">
+              <a:buFont typeface="Wingdings" panose="05000000000000000000" pitchFamily="2" charset="2"/>
+              <a:buChar char="Ø"/>
+            </a:pPr>
+            <a:r>
+              <a:rPr lang="en-US" smtClean="0"/>
+              <a:t>Xét mức độ ưu tiên của toán tử</a:t>
+            </a:r>
+          </a:p>
+          <a:p>
+            <a:endParaRPr lang="en-US"/>
+          </a:p>
+        </p:txBody>
+      </p:sp>
     </p:spTree>
     <p:extLst>
       <p:ext uri="{BB962C8B-B14F-4D97-AF65-F5344CB8AC3E}">
@@ -12792,74 +11142,6 @@
           </a:p>
         </p:txBody>
       </p:sp>
-      <p:sp>
-        <p:nvSpPr>
-          <p:cNvPr id="9" name="Text Placeholder 8">
-            <a:extLst>
-              <a:ext uri="{FF2B5EF4-FFF2-40B4-BE49-F238E27FC236}">
-                <a16:creationId xmlns:a16="http://schemas.microsoft.com/office/drawing/2014/main" id="{D63E4155-33A4-4CCC-B07C-D3BFF95BA20D}"/>
-              </a:ext>
-            </a:extLst>
-          </p:cNvPr>
-          <p:cNvSpPr>
-            <a:spLocks noGrp="1"/>
-          </p:cNvSpPr>
-          <p:nvPr>
-            <p:ph type="body" idx="1"/>
-          </p:nvPr>
-        </p:nvSpPr>
-        <p:spPr>
-          <a:xfrm>
-            <a:off x="1168265" y="1741614"/>
-            <a:ext cx="4754880" cy="777240"/>
-          </a:xfrm>
-        </p:spPr>
-        <p:txBody>
-          <a:bodyPr/>
-          <a:lstStyle/>
-          <a:p>
-            <a:pPr lvl="0"/>
-            <a:r>
-              <a:rPr lang="en-US"/>
-              <a:t>Nạp dấu ( vào st</a:t>
-            </a:r>
-          </a:p>
-        </p:txBody>
-      </p:sp>
-      <p:sp>
-        <p:nvSpPr>
-          <p:cNvPr id="11" name="Text Placeholder 10">
-            <a:extLst>
-              <a:ext uri="{FF2B5EF4-FFF2-40B4-BE49-F238E27FC236}">
-                <a16:creationId xmlns:a16="http://schemas.microsoft.com/office/drawing/2014/main" id="{B381125E-76A7-41D3-BC66-CBD0DFF98475}"/>
-              </a:ext>
-            </a:extLst>
-          </p:cNvPr>
-          <p:cNvSpPr>
-            <a:spLocks noGrp="1"/>
-          </p:cNvSpPr>
-          <p:nvPr>
-            <p:ph type="body" sz="quarter" idx="3"/>
-          </p:nvPr>
-        </p:nvSpPr>
-        <p:spPr>
-          <a:xfrm>
-            <a:off x="6294122" y="1741614"/>
-            <a:ext cx="4754880" cy="777240"/>
-          </a:xfrm>
-        </p:spPr>
-        <p:txBody>
-          <a:bodyPr/>
-          <a:lstStyle/>
-          <a:p>
-            <a:pPr lvl="0"/>
-            <a:r>
-              <a:rPr lang="en-US"/>
-              <a:t>Nạp toán tử vào st</a:t>
-            </a:r>
-          </a:p>
-        </p:txBody>
-      </p:sp>
       <p:pic>
         <p:nvPicPr>
           <p:cNvPr id="5" name="Graphic 4" descr="Meeting">
@@ -12896,923 +11178,881 @@
           </a:prstGeom>
         </p:spPr>
       </p:pic>
-      <p:graphicFrame>
-        <p:nvGraphicFramePr>
-          <p:cNvPr id="18" name="Content Placeholder 17">
+      <p:sp>
+        <p:nvSpPr>
+          <p:cNvPr id="3" name="Footer Placeholder 2"/>
+          <p:cNvSpPr>
+            <a:spLocks noGrp="1"/>
+          </p:cNvSpPr>
+          <p:nvPr>
+            <p:ph type="ftr" sz="quarter" idx="11"/>
+          </p:nvPr>
+        </p:nvSpPr>
+        <p:spPr/>
+        <p:txBody>
+          <a:bodyPr/>
+          <a:lstStyle/>
+          <a:p>
+            <a:endParaRPr lang="en-US" dirty="0"/>
+          </a:p>
+        </p:txBody>
+      </p:sp>
+      <p:sp>
+        <p:nvSpPr>
+          <p:cNvPr id="4" name="Slide Number Placeholder 3"/>
+          <p:cNvSpPr>
+            <a:spLocks noGrp="1"/>
+          </p:cNvSpPr>
+          <p:nvPr>
+            <p:ph type="sldNum" sz="quarter" idx="12"/>
+          </p:nvPr>
+        </p:nvSpPr>
+        <p:spPr/>
+        <p:txBody>
+          <a:bodyPr/>
+          <a:lstStyle/>
+          <a:p>
+            <a:fld id="{6D22F896-40B5-4ADD-8801-0D06FADFA095}" type="slidenum">
+              <a:rPr lang="en-US" smtClean="0"/>
+              <a:t>9</a:t>
+            </a:fld>
+            <a:endParaRPr lang="en-US" dirty="0"/>
+          </a:p>
+        </p:txBody>
+      </p:sp>
+      <p:sp>
+        <p:nvSpPr>
+          <p:cNvPr id="16" name="Text Placeholder 8">
             <a:extLst>
               <a:ext uri="{FF2B5EF4-FFF2-40B4-BE49-F238E27FC236}">
-                <a16:creationId xmlns:a16="http://schemas.microsoft.com/office/drawing/2014/main" id="{020478F6-5743-4376-AD12-38A2B9A065F9}"/>
+                <a16:creationId xmlns:a16="http://schemas.microsoft.com/office/drawing/2014/main" id="{D63E4155-33A4-4CCC-B07C-D3BFF95BA20D}"/>
               </a:ext>
             </a:extLst>
           </p:cNvPr>
-          <p:cNvGraphicFramePr>
-            <a:graphicFrameLocks noGrp="1"/>
-          </p:cNvGraphicFramePr>
-          <p:nvPr>
-            <p:ph sz="half" idx="2"/>
-            <p:extLst>
-              <p:ext uri="{D42A27DB-BD31-4B8C-83A1-F6EECF244321}">
-                <p14:modId xmlns:p14="http://schemas.microsoft.com/office/powerpoint/2010/main" val="1711868727"/>
-              </p:ext>
-            </p:extLst>
-          </p:nvPr>
-        </p:nvGraphicFramePr>
-        <p:xfrm>
-          <a:off x="1168265" y="2738012"/>
-          <a:ext cx="4754563" cy="2802954"/>
-        </p:xfrm>
-        <a:graphic>
-          <a:graphicData uri="http://schemas.openxmlformats.org/drawingml/2006/table">
-            <a:tbl>
-              <a:tblPr firstRow="1" firstCol="1" bandRow="1">
-                <a:tableStyleId>{5C22544A-7EE6-4342-B048-85BDC9FD1C3A}</a:tableStyleId>
-              </a:tblPr>
-              <a:tblGrid>
-                <a:gridCol w="4754563">
-                  <a:extLst>
-                    <a:ext uri="{9D8B030D-6E8A-4147-A177-3AD203B41FA5}">
-                      <a16:colId xmlns:a16="http://schemas.microsoft.com/office/drawing/2014/main" val="113852105"/>
-                    </a:ext>
-                  </a:extLst>
-                </a:gridCol>
-              </a:tblGrid>
-              <a:tr h="713322">
-                <a:tc>
-                  <a:txBody>
-                    <a:bodyPr/>
-                    <a:lstStyle/>
-                    <a:p>
-                      <a:pPr>
-                        <a:lnSpc>
-                          <a:spcPct val="107000"/>
-                        </a:lnSpc>
-                        <a:spcAft>
-                          <a:spcPts val="0"/>
-                        </a:spcAft>
-                      </a:pPr>
-                      <a:r>
-                        <a:rPr lang="en-US" sz="2400">
-                          <a:effectLst/>
-                        </a:rPr>
-                        <a:t>if (manhinh.Text[i] == '(')</a:t>
-                      </a:r>
-                      <a:endParaRPr lang="en-US" sz="2800">
-                        <a:effectLst/>
-                      </a:endParaRPr>
-                    </a:p>
-                    <a:p>
-                      <a:pPr>
-                        <a:lnSpc>
-                          <a:spcPct val="107000"/>
-                        </a:lnSpc>
-                        <a:spcAft>
-                          <a:spcPts val="0"/>
-                        </a:spcAft>
-                      </a:pPr>
-                      <a:r>
-                        <a:rPr lang="en-US" sz="2400">
-                          <a:effectLst/>
-                        </a:rPr>
-                        <a:t>                {</a:t>
-                      </a:r>
-                      <a:endParaRPr lang="en-US" sz="2800">
-                        <a:effectLst/>
-                      </a:endParaRPr>
-                    </a:p>
-                    <a:p>
-                      <a:pPr>
-                        <a:lnSpc>
-                          <a:spcPct val="107000"/>
-                        </a:lnSpc>
-                        <a:spcAft>
-                          <a:spcPts val="0"/>
-                        </a:spcAft>
-                      </a:pPr>
-                      <a:r>
-                        <a:rPr lang="en-US" sz="2400">
-                          <a:effectLst/>
-                        </a:rPr>
-                        <a:t>                    st.Push(manhinh.Text[i]);</a:t>
-                      </a:r>
-                      <a:endParaRPr lang="en-US" sz="2800">
-                        <a:effectLst/>
-                      </a:endParaRPr>
-                    </a:p>
-                    <a:p>
-                      <a:pPr>
-                        <a:lnSpc>
-                          <a:spcPct val="107000"/>
-                        </a:lnSpc>
-                        <a:spcAft>
-                          <a:spcPts val="0"/>
-                        </a:spcAft>
-                      </a:pPr>
-                      <a:r>
-                        <a:rPr lang="en-US" sz="2400">
-                          <a:effectLst/>
-                        </a:rPr>
-                        <a:t>                    if (manhinh.Text[i + 1] == '-' || manhinh.Text[i + 1] == '+')</a:t>
-                      </a:r>
-                      <a:endParaRPr lang="en-US" sz="2800">
-                        <a:effectLst/>
-                      </a:endParaRPr>
-                    </a:p>
-                    <a:p>
-                      <a:pPr>
-                        <a:lnSpc>
-                          <a:spcPct val="107000"/>
-                        </a:lnSpc>
-                        <a:spcAft>
-                          <a:spcPts val="0"/>
-                        </a:spcAft>
-                      </a:pPr>
-                      <a:r>
-                        <a:rPr lang="en-US" sz="2400">
-                          <a:effectLst/>
-                        </a:rPr>
-                        <a:t>                        sh.Push(0);</a:t>
-                      </a:r>
-                      <a:endParaRPr lang="en-US" sz="2800">
-                        <a:effectLst/>
-                      </a:endParaRPr>
-                    </a:p>
-                    <a:p>
-                      <a:pPr>
-                        <a:lnSpc>
-                          <a:spcPct val="107000"/>
-                        </a:lnSpc>
-                        <a:spcBef>
-                          <a:spcPts val="480"/>
-                        </a:spcBef>
-                        <a:spcAft>
-                          <a:spcPts val="0"/>
-                        </a:spcAft>
-                      </a:pPr>
-                      <a:r>
-                        <a:rPr lang="en-US" sz="2400">
-                          <a:effectLst/>
-                        </a:rPr>
-                        <a:t>                }</a:t>
-                      </a:r>
-                      <a:endParaRPr lang="en-US" sz="2800">
-                        <a:effectLst/>
-                        <a:latin typeface="Calibri" panose="020F0502020204030204" pitchFamily="34" charset="0"/>
-                        <a:ea typeface="Calibri" panose="020F0502020204030204" pitchFamily="34" charset="0"/>
-                        <a:cs typeface="Times New Roman" panose="02020603050405020304" pitchFamily="18" charset="0"/>
-                      </a:endParaRPr>
-                    </a:p>
-                  </a:txBody>
-                  <a:tcPr marL="49613" marR="49613" marT="0" marB="0"/>
-                </a:tc>
-                <a:extLst>
-                  <a:ext uri="{0D108BD9-81ED-4DB2-BD59-A6C34878D82A}">
-                    <a16:rowId xmlns:a16="http://schemas.microsoft.com/office/drawing/2014/main" val="2445032588"/>
-                  </a:ext>
-                </a:extLst>
-              </a:tr>
-            </a:tbl>
-          </a:graphicData>
-        </a:graphic>
-      </p:graphicFrame>
-      <p:graphicFrame>
-        <p:nvGraphicFramePr>
-          <p:cNvPr id="17" name="Content Placeholder 16">
+          <p:cNvSpPr txBox="1">
+            <a:spLocks/>
+          </p:cNvSpPr>
+          <p:nvPr/>
+        </p:nvSpPr>
+        <p:spPr>
+          <a:xfrm>
+            <a:off x="1325880" y="2082904"/>
+            <a:ext cx="4754880" cy="777240"/>
+          </a:xfrm>
+          <a:prstGeom prst="rect">
+            <a:avLst/>
+          </a:prstGeom>
+        </p:spPr>
+        <p:txBody>
+          <a:bodyPr vert="horz" lIns="91440" tIns="45720" rIns="91440" bIns="45720" rtlCol="0" anchor="ctr">
+            <a:normAutofit/>
+          </a:bodyPr>
+          <a:lstStyle>
+            <a:lvl1pPr marL="0" indent="0" algn="l" defTabSz="914400" rtl="0" eaLnBrk="1" latinLnBrk="0" hangingPunct="1">
+              <a:lnSpc>
+                <a:spcPct val="90000"/>
+              </a:lnSpc>
+              <a:spcBef>
+                <a:spcPts val="0"/>
+              </a:spcBef>
+              <a:buClr>
+                <a:schemeClr val="accent1"/>
+              </a:buClr>
+              <a:buSzPct val="80000"/>
+              <a:buFont typeface="Corbel" pitchFamily="34" charset="0"/>
+              <a:buNone/>
+              <a:defRPr sz="2400" b="1" kern="1200">
+                <a:solidFill>
+                  <a:schemeClr val="accent1"/>
+                </a:solidFill>
+                <a:latin typeface="Segoe UI Black" panose="020B0A02040204020203" pitchFamily="34" charset="0"/>
+                <a:ea typeface="Segoe UI Black" panose="020B0A02040204020203" pitchFamily="34" charset="0"/>
+                <a:cs typeface="+mn-cs"/>
+              </a:defRPr>
+            </a:lvl1pPr>
+            <a:lvl2pPr marL="457200" indent="0" algn="l" defTabSz="914400" rtl="0" eaLnBrk="1" latinLnBrk="0" hangingPunct="1">
+              <a:lnSpc>
+                <a:spcPct val="90000"/>
+              </a:lnSpc>
+              <a:spcBef>
+                <a:spcPts val="200"/>
+              </a:spcBef>
+              <a:spcAft>
+                <a:spcPts val="400"/>
+              </a:spcAft>
+              <a:buClr>
+                <a:schemeClr val="accent1"/>
+              </a:buClr>
+              <a:buSzPct val="80000"/>
+              <a:buFont typeface="Corbel" pitchFamily="34" charset="0"/>
+              <a:buNone/>
+              <a:defRPr sz="2000" b="1" kern="1200">
+                <a:solidFill>
+                  <a:schemeClr val="accent1"/>
+                </a:solidFill>
+                <a:latin typeface="+mn-lt"/>
+                <a:ea typeface="+mn-ea"/>
+                <a:cs typeface="+mn-cs"/>
+              </a:defRPr>
+            </a:lvl2pPr>
+            <a:lvl3pPr marL="914400" indent="0" algn="l" defTabSz="914400" rtl="0" eaLnBrk="1" latinLnBrk="0" hangingPunct="1">
+              <a:lnSpc>
+                <a:spcPct val="90000"/>
+              </a:lnSpc>
+              <a:spcBef>
+                <a:spcPts val="200"/>
+              </a:spcBef>
+              <a:spcAft>
+                <a:spcPts val="400"/>
+              </a:spcAft>
+              <a:buClr>
+                <a:schemeClr val="accent1"/>
+              </a:buClr>
+              <a:buSzPct val="80000"/>
+              <a:buFont typeface="Corbel" pitchFamily="34" charset="0"/>
+              <a:buNone/>
+              <a:defRPr sz="1800" b="1" kern="1200">
+                <a:solidFill>
+                  <a:schemeClr val="accent1"/>
+                </a:solidFill>
+                <a:latin typeface="+mn-lt"/>
+                <a:ea typeface="+mn-ea"/>
+                <a:cs typeface="+mn-cs"/>
+              </a:defRPr>
+            </a:lvl3pPr>
+            <a:lvl4pPr marL="1371600" indent="0" algn="l" defTabSz="914400" rtl="0" eaLnBrk="1" latinLnBrk="0" hangingPunct="1">
+              <a:lnSpc>
+                <a:spcPct val="90000"/>
+              </a:lnSpc>
+              <a:spcBef>
+                <a:spcPts val="200"/>
+              </a:spcBef>
+              <a:spcAft>
+                <a:spcPts val="400"/>
+              </a:spcAft>
+              <a:buClr>
+                <a:schemeClr val="accent1"/>
+              </a:buClr>
+              <a:buSzPct val="80000"/>
+              <a:buFont typeface="Corbel" pitchFamily="34" charset="0"/>
+              <a:buNone/>
+              <a:defRPr sz="1600" b="1" kern="1200">
+                <a:solidFill>
+                  <a:schemeClr val="accent1"/>
+                </a:solidFill>
+                <a:latin typeface="+mn-lt"/>
+                <a:ea typeface="+mn-ea"/>
+                <a:cs typeface="+mn-cs"/>
+              </a:defRPr>
+            </a:lvl4pPr>
+            <a:lvl5pPr marL="1828800" indent="0" algn="l" defTabSz="914400" rtl="0" eaLnBrk="1" latinLnBrk="0" hangingPunct="1">
+              <a:lnSpc>
+                <a:spcPct val="90000"/>
+              </a:lnSpc>
+              <a:spcBef>
+                <a:spcPts val="200"/>
+              </a:spcBef>
+              <a:spcAft>
+                <a:spcPts val="400"/>
+              </a:spcAft>
+              <a:buClr>
+                <a:schemeClr val="accent1"/>
+              </a:buClr>
+              <a:buSzPct val="80000"/>
+              <a:buFont typeface="Corbel" pitchFamily="34" charset="0"/>
+              <a:buNone/>
+              <a:defRPr sz="1600" b="1" kern="1200">
+                <a:solidFill>
+                  <a:schemeClr val="accent1"/>
+                </a:solidFill>
+                <a:latin typeface="+mn-lt"/>
+                <a:ea typeface="+mn-ea"/>
+                <a:cs typeface="+mn-cs"/>
+              </a:defRPr>
+            </a:lvl5pPr>
+            <a:lvl6pPr marL="2286000" indent="0" algn="l" defTabSz="914400" rtl="0" eaLnBrk="1" latinLnBrk="0" hangingPunct="1">
+              <a:lnSpc>
+                <a:spcPct val="90000"/>
+              </a:lnSpc>
+              <a:spcBef>
+                <a:spcPts val="200"/>
+              </a:spcBef>
+              <a:spcAft>
+                <a:spcPts val="400"/>
+              </a:spcAft>
+              <a:buClr>
+                <a:schemeClr val="accent1"/>
+              </a:buClr>
+              <a:buSzPct val="80000"/>
+              <a:buFont typeface="Corbel" pitchFamily="34" charset="0"/>
+              <a:buNone/>
+              <a:defRPr sz="1600" b="1" kern="1200">
+                <a:solidFill>
+                  <a:schemeClr val="accent1"/>
+                </a:solidFill>
+                <a:latin typeface="+mn-lt"/>
+                <a:ea typeface="+mn-ea"/>
+                <a:cs typeface="+mn-cs"/>
+              </a:defRPr>
+            </a:lvl6pPr>
+            <a:lvl7pPr marL="2743200" indent="0" algn="l" defTabSz="914400" rtl="0" eaLnBrk="1" latinLnBrk="0" hangingPunct="1">
+              <a:lnSpc>
+                <a:spcPct val="90000"/>
+              </a:lnSpc>
+              <a:spcBef>
+                <a:spcPts val="200"/>
+              </a:spcBef>
+              <a:spcAft>
+                <a:spcPts val="400"/>
+              </a:spcAft>
+              <a:buClr>
+                <a:schemeClr val="accent1"/>
+              </a:buClr>
+              <a:buSzPct val="80000"/>
+              <a:buFont typeface="Corbel" pitchFamily="34" charset="0"/>
+              <a:buNone/>
+              <a:defRPr sz="1600" b="1" kern="1200">
+                <a:solidFill>
+                  <a:schemeClr val="accent1"/>
+                </a:solidFill>
+                <a:latin typeface="+mn-lt"/>
+                <a:ea typeface="+mn-ea"/>
+                <a:cs typeface="+mn-cs"/>
+              </a:defRPr>
+            </a:lvl7pPr>
+            <a:lvl8pPr marL="3200400" indent="0" algn="l" defTabSz="914400" rtl="0" eaLnBrk="1" latinLnBrk="0" hangingPunct="1">
+              <a:lnSpc>
+                <a:spcPct val="90000"/>
+              </a:lnSpc>
+              <a:spcBef>
+                <a:spcPts val="200"/>
+              </a:spcBef>
+              <a:spcAft>
+                <a:spcPts val="400"/>
+              </a:spcAft>
+              <a:buClr>
+                <a:schemeClr val="accent1"/>
+              </a:buClr>
+              <a:buSzPct val="80000"/>
+              <a:buFont typeface="Corbel" pitchFamily="34" charset="0"/>
+              <a:buNone/>
+              <a:defRPr sz="1600" b="1" kern="1200">
+                <a:solidFill>
+                  <a:schemeClr val="accent1"/>
+                </a:solidFill>
+                <a:latin typeface="+mn-lt"/>
+                <a:ea typeface="+mn-ea"/>
+                <a:cs typeface="+mn-cs"/>
+              </a:defRPr>
+            </a:lvl8pPr>
+            <a:lvl9pPr marL="3657600" indent="0" algn="l" defTabSz="914400" rtl="0" eaLnBrk="1" latinLnBrk="0" hangingPunct="1">
+              <a:lnSpc>
+                <a:spcPct val="90000"/>
+              </a:lnSpc>
+              <a:spcBef>
+                <a:spcPts val="200"/>
+              </a:spcBef>
+              <a:spcAft>
+                <a:spcPts val="400"/>
+              </a:spcAft>
+              <a:buClr>
+                <a:schemeClr val="accent1"/>
+              </a:buClr>
+              <a:buSzPct val="80000"/>
+              <a:buFont typeface="Corbel" pitchFamily="34" charset="0"/>
+              <a:buNone/>
+              <a:defRPr sz="1600" b="1" kern="1200">
+                <a:solidFill>
+                  <a:schemeClr val="accent1"/>
+                </a:solidFill>
+                <a:latin typeface="+mn-lt"/>
+                <a:ea typeface="+mn-ea"/>
+                <a:cs typeface="+mn-cs"/>
+              </a:defRPr>
+            </a:lvl9pPr>
+          </a:lstStyle>
+          <a:p>
+            <a:pPr marL="342900" indent="-342900">
+              <a:buFont typeface="Wingdings" panose="05000000000000000000" pitchFamily="2" charset="2"/>
+              <a:buChar char="Ø"/>
+            </a:pPr>
+            <a:r>
+              <a:rPr lang="en-US" smtClean="0"/>
+              <a:t>Nạp dấu ( vào st</a:t>
+            </a:r>
+            <a:endParaRPr lang="en-US"/>
+          </a:p>
+        </p:txBody>
+      </p:sp>
+      <p:sp>
+        <p:nvSpPr>
+          <p:cNvPr id="19" name="Text Placeholder 8">
             <a:extLst>
               <a:ext uri="{FF2B5EF4-FFF2-40B4-BE49-F238E27FC236}">
-                <a16:creationId xmlns:a16="http://schemas.microsoft.com/office/drawing/2014/main" id="{8469A69C-D03C-4D5C-A188-8E16F2BDEF76}"/>
+                <a16:creationId xmlns:a16="http://schemas.microsoft.com/office/drawing/2014/main" id="{D63E4155-33A4-4CCC-B07C-D3BFF95BA20D}"/>
               </a:ext>
             </a:extLst>
           </p:cNvPr>
-          <p:cNvGraphicFramePr>
-            <a:graphicFrameLocks noGrp="1"/>
-          </p:cNvGraphicFramePr>
-          <p:nvPr>
-            <p:ph sz="quarter" idx="4"/>
-            <p:extLst>
-              <p:ext uri="{D42A27DB-BD31-4B8C-83A1-F6EECF244321}">
-                <p14:modId xmlns:p14="http://schemas.microsoft.com/office/powerpoint/2010/main" val="1010505431"/>
-              </p:ext>
-            </p:extLst>
-          </p:nvPr>
-        </p:nvGraphicFramePr>
-        <p:xfrm>
-          <a:off x="6268857" y="2414609"/>
-          <a:ext cx="5368954" cy="4173347"/>
-        </p:xfrm>
-        <a:graphic>
-          <a:graphicData uri="http://schemas.openxmlformats.org/drawingml/2006/table">
-            <a:tbl>
-              <a:tblPr firstRow="1" firstCol="1" bandRow="1">
-                <a:tableStyleId>{5C22544A-7EE6-4342-B048-85BDC9FD1C3A}</a:tableStyleId>
-              </a:tblPr>
-              <a:tblGrid>
-                <a:gridCol w="5368954">
-                  <a:extLst>
-                    <a:ext uri="{9D8B030D-6E8A-4147-A177-3AD203B41FA5}">
-                      <a16:colId xmlns:a16="http://schemas.microsoft.com/office/drawing/2014/main" val="1395049040"/>
-                    </a:ext>
-                  </a:extLst>
-                </a:gridCol>
-              </a:tblGrid>
-              <a:tr h="3999829">
-                <a:tc>
-                  <a:txBody>
-                    <a:bodyPr/>
-                    <a:lstStyle/>
-                    <a:p>
-                      <a:pPr>
-                        <a:lnSpc>
-                          <a:spcPct val="107000"/>
-                        </a:lnSpc>
-                        <a:spcAft>
-                          <a:spcPts val="0"/>
-                        </a:spcAft>
-                      </a:pPr>
-                      <a:r>
-                        <a:rPr lang="en-US" sz="600">
-                          <a:effectLst/>
-                        </a:rPr>
-                        <a:t>if (manhinh.Text[i] == '+' || manhinh.Text[i] == '-' || manhinh.Text[i] == '*' || manhinh.Text[i] == '/' || manhinh.Text[i] == '%'  || manhinh.Text[i] == '^')</a:t>
-                      </a:r>
-                    </a:p>
-                    <a:p>
-                      <a:pPr>
-                        <a:lnSpc>
-                          <a:spcPct val="107000"/>
-                        </a:lnSpc>
-                        <a:spcAft>
-                          <a:spcPts val="0"/>
-                        </a:spcAft>
-                      </a:pPr>
-                      <a:r>
-                        <a:rPr lang="en-US" sz="600">
-                          <a:effectLst/>
-                        </a:rPr>
-                        <a:t>                {   </a:t>
-                      </a:r>
-                    </a:p>
-                    <a:p>
-                      <a:pPr>
-                        <a:lnSpc>
-                          <a:spcPct val="107000"/>
-                        </a:lnSpc>
-                        <a:spcAft>
-                          <a:spcPts val="0"/>
-                        </a:spcAft>
-                      </a:pPr>
-                      <a:r>
-                        <a:rPr lang="en-US" sz="600">
-                          <a:effectLst/>
-                        </a:rPr>
-                        <a:t>                    while (st.Count &gt; 0 &amp;&amp; GetPriority(manhinh.Text[i].ToString()) &lt;= GetPriority(st.Peek().ToString()))</a:t>
-                      </a:r>
-                    </a:p>
-                    <a:p>
-                      <a:pPr>
-                        <a:lnSpc>
-                          <a:spcPct val="107000"/>
-                        </a:lnSpc>
-                        <a:spcAft>
-                          <a:spcPts val="0"/>
-                        </a:spcAft>
-                      </a:pPr>
-                      <a:r>
-                        <a:rPr lang="en-US" sz="600">
-                          <a:effectLst/>
-                        </a:rPr>
-                        <a:t>                    {</a:t>
-                      </a:r>
-                    </a:p>
-                    <a:p>
-                      <a:pPr>
-                        <a:lnSpc>
-                          <a:spcPct val="107000"/>
-                        </a:lnSpc>
-                        <a:spcAft>
-                          <a:spcPts val="0"/>
-                        </a:spcAft>
-                      </a:pPr>
-                      <a:r>
-                        <a:rPr lang="en-US" sz="600">
-                          <a:effectLst/>
-                        </a:rPr>
-                        <a:t>                        str1 = st.Pop().ToString();</a:t>
-                      </a:r>
-                    </a:p>
-                    <a:p>
-                      <a:pPr>
-                        <a:lnSpc>
-                          <a:spcPct val="107000"/>
-                        </a:lnSpc>
-                        <a:spcAft>
-                          <a:spcPts val="0"/>
-                        </a:spcAft>
-                      </a:pPr>
-                      <a:r>
-                        <a:rPr lang="en-US" sz="600">
-                          <a:effectLst/>
-                        </a:rPr>
-                        <a:t> </a:t>
-                      </a:r>
-                    </a:p>
-                    <a:p>
-                      <a:pPr>
-                        <a:lnSpc>
-                          <a:spcPct val="107000"/>
-                        </a:lnSpc>
-                        <a:spcAft>
-                          <a:spcPts val="0"/>
-                        </a:spcAft>
-                      </a:pPr>
-                      <a:r>
-                        <a:rPr lang="en-US" sz="600">
-                          <a:effectLst/>
-                        </a:rPr>
-                        <a:t>                        //nếu là các phép tính</a:t>
-                      </a:r>
-                    </a:p>
-                    <a:p>
-                      <a:pPr>
-                        <a:lnSpc>
-                          <a:spcPct val="107000"/>
-                        </a:lnSpc>
-                        <a:spcAft>
-                          <a:spcPts val="0"/>
-                        </a:spcAft>
-                      </a:pPr>
-                      <a:r>
-                        <a:rPr lang="en-US" sz="600">
-                          <a:effectLst/>
-                        </a:rPr>
-                        <a:t>                        if (str1 == "+" || str1 == "-" || str1 == "*" || str1 == "/" || str1 == "%" || str1 == "^")</a:t>
-                      </a:r>
-                    </a:p>
-                    <a:p>
-                      <a:pPr>
-                        <a:lnSpc>
-                          <a:spcPct val="107000"/>
-                        </a:lnSpc>
-                        <a:spcAft>
-                          <a:spcPts val="0"/>
-                        </a:spcAft>
-                      </a:pPr>
-                      <a:r>
-                        <a:rPr lang="en-US" sz="600">
-                          <a:effectLst/>
-                        </a:rPr>
-                        <a:t>                        {</a:t>
-                      </a:r>
-                    </a:p>
-                    <a:p>
-                      <a:pPr>
-                        <a:lnSpc>
-                          <a:spcPct val="107000"/>
-                        </a:lnSpc>
-                        <a:spcAft>
-                          <a:spcPts val="0"/>
-                        </a:spcAft>
-                      </a:pPr>
-                      <a:r>
-                        <a:rPr lang="en-US" sz="600">
-                          <a:effectLst/>
-                        </a:rPr>
-                        <a:t>                            a = double.Parse((sh.Pop().ToString()));</a:t>
-                      </a:r>
-                    </a:p>
-                    <a:p>
-                      <a:pPr>
-                        <a:lnSpc>
-                          <a:spcPct val="107000"/>
-                        </a:lnSpc>
-                        <a:spcAft>
-                          <a:spcPts val="0"/>
-                        </a:spcAft>
-                      </a:pPr>
-                      <a:r>
-                        <a:rPr lang="en-US" sz="600">
-                          <a:effectLst/>
-                        </a:rPr>
-                        <a:t>                            b = double.Parse((sh.Pop().ToString()));</a:t>
-                      </a:r>
-                    </a:p>
-                    <a:p>
-                      <a:pPr>
-                        <a:lnSpc>
-                          <a:spcPct val="107000"/>
-                        </a:lnSpc>
-                        <a:spcAft>
-                          <a:spcPts val="0"/>
-                        </a:spcAft>
-                      </a:pPr>
-                      <a:r>
-                        <a:rPr lang="en-US" sz="600">
-                          <a:effectLst/>
-                        </a:rPr>
-                        <a:t>                            switch (str1)</a:t>
-                      </a:r>
-                    </a:p>
-                    <a:p>
-                      <a:pPr>
-                        <a:lnSpc>
-                          <a:spcPct val="107000"/>
-                        </a:lnSpc>
-                        <a:spcAft>
-                          <a:spcPts val="0"/>
-                        </a:spcAft>
-                      </a:pPr>
-                      <a:r>
-                        <a:rPr lang="en-US" sz="600">
-                          <a:effectLst/>
-                        </a:rPr>
-                        <a:t>                            {</a:t>
-                      </a:r>
-                    </a:p>
-                    <a:p>
-                      <a:pPr>
-                        <a:lnSpc>
-                          <a:spcPct val="107000"/>
-                        </a:lnSpc>
-                        <a:spcAft>
-                          <a:spcPts val="0"/>
-                        </a:spcAft>
-                      </a:pPr>
-                      <a:r>
-                        <a:rPr lang="en-US" sz="600">
-                          <a:effectLst/>
-                        </a:rPr>
-                        <a:t>                                case "+":</a:t>
-                      </a:r>
-                    </a:p>
-                    <a:p>
-                      <a:pPr>
-                        <a:lnSpc>
-                          <a:spcPct val="107000"/>
-                        </a:lnSpc>
-                        <a:spcAft>
-                          <a:spcPts val="0"/>
-                        </a:spcAft>
-                      </a:pPr>
-                      <a:r>
-                        <a:rPr lang="en-US" sz="600">
-                          <a:effectLst/>
-                        </a:rPr>
-                        <a:t>                                    ketQua = (a + b);</a:t>
-                      </a:r>
-                    </a:p>
-                    <a:p>
-                      <a:pPr>
-                        <a:lnSpc>
-                          <a:spcPct val="107000"/>
-                        </a:lnSpc>
-                        <a:spcAft>
-                          <a:spcPts val="0"/>
-                        </a:spcAft>
-                      </a:pPr>
-                      <a:r>
-                        <a:rPr lang="en-US" sz="600">
-                          <a:effectLst/>
-                        </a:rPr>
-                        <a:t>                                    break;</a:t>
-                      </a:r>
-                    </a:p>
-                    <a:p>
-                      <a:pPr>
-                        <a:lnSpc>
-                          <a:spcPct val="107000"/>
-                        </a:lnSpc>
-                        <a:spcAft>
-                          <a:spcPts val="0"/>
-                        </a:spcAft>
-                      </a:pPr>
-                      <a:r>
-                        <a:rPr lang="en-US" sz="600">
-                          <a:effectLst/>
-                        </a:rPr>
-                        <a:t>                                case "-":</a:t>
-                      </a:r>
-                    </a:p>
-                    <a:p>
-                      <a:pPr>
-                        <a:lnSpc>
-                          <a:spcPct val="107000"/>
-                        </a:lnSpc>
-                        <a:spcAft>
-                          <a:spcPts val="0"/>
-                        </a:spcAft>
-                      </a:pPr>
-                      <a:r>
-                        <a:rPr lang="en-US" sz="600">
-                          <a:effectLst/>
-                        </a:rPr>
-                        <a:t>                                    ketQua = (b - a);</a:t>
-                      </a:r>
-                    </a:p>
-                    <a:p>
-                      <a:pPr>
-                        <a:lnSpc>
-                          <a:spcPct val="107000"/>
-                        </a:lnSpc>
-                        <a:spcAft>
-                          <a:spcPts val="0"/>
-                        </a:spcAft>
-                      </a:pPr>
-                      <a:r>
-                        <a:rPr lang="en-US" sz="600">
-                          <a:effectLst/>
-                        </a:rPr>
-                        <a:t>                                    break;</a:t>
-                      </a:r>
-                    </a:p>
-                    <a:p>
-                      <a:pPr>
-                        <a:lnSpc>
-                          <a:spcPct val="107000"/>
-                        </a:lnSpc>
-                        <a:spcAft>
-                          <a:spcPts val="0"/>
-                        </a:spcAft>
-                      </a:pPr>
-                      <a:r>
-                        <a:rPr lang="en-US" sz="600">
-                          <a:effectLst/>
-                        </a:rPr>
-                        <a:t>                                case "*":</a:t>
-                      </a:r>
-                    </a:p>
-                    <a:p>
-                      <a:pPr>
-                        <a:lnSpc>
-                          <a:spcPct val="107000"/>
-                        </a:lnSpc>
-                        <a:spcAft>
-                          <a:spcPts val="0"/>
-                        </a:spcAft>
-                      </a:pPr>
-                      <a:r>
-                        <a:rPr lang="en-US" sz="600">
-                          <a:effectLst/>
-                        </a:rPr>
-                        <a:t>                                    ketQua = (a * b);</a:t>
-                      </a:r>
-                    </a:p>
-                    <a:p>
-                      <a:pPr>
-                        <a:lnSpc>
-                          <a:spcPct val="107000"/>
-                        </a:lnSpc>
-                        <a:spcAft>
-                          <a:spcPts val="0"/>
-                        </a:spcAft>
-                      </a:pPr>
-                      <a:r>
-                        <a:rPr lang="en-US" sz="600">
-                          <a:effectLst/>
-                        </a:rPr>
-                        <a:t>                                    break;</a:t>
-                      </a:r>
-                    </a:p>
-                    <a:p>
-                      <a:pPr>
-                        <a:lnSpc>
-                          <a:spcPct val="107000"/>
-                        </a:lnSpc>
-                        <a:spcAft>
-                          <a:spcPts val="0"/>
-                        </a:spcAft>
-                      </a:pPr>
-                      <a:r>
-                        <a:rPr lang="en-US" sz="600">
-                          <a:effectLst/>
-                        </a:rPr>
-                        <a:t>                                case "/":</a:t>
-                      </a:r>
-                    </a:p>
-                    <a:p>
-                      <a:pPr>
-                        <a:lnSpc>
-                          <a:spcPct val="107000"/>
-                        </a:lnSpc>
-                        <a:spcAft>
-                          <a:spcPts val="0"/>
-                        </a:spcAft>
-                      </a:pPr>
-                      <a:r>
-                        <a:rPr lang="en-US" sz="600">
-                          <a:effectLst/>
-                        </a:rPr>
-                        <a:t>                                    if (a == 0)</a:t>
-                      </a:r>
-                    </a:p>
-                    <a:p>
-                      <a:pPr>
-                        <a:lnSpc>
-                          <a:spcPct val="107000"/>
-                        </a:lnSpc>
-                        <a:spcAft>
-                          <a:spcPts val="0"/>
-                        </a:spcAft>
-                      </a:pPr>
-                      <a:r>
-                        <a:rPr lang="en-US" sz="600">
-                          <a:effectLst/>
-                        </a:rPr>
-                        <a:t>                                    {</a:t>
-                      </a:r>
-                    </a:p>
-                    <a:p>
-                      <a:pPr>
-                        <a:lnSpc>
-                          <a:spcPct val="107000"/>
-                        </a:lnSpc>
-                        <a:spcAft>
-                          <a:spcPts val="0"/>
-                        </a:spcAft>
-                      </a:pPr>
-                      <a:r>
-                        <a:rPr lang="en-US" sz="600">
-                          <a:effectLst/>
-                        </a:rPr>
-                        <a:t>                                     MessageBox.Show("Không thể chia cho 0", "Thông báo");</a:t>
-                      </a:r>
-                    </a:p>
-                    <a:p>
-                      <a:pPr>
-                        <a:lnSpc>
-                          <a:spcPct val="107000"/>
-                        </a:lnSpc>
-                        <a:spcAft>
-                          <a:spcPts val="0"/>
-                        </a:spcAft>
-                      </a:pPr>
-                      <a:r>
-                        <a:rPr lang="en-US" sz="600">
-                          <a:effectLst/>
-                        </a:rPr>
-                        <a:t>                                    }</a:t>
-                      </a:r>
-                    </a:p>
-                    <a:p>
-                      <a:pPr>
-                        <a:lnSpc>
-                          <a:spcPct val="107000"/>
-                        </a:lnSpc>
-                        <a:spcAft>
-                          <a:spcPts val="0"/>
-                        </a:spcAft>
-                      </a:pPr>
-                      <a:r>
-                        <a:rPr lang="en-US" sz="600">
-                          <a:effectLst/>
-                        </a:rPr>
-                        <a:t>                                    ketQua = (b / a);</a:t>
-                      </a:r>
-                    </a:p>
-                    <a:p>
-                      <a:pPr>
-                        <a:lnSpc>
-                          <a:spcPct val="107000"/>
-                        </a:lnSpc>
-                        <a:spcAft>
-                          <a:spcPts val="0"/>
-                        </a:spcAft>
-                      </a:pPr>
-                      <a:r>
-                        <a:rPr lang="en-US" sz="600">
-                          <a:effectLst/>
-                        </a:rPr>
-                        <a:t>                                    break;</a:t>
-                      </a:r>
-                    </a:p>
-                    <a:p>
-                      <a:pPr>
-                        <a:lnSpc>
-                          <a:spcPct val="107000"/>
-                        </a:lnSpc>
-                        <a:spcAft>
-                          <a:spcPts val="0"/>
-                        </a:spcAft>
-                      </a:pPr>
-                      <a:r>
-                        <a:rPr lang="en-US" sz="600">
-                          <a:effectLst/>
-                        </a:rPr>
-                        <a:t>                                case "%":</a:t>
-                      </a:r>
-                    </a:p>
-                    <a:p>
-                      <a:pPr>
-                        <a:lnSpc>
-                          <a:spcPct val="107000"/>
-                        </a:lnSpc>
-                        <a:spcAft>
-                          <a:spcPts val="0"/>
-                        </a:spcAft>
-                      </a:pPr>
-                      <a:r>
-                        <a:rPr lang="en-US" sz="600">
-                          <a:effectLst/>
-                        </a:rPr>
-                        <a:t>                                    if (a == 0)</a:t>
-                      </a:r>
-                    </a:p>
-                    <a:p>
-                      <a:pPr>
-                        <a:lnSpc>
-                          <a:spcPct val="107000"/>
-                        </a:lnSpc>
-                        <a:spcAft>
-                          <a:spcPts val="0"/>
-                        </a:spcAft>
-                      </a:pPr>
-                      <a:r>
-                        <a:rPr lang="en-US" sz="600">
-                          <a:effectLst/>
-                        </a:rPr>
-                        <a:t>                                    {</a:t>
-                      </a:r>
-                    </a:p>
-                    <a:p>
-                      <a:pPr>
-                        <a:lnSpc>
-                          <a:spcPct val="107000"/>
-                        </a:lnSpc>
-                        <a:spcAft>
-                          <a:spcPts val="0"/>
-                        </a:spcAft>
-                      </a:pPr>
-                      <a:r>
-                        <a:rPr lang="en-US" sz="600">
-                          <a:effectLst/>
-                        </a:rPr>
-                        <a:t>                                     MessageBox.Show("Không thể chia cho 0", "Thông báo");</a:t>
-                      </a:r>
-                    </a:p>
-                    <a:p>
-                      <a:pPr>
-                        <a:lnSpc>
-                          <a:spcPct val="107000"/>
-                        </a:lnSpc>
-                        <a:spcAft>
-                          <a:spcPts val="0"/>
-                        </a:spcAft>
-                      </a:pPr>
-                      <a:r>
-                        <a:rPr lang="en-US" sz="600">
-                          <a:effectLst/>
-                        </a:rPr>
-                        <a:t>                                    }</a:t>
-                      </a:r>
-                    </a:p>
-                    <a:p>
-                      <a:pPr>
-                        <a:lnSpc>
-                          <a:spcPct val="107000"/>
-                        </a:lnSpc>
-                        <a:spcAft>
-                          <a:spcPts val="0"/>
-                        </a:spcAft>
-                      </a:pPr>
-                      <a:r>
-                        <a:rPr lang="en-US" sz="600">
-                          <a:effectLst/>
-                        </a:rPr>
-                        <a:t>                                    ketQua = (b % a);</a:t>
-                      </a:r>
-                    </a:p>
-                    <a:p>
-                      <a:pPr>
-                        <a:lnSpc>
-                          <a:spcPct val="107000"/>
-                        </a:lnSpc>
-                        <a:spcAft>
-                          <a:spcPts val="0"/>
-                        </a:spcAft>
-                      </a:pPr>
-                      <a:r>
-                        <a:rPr lang="en-US" sz="600">
-                          <a:effectLst/>
-                        </a:rPr>
-                        <a:t>                                    break;</a:t>
-                      </a:r>
-                    </a:p>
-                    <a:p>
-                      <a:pPr>
-                        <a:lnSpc>
-                          <a:spcPct val="107000"/>
-                        </a:lnSpc>
-                        <a:spcAft>
-                          <a:spcPts val="0"/>
-                        </a:spcAft>
-                      </a:pPr>
-                      <a:r>
-                        <a:rPr lang="en-US" sz="600">
-                          <a:effectLst/>
-                        </a:rPr>
-                        <a:t>                                case "^":</a:t>
-                      </a:r>
-                    </a:p>
-                    <a:p>
-                      <a:pPr>
-                        <a:lnSpc>
-                          <a:spcPct val="107000"/>
-                        </a:lnSpc>
-                        <a:spcAft>
-                          <a:spcPts val="0"/>
-                        </a:spcAft>
-                      </a:pPr>
-                      <a:r>
-                        <a:rPr lang="en-US" sz="600">
-                          <a:effectLst/>
-                        </a:rPr>
-                        <a:t>                                    ketQua = Math.Pow(b, a);</a:t>
-                      </a:r>
-                    </a:p>
-                    <a:p>
-                      <a:pPr>
-                        <a:lnSpc>
-                          <a:spcPct val="107000"/>
-                        </a:lnSpc>
-                        <a:spcAft>
-                          <a:spcPts val="0"/>
-                        </a:spcAft>
-                      </a:pPr>
-                      <a:r>
-                        <a:rPr lang="en-US" sz="600">
-                          <a:effectLst/>
-                        </a:rPr>
-                        <a:t>                                    break;</a:t>
-                      </a:r>
-                    </a:p>
-                    <a:p>
-                      <a:pPr>
-                        <a:lnSpc>
-                          <a:spcPct val="107000"/>
-                        </a:lnSpc>
-                        <a:spcAft>
-                          <a:spcPts val="0"/>
-                        </a:spcAft>
-                      </a:pPr>
-                      <a:r>
-                        <a:rPr lang="en-US" sz="600">
-                          <a:effectLst/>
-                        </a:rPr>
-                        <a:t>                            }</a:t>
-                      </a:r>
-                    </a:p>
-                    <a:p>
-                      <a:pPr>
-                        <a:lnSpc>
-                          <a:spcPct val="107000"/>
-                        </a:lnSpc>
-                        <a:spcAft>
-                          <a:spcPts val="0"/>
-                        </a:spcAft>
-                      </a:pPr>
-                      <a:r>
-                        <a:rPr lang="en-US" sz="600">
-                          <a:effectLst/>
-                        </a:rPr>
-                        <a:t>                            sh.Push(ketQua);</a:t>
-                      </a:r>
-                    </a:p>
-                    <a:p>
-                      <a:pPr>
-                        <a:lnSpc>
-                          <a:spcPct val="107000"/>
-                        </a:lnSpc>
-                        <a:spcBef>
-                          <a:spcPts val="480"/>
-                        </a:spcBef>
-                        <a:spcAft>
-                          <a:spcPts val="0"/>
-                        </a:spcAft>
-                      </a:pPr>
-                      <a:r>
-                        <a:rPr lang="en-US" sz="600">
-                          <a:effectLst/>
-                        </a:rPr>
-                        <a:t>                        }</a:t>
-                      </a:r>
-                      <a:endParaRPr lang="en-US" sz="600">
-                        <a:effectLst/>
-                        <a:latin typeface="Calibri" panose="020F0502020204030204" pitchFamily="34" charset="0"/>
-                        <a:ea typeface="Calibri" panose="020F0502020204030204" pitchFamily="34" charset="0"/>
-                        <a:cs typeface="Times New Roman" panose="02020603050405020304" pitchFamily="18" charset="0"/>
-                      </a:endParaRPr>
-                    </a:p>
-                  </a:txBody>
-                  <a:tcPr marL="33008" marR="33008" marT="0" marB="0"/>
-                </a:tc>
-                <a:extLst>
-                  <a:ext uri="{0D108BD9-81ED-4DB2-BD59-A6C34878D82A}">
-                    <a16:rowId xmlns:a16="http://schemas.microsoft.com/office/drawing/2014/main" val="2958083960"/>
-                  </a:ext>
-                </a:extLst>
-              </a:tr>
-            </a:tbl>
-          </a:graphicData>
-        </a:graphic>
-      </p:graphicFrame>
+          <p:cNvSpPr txBox="1">
+            <a:spLocks/>
+          </p:cNvSpPr>
+          <p:nvPr/>
+        </p:nvSpPr>
+        <p:spPr>
+          <a:xfrm>
+            <a:off x="1325880" y="2950340"/>
+            <a:ext cx="7341042" cy="777240"/>
+          </a:xfrm>
+          <a:prstGeom prst="rect">
+            <a:avLst/>
+          </a:prstGeom>
+        </p:spPr>
+        <p:txBody>
+          <a:bodyPr vert="horz" lIns="91440" tIns="45720" rIns="91440" bIns="45720" rtlCol="0" anchor="ctr">
+            <a:normAutofit/>
+          </a:bodyPr>
+          <a:lstStyle>
+            <a:lvl1pPr marL="0" indent="0" algn="l" defTabSz="914400" rtl="0" eaLnBrk="1" latinLnBrk="0" hangingPunct="1">
+              <a:lnSpc>
+                <a:spcPct val="90000"/>
+              </a:lnSpc>
+              <a:spcBef>
+                <a:spcPts val="0"/>
+              </a:spcBef>
+              <a:buClr>
+                <a:schemeClr val="accent1"/>
+              </a:buClr>
+              <a:buSzPct val="80000"/>
+              <a:buFont typeface="Corbel" pitchFamily="34" charset="0"/>
+              <a:buNone/>
+              <a:defRPr sz="2400" b="1" kern="1200">
+                <a:solidFill>
+                  <a:schemeClr val="accent1"/>
+                </a:solidFill>
+                <a:latin typeface="Segoe UI Black" panose="020B0A02040204020203" pitchFamily="34" charset="0"/>
+                <a:ea typeface="Segoe UI Black" panose="020B0A02040204020203" pitchFamily="34" charset="0"/>
+                <a:cs typeface="+mn-cs"/>
+              </a:defRPr>
+            </a:lvl1pPr>
+            <a:lvl2pPr marL="457200" indent="0" algn="l" defTabSz="914400" rtl="0" eaLnBrk="1" latinLnBrk="0" hangingPunct="1">
+              <a:lnSpc>
+                <a:spcPct val="90000"/>
+              </a:lnSpc>
+              <a:spcBef>
+                <a:spcPts val="200"/>
+              </a:spcBef>
+              <a:spcAft>
+                <a:spcPts val="400"/>
+              </a:spcAft>
+              <a:buClr>
+                <a:schemeClr val="accent1"/>
+              </a:buClr>
+              <a:buSzPct val="80000"/>
+              <a:buFont typeface="Corbel" pitchFamily="34" charset="0"/>
+              <a:buNone/>
+              <a:defRPr sz="2000" b="1" kern="1200">
+                <a:solidFill>
+                  <a:schemeClr val="accent1"/>
+                </a:solidFill>
+                <a:latin typeface="+mn-lt"/>
+                <a:ea typeface="+mn-ea"/>
+                <a:cs typeface="+mn-cs"/>
+              </a:defRPr>
+            </a:lvl2pPr>
+            <a:lvl3pPr marL="914400" indent="0" algn="l" defTabSz="914400" rtl="0" eaLnBrk="1" latinLnBrk="0" hangingPunct="1">
+              <a:lnSpc>
+                <a:spcPct val="90000"/>
+              </a:lnSpc>
+              <a:spcBef>
+                <a:spcPts val="200"/>
+              </a:spcBef>
+              <a:spcAft>
+                <a:spcPts val="400"/>
+              </a:spcAft>
+              <a:buClr>
+                <a:schemeClr val="accent1"/>
+              </a:buClr>
+              <a:buSzPct val="80000"/>
+              <a:buFont typeface="Corbel" pitchFamily="34" charset="0"/>
+              <a:buNone/>
+              <a:defRPr sz="1800" b="1" kern="1200">
+                <a:solidFill>
+                  <a:schemeClr val="accent1"/>
+                </a:solidFill>
+                <a:latin typeface="+mn-lt"/>
+                <a:ea typeface="+mn-ea"/>
+                <a:cs typeface="+mn-cs"/>
+              </a:defRPr>
+            </a:lvl3pPr>
+            <a:lvl4pPr marL="1371600" indent="0" algn="l" defTabSz="914400" rtl="0" eaLnBrk="1" latinLnBrk="0" hangingPunct="1">
+              <a:lnSpc>
+                <a:spcPct val="90000"/>
+              </a:lnSpc>
+              <a:spcBef>
+                <a:spcPts val="200"/>
+              </a:spcBef>
+              <a:spcAft>
+                <a:spcPts val="400"/>
+              </a:spcAft>
+              <a:buClr>
+                <a:schemeClr val="accent1"/>
+              </a:buClr>
+              <a:buSzPct val="80000"/>
+              <a:buFont typeface="Corbel" pitchFamily="34" charset="0"/>
+              <a:buNone/>
+              <a:defRPr sz="1600" b="1" kern="1200">
+                <a:solidFill>
+                  <a:schemeClr val="accent1"/>
+                </a:solidFill>
+                <a:latin typeface="+mn-lt"/>
+                <a:ea typeface="+mn-ea"/>
+                <a:cs typeface="+mn-cs"/>
+              </a:defRPr>
+            </a:lvl4pPr>
+            <a:lvl5pPr marL="1828800" indent="0" algn="l" defTabSz="914400" rtl="0" eaLnBrk="1" latinLnBrk="0" hangingPunct="1">
+              <a:lnSpc>
+                <a:spcPct val="90000"/>
+              </a:lnSpc>
+              <a:spcBef>
+                <a:spcPts val="200"/>
+              </a:spcBef>
+              <a:spcAft>
+                <a:spcPts val="400"/>
+              </a:spcAft>
+              <a:buClr>
+                <a:schemeClr val="accent1"/>
+              </a:buClr>
+              <a:buSzPct val="80000"/>
+              <a:buFont typeface="Corbel" pitchFamily="34" charset="0"/>
+              <a:buNone/>
+              <a:defRPr sz="1600" b="1" kern="1200">
+                <a:solidFill>
+                  <a:schemeClr val="accent1"/>
+                </a:solidFill>
+                <a:latin typeface="+mn-lt"/>
+                <a:ea typeface="+mn-ea"/>
+                <a:cs typeface="+mn-cs"/>
+              </a:defRPr>
+            </a:lvl5pPr>
+            <a:lvl6pPr marL="2286000" indent="0" algn="l" defTabSz="914400" rtl="0" eaLnBrk="1" latinLnBrk="0" hangingPunct="1">
+              <a:lnSpc>
+                <a:spcPct val="90000"/>
+              </a:lnSpc>
+              <a:spcBef>
+                <a:spcPts val="200"/>
+              </a:spcBef>
+              <a:spcAft>
+                <a:spcPts val="400"/>
+              </a:spcAft>
+              <a:buClr>
+                <a:schemeClr val="accent1"/>
+              </a:buClr>
+              <a:buSzPct val="80000"/>
+              <a:buFont typeface="Corbel" pitchFamily="34" charset="0"/>
+              <a:buNone/>
+              <a:defRPr sz="1600" b="1" kern="1200">
+                <a:solidFill>
+                  <a:schemeClr val="accent1"/>
+                </a:solidFill>
+                <a:latin typeface="+mn-lt"/>
+                <a:ea typeface="+mn-ea"/>
+                <a:cs typeface="+mn-cs"/>
+              </a:defRPr>
+            </a:lvl6pPr>
+            <a:lvl7pPr marL="2743200" indent="0" algn="l" defTabSz="914400" rtl="0" eaLnBrk="1" latinLnBrk="0" hangingPunct="1">
+              <a:lnSpc>
+                <a:spcPct val="90000"/>
+              </a:lnSpc>
+              <a:spcBef>
+                <a:spcPts val="200"/>
+              </a:spcBef>
+              <a:spcAft>
+                <a:spcPts val="400"/>
+              </a:spcAft>
+              <a:buClr>
+                <a:schemeClr val="accent1"/>
+              </a:buClr>
+              <a:buSzPct val="80000"/>
+              <a:buFont typeface="Corbel" pitchFamily="34" charset="0"/>
+              <a:buNone/>
+              <a:defRPr sz="1600" b="1" kern="1200">
+                <a:solidFill>
+                  <a:schemeClr val="accent1"/>
+                </a:solidFill>
+                <a:latin typeface="+mn-lt"/>
+                <a:ea typeface="+mn-ea"/>
+                <a:cs typeface="+mn-cs"/>
+              </a:defRPr>
+            </a:lvl7pPr>
+            <a:lvl8pPr marL="3200400" indent="0" algn="l" defTabSz="914400" rtl="0" eaLnBrk="1" latinLnBrk="0" hangingPunct="1">
+              <a:lnSpc>
+                <a:spcPct val="90000"/>
+              </a:lnSpc>
+              <a:spcBef>
+                <a:spcPts val="200"/>
+              </a:spcBef>
+              <a:spcAft>
+                <a:spcPts val="400"/>
+              </a:spcAft>
+              <a:buClr>
+                <a:schemeClr val="accent1"/>
+              </a:buClr>
+              <a:buSzPct val="80000"/>
+              <a:buFont typeface="Corbel" pitchFamily="34" charset="0"/>
+              <a:buNone/>
+              <a:defRPr sz="1600" b="1" kern="1200">
+                <a:solidFill>
+                  <a:schemeClr val="accent1"/>
+                </a:solidFill>
+                <a:latin typeface="+mn-lt"/>
+                <a:ea typeface="+mn-ea"/>
+                <a:cs typeface="+mn-cs"/>
+              </a:defRPr>
+            </a:lvl8pPr>
+            <a:lvl9pPr marL="3657600" indent="0" algn="l" defTabSz="914400" rtl="0" eaLnBrk="1" latinLnBrk="0" hangingPunct="1">
+              <a:lnSpc>
+                <a:spcPct val="90000"/>
+              </a:lnSpc>
+              <a:spcBef>
+                <a:spcPts val="200"/>
+              </a:spcBef>
+              <a:spcAft>
+                <a:spcPts val="400"/>
+              </a:spcAft>
+              <a:buClr>
+                <a:schemeClr val="accent1"/>
+              </a:buClr>
+              <a:buSzPct val="80000"/>
+              <a:buFont typeface="Corbel" pitchFamily="34" charset="0"/>
+              <a:buNone/>
+              <a:defRPr sz="1600" b="1" kern="1200">
+                <a:solidFill>
+                  <a:schemeClr val="accent1"/>
+                </a:solidFill>
+                <a:latin typeface="+mn-lt"/>
+                <a:ea typeface="+mn-ea"/>
+                <a:cs typeface="+mn-cs"/>
+              </a:defRPr>
+            </a:lvl9pPr>
+          </a:lstStyle>
+          <a:p>
+            <a:pPr marL="342900" indent="-342900">
+              <a:buFont typeface="Wingdings" panose="05000000000000000000" pitchFamily="2" charset="2"/>
+              <a:buChar char="Ø"/>
+            </a:pPr>
+            <a:r>
+              <a:rPr lang="en-US" smtClean="0"/>
+              <a:t>Xử lí các phép toán trong dấu “)” ngoặc</a:t>
+            </a:r>
+            <a:endParaRPr lang="en-US"/>
+          </a:p>
+        </p:txBody>
+      </p:sp>
+      <p:sp>
+        <p:nvSpPr>
+          <p:cNvPr id="20" name="Text Placeholder 8">
+            <a:extLst>
+              <a:ext uri="{FF2B5EF4-FFF2-40B4-BE49-F238E27FC236}">
+                <a16:creationId xmlns:a16="http://schemas.microsoft.com/office/drawing/2014/main" id="{D63E4155-33A4-4CCC-B07C-D3BFF95BA20D}"/>
+              </a:ext>
+            </a:extLst>
+          </p:cNvPr>
+          <p:cNvSpPr txBox="1">
+            <a:spLocks/>
+          </p:cNvSpPr>
+          <p:nvPr/>
+        </p:nvSpPr>
+        <p:spPr>
+          <a:xfrm>
+            <a:off x="1325880" y="3874071"/>
+            <a:ext cx="9307286" cy="777240"/>
+          </a:xfrm>
+          <a:prstGeom prst="rect">
+            <a:avLst/>
+          </a:prstGeom>
+        </p:spPr>
+        <p:txBody>
+          <a:bodyPr vert="horz" lIns="91440" tIns="45720" rIns="91440" bIns="45720" rtlCol="0" anchor="ctr">
+            <a:normAutofit/>
+          </a:bodyPr>
+          <a:lstStyle>
+            <a:lvl1pPr marL="0" indent="0" algn="l" defTabSz="914400" rtl="0" eaLnBrk="1" latinLnBrk="0" hangingPunct="1">
+              <a:lnSpc>
+                <a:spcPct val="90000"/>
+              </a:lnSpc>
+              <a:spcBef>
+                <a:spcPts val="0"/>
+              </a:spcBef>
+              <a:buClr>
+                <a:schemeClr val="accent1"/>
+              </a:buClr>
+              <a:buSzPct val="80000"/>
+              <a:buFont typeface="Corbel" pitchFamily="34" charset="0"/>
+              <a:buNone/>
+              <a:defRPr sz="2400" b="1" kern="1200">
+                <a:solidFill>
+                  <a:schemeClr val="accent1"/>
+                </a:solidFill>
+                <a:latin typeface="Segoe UI Black" panose="020B0A02040204020203" pitchFamily="34" charset="0"/>
+                <a:ea typeface="Segoe UI Black" panose="020B0A02040204020203" pitchFamily="34" charset="0"/>
+                <a:cs typeface="+mn-cs"/>
+              </a:defRPr>
+            </a:lvl1pPr>
+            <a:lvl2pPr marL="457200" indent="0" algn="l" defTabSz="914400" rtl="0" eaLnBrk="1" latinLnBrk="0" hangingPunct="1">
+              <a:lnSpc>
+                <a:spcPct val="90000"/>
+              </a:lnSpc>
+              <a:spcBef>
+                <a:spcPts val="200"/>
+              </a:spcBef>
+              <a:spcAft>
+                <a:spcPts val="400"/>
+              </a:spcAft>
+              <a:buClr>
+                <a:schemeClr val="accent1"/>
+              </a:buClr>
+              <a:buSzPct val="80000"/>
+              <a:buFont typeface="Corbel" pitchFamily="34" charset="0"/>
+              <a:buNone/>
+              <a:defRPr sz="2000" b="1" kern="1200">
+                <a:solidFill>
+                  <a:schemeClr val="accent1"/>
+                </a:solidFill>
+                <a:latin typeface="+mn-lt"/>
+                <a:ea typeface="+mn-ea"/>
+                <a:cs typeface="+mn-cs"/>
+              </a:defRPr>
+            </a:lvl2pPr>
+            <a:lvl3pPr marL="914400" indent="0" algn="l" defTabSz="914400" rtl="0" eaLnBrk="1" latinLnBrk="0" hangingPunct="1">
+              <a:lnSpc>
+                <a:spcPct val="90000"/>
+              </a:lnSpc>
+              <a:spcBef>
+                <a:spcPts val="200"/>
+              </a:spcBef>
+              <a:spcAft>
+                <a:spcPts val="400"/>
+              </a:spcAft>
+              <a:buClr>
+                <a:schemeClr val="accent1"/>
+              </a:buClr>
+              <a:buSzPct val="80000"/>
+              <a:buFont typeface="Corbel" pitchFamily="34" charset="0"/>
+              <a:buNone/>
+              <a:defRPr sz="1800" b="1" kern="1200">
+                <a:solidFill>
+                  <a:schemeClr val="accent1"/>
+                </a:solidFill>
+                <a:latin typeface="+mn-lt"/>
+                <a:ea typeface="+mn-ea"/>
+                <a:cs typeface="+mn-cs"/>
+              </a:defRPr>
+            </a:lvl3pPr>
+            <a:lvl4pPr marL="1371600" indent="0" algn="l" defTabSz="914400" rtl="0" eaLnBrk="1" latinLnBrk="0" hangingPunct="1">
+              <a:lnSpc>
+                <a:spcPct val="90000"/>
+              </a:lnSpc>
+              <a:spcBef>
+                <a:spcPts val="200"/>
+              </a:spcBef>
+              <a:spcAft>
+                <a:spcPts val="400"/>
+              </a:spcAft>
+              <a:buClr>
+                <a:schemeClr val="accent1"/>
+              </a:buClr>
+              <a:buSzPct val="80000"/>
+              <a:buFont typeface="Corbel" pitchFamily="34" charset="0"/>
+              <a:buNone/>
+              <a:defRPr sz="1600" b="1" kern="1200">
+                <a:solidFill>
+                  <a:schemeClr val="accent1"/>
+                </a:solidFill>
+                <a:latin typeface="+mn-lt"/>
+                <a:ea typeface="+mn-ea"/>
+                <a:cs typeface="+mn-cs"/>
+              </a:defRPr>
+            </a:lvl4pPr>
+            <a:lvl5pPr marL="1828800" indent="0" algn="l" defTabSz="914400" rtl="0" eaLnBrk="1" latinLnBrk="0" hangingPunct="1">
+              <a:lnSpc>
+                <a:spcPct val="90000"/>
+              </a:lnSpc>
+              <a:spcBef>
+                <a:spcPts val="200"/>
+              </a:spcBef>
+              <a:spcAft>
+                <a:spcPts val="400"/>
+              </a:spcAft>
+              <a:buClr>
+                <a:schemeClr val="accent1"/>
+              </a:buClr>
+              <a:buSzPct val="80000"/>
+              <a:buFont typeface="Corbel" pitchFamily="34" charset="0"/>
+              <a:buNone/>
+              <a:defRPr sz="1600" b="1" kern="1200">
+                <a:solidFill>
+                  <a:schemeClr val="accent1"/>
+                </a:solidFill>
+                <a:latin typeface="+mn-lt"/>
+                <a:ea typeface="+mn-ea"/>
+                <a:cs typeface="+mn-cs"/>
+              </a:defRPr>
+            </a:lvl5pPr>
+            <a:lvl6pPr marL="2286000" indent="0" algn="l" defTabSz="914400" rtl="0" eaLnBrk="1" latinLnBrk="0" hangingPunct="1">
+              <a:lnSpc>
+                <a:spcPct val="90000"/>
+              </a:lnSpc>
+              <a:spcBef>
+                <a:spcPts val="200"/>
+              </a:spcBef>
+              <a:spcAft>
+                <a:spcPts val="400"/>
+              </a:spcAft>
+              <a:buClr>
+                <a:schemeClr val="accent1"/>
+              </a:buClr>
+              <a:buSzPct val="80000"/>
+              <a:buFont typeface="Corbel" pitchFamily="34" charset="0"/>
+              <a:buNone/>
+              <a:defRPr sz="1600" b="1" kern="1200">
+                <a:solidFill>
+                  <a:schemeClr val="accent1"/>
+                </a:solidFill>
+                <a:latin typeface="+mn-lt"/>
+                <a:ea typeface="+mn-ea"/>
+                <a:cs typeface="+mn-cs"/>
+              </a:defRPr>
+            </a:lvl6pPr>
+            <a:lvl7pPr marL="2743200" indent="0" algn="l" defTabSz="914400" rtl="0" eaLnBrk="1" latinLnBrk="0" hangingPunct="1">
+              <a:lnSpc>
+                <a:spcPct val="90000"/>
+              </a:lnSpc>
+              <a:spcBef>
+                <a:spcPts val="200"/>
+              </a:spcBef>
+              <a:spcAft>
+                <a:spcPts val="400"/>
+              </a:spcAft>
+              <a:buClr>
+                <a:schemeClr val="accent1"/>
+              </a:buClr>
+              <a:buSzPct val="80000"/>
+              <a:buFont typeface="Corbel" pitchFamily="34" charset="0"/>
+              <a:buNone/>
+              <a:defRPr sz="1600" b="1" kern="1200">
+                <a:solidFill>
+                  <a:schemeClr val="accent1"/>
+                </a:solidFill>
+                <a:latin typeface="+mn-lt"/>
+                <a:ea typeface="+mn-ea"/>
+                <a:cs typeface="+mn-cs"/>
+              </a:defRPr>
+            </a:lvl7pPr>
+            <a:lvl8pPr marL="3200400" indent="0" algn="l" defTabSz="914400" rtl="0" eaLnBrk="1" latinLnBrk="0" hangingPunct="1">
+              <a:lnSpc>
+                <a:spcPct val="90000"/>
+              </a:lnSpc>
+              <a:spcBef>
+                <a:spcPts val="200"/>
+              </a:spcBef>
+              <a:spcAft>
+                <a:spcPts val="400"/>
+              </a:spcAft>
+              <a:buClr>
+                <a:schemeClr val="accent1"/>
+              </a:buClr>
+              <a:buSzPct val="80000"/>
+              <a:buFont typeface="Corbel" pitchFamily="34" charset="0"/>
+              <a:buNone/>
+              <a:defRPr sz="1600" b="1" kern="1200">
+                <a:solidFill>
+                  <a:schemeClr val="accent1"/>
+                </a:solidFill>
+                <a:latin typeface="+mn-lt"/>
+                <a:ea typeface="+mn-ea"/>
+                <a:cs typeface="+mn-cs"/>
+              </a:defRPr>
+            </a:lvl8pPr>
+            <a:lvl9pPr marL="3657600" indent="0" algn="l" defTabSz="914400" rtl="0" eaLnBrk="1" latinLnBrk="0" hangingPunct="1">
+              <a:lnSpc>
+                <a:spcPct val="90000"/>
+              </a:lnSpc>
+              <a:spcBef>
+                <a:spcPts val="200"/>
+              </a:spcBef>
+              <a:spcAft>
+                <a:spcPts val="400"/>
+              </a:spcAft>
+              <a:buClr>
+                <a:schemeClr val="accent1"/>
+              </a:buClr>
+              <a:buSzPct val="80000"/>
+              <a:buFont typeface="Corbel" pitchFamily="34" charset="0"/>
+              <a:buNone/>
+              <a:defRPr sz="1600" b="1" kern="1200">
+                <a:solidFill>
+                  <a:schemeClr val="accent1"/>
+                </a:solidFill>
+                <a:latin typeface="+mn-lt"/>
+                <a:ea typeface="+mn-ea"/>
+                <a:cs typeface="+mn-cs"/>
+              </a:defRPr>
+            </a:lvl9pPr>
+          </a:lstStyle>
+          <a:p>
+            <a:pPr marL="342900" indent="-342900">
+              <a:buFont typeface="Wingdings" panose="05000000000000000000" pitchFamily="2" charset="2"/>
+              <a:buChar char="Ø"/>
+            </a:pPr>
+            <a:r>
+              <a:rPr lang="en-US"/>
+              <a:t>X</a:t>
+            </a:r>
+            <a:r>
+              <a:rPr lang="en-US" smtClean="0"/>
+              <a:t>ử lí dấu ++ hoặc -- hoặc + - hoặc - + </a:t>
+            </a:r>
+            <a:endParaRPr lang="en-US"/>
+          </a:p>
+        </p:txBody>
+      </p:sp>
+      <p:sp>
+        <p:nvSpPr>
+          <p:cNvPr id="21" name="Text Placeholder 10">
+            <a:extLst>
+              <a:ext uri="{FF2B5EF4-FFF2-40B4-BE49-F238E27FC236}">
+                <a16:creationId xmlns:a16="http://schemas.microsoft.com/office/drawing/2014/main" id="{B381125E-76A7-41D3-BC66-CBD0DFF98475}"/>
+              </a:ext>
+            </a:extLst>
+          </p:cNvPr>
+          <p:cNvSpPr>
+            <a:spLocks noGrp="1"/>
+          </p:cNvSpPr>
+          <p:nvPr>
+            <p:ph type="body" sz="quarter" idx="3"/>
+          </p:nvPr>
+        </p:nvSpPr>
+        <p:spPr>
+          <a:xfrm>
+            <a:off x="1325880" y="4721291"/>
+            <a:ext cx="4754880" cy="777240"/>
+          </a:xfrm>
+        </p:spPr>
+        <p:txBody>
+          <a:bodyPr/>
+          <a:lstStyle/>
+          <a:p>
+            <a:pPr marL="342900" lvl="0" indent="-342900">
+              <a:buFont typeface="Wingdings" panose="05000000000000000000" pitchFamily="2" charset="2"/>
+              <a:buChar char="Ø"/>
+            </a:pPr>
+            <a:r>
+              <a:rPr lang="en-US"/>
+              <a:t>Xử lí các phép toán còn lại</a:t>
+            </a:r>
+          </a:p>
+        </p:txBody>
+      </p:sp>
     </p:spTree>
     <p:extLst>
       <p:ext uri="{BB962C8B-B14F-4D97-AF65-F5344CB8AC3E}">
